--- a/lessons/2_triangle/ppt/使用WebGPU绘制三角形.pptx
+++ b/lessons/2_triangle/ppt/使用WebGPU绘制三角形.pptx
@@ -5,25 +5,25 @@
     <p:sldMasterId id="2147483648" r:id="rId1"/>
   </p:sldMasterIdLst>
   <p:notesMasterIdLst>
-    <p:notesMasterId r:id="rId4"/>
+    <p:notesMasterId r:id="rId10"/>
   </p:notesMasterIdLst>
   <p:handoutMasterIdLst>
-    <p:handoutMasterId r:id="rId12"/>
+    <p:handoutMasterId r:id="rId11"/>
   </p:handoutMasterIdLst>
   <p:sldIdLst>
-    <p:sldId id="307" r:id="rId3"/>
-    <p:sldId id="308" r:id="rId5"/>
-    <p:sldId id="659" r:id="rId6"/>
-    <p:sldId id="1003" r:id="rId7"/>
-    <p:sldId id="1001" r:id="rId8"/>
-    <p:sldId id="1009" r:id="rId9"/>
-    <p:sldId id="996" r:id="rId10"/>
-    <p:sldId id="653" r:id="rId11"/>
+    <p:sldId id="307" r:id="rId2"/>
+    <p:sldId id="308" r:id="rId3"/>
+    <p:sldId id="659" r:id="rId4"/>
+    <p:sldId id="1003" r:id="rId5"/>
+    <p:sldId id="1001" r:id="rId6"/>
+    <p:sldId id="1009" r:id="rId7"/>
+    <p:sldId id="996" r:id="rId8"/>
+    <p:sldId id="653" r:id="rId9"/>
   </p:sldIdLst>
   <p:sldSz cx="12192000" cy="6858000"/>
   <p:notesSz cx="6858000" cy="9144000"/>
   <p:custDataLst>
-    <p:tags r:id="rId16"/>
+    <p:tags r:id="rId12"/>
   </p:custDataLst>
   <p:defaultTextStyle>
     <a:defPPr>
@@ -120,6 +120,11 @@
       </a:defRPr>
     </a:lvl9pPr>
   </p:defaultTextStyle>
+  <p:extLst>
+    <p:ext uri="{EFAFB233-063F-42B5-8137-9DF3F51BA10A}">
+      <p15:sldGuideLst xmlns:p15="http://schemas.microsoft.com/office/powerpoint/2012/main"/>
+    </p:ext>
+  </p:extLst>
 </p:presentation>
 </file>
 
@@ -211,8 +216,9 @@
                 <a:latin typeface="微软雅黑" panose="020B0503020204020204" charset="-122"/>
                 <a:ea typeface="微软雅黑" panose="020B0503020204020204" charset="-122"/>
               </a:rPr>
+              <a:t>2022/9/6</a:t>
             </a:fld>
-            <a:endParaRPr lang="zh-CN" altLang="en-US" smtClean="0">
+            <a:endParaRPr lang="zh-CN" altLang="en-US">
               <a:latin typeface="微软雅黑" panose="020B0503020204020204" charset="-122"/>
               <a:ea typeface="微软雅黑" panose="020B0503020204020204" charset="-122"/>
             </a:endParaRPr>
@@ -285,8 +291,9 @@
                 <a:latin typeface="微软雅黑" panose="020B0503020204020204" charset="-122"/>
                 <a:ea typeface="微软雅黑" panose="020B0503020204020204" charset="-122"/>
               </a:rPr>
+              <a:t>‹#›</a:t>
             </a:fld>
-            <a:endParaRPr lang="zh-CN" altLang="en-US" smtClean="0">
+            <a:endParaRPr lang="zh-CN" altLang="en-US">
               <a:latin typeface="微软雅黑" panose="020B0503020204020204" charset="-122"/>
               <a:ea typeface="微软雅黑" panose="020B0503020204020204" charset="-122"/>
             </a:endParaRPr>
@@ -294,6 +301,11 @@
         </p:txBody>
       </p:sp>
     </p:spTree>
+    <p:extLst>
+      <p:ext uri="{BB962C8B-B14F-4D97-AF65-F5344CB8AC3E}">
+        <p14:creationId xmlns:p14="http://schemas.microsoft.com/office/powerpoint/2010/main" val="1"/>
+      </p:ext>
+    </p:extLst>
   </p:cSld>
   <p:clrMap bg1="lt1" tx1="dk1" bg2="lt2" tx2="dk2" accent1="accent1" accent2="accent2" accent3="accent3" accent4="accent4" accent5="accent5" accent6="accent6" hlink="hlink" folHlink="folHlink"/>
 </p:handoutMaster>
@@ -387,6 +399,7 @@
           <a:p>
             <a:fld id="{1AC49D05-6128-4D0D-A32A-06A5E73B386C}" type="datetimeFigureOut">
               <a:rPr lang="zh-CN" altLang="en-US" smtClean="0"/>
+              <a:t>2022/9/6</a:t>
             </a:fld>
             <a:endParaRPr lang="zh-CN" altLang="en-US"/>
           </a:p>
@@ -453,7 +466,6 @@
               <a:rPr lang="zh-CN" altLang="en-US"/>
               <a:t>单击此处编辑母版文本样式</a:t>
             </a:r>
-            <a:endParaRPr lang="zh-CN" altLang="en-US"/>
           </a:p>
           <a:p>
             <a:pPr lvl="1"/>
@@ -461,7 +473,6 @@
               <a:rPr lang="zh-CN" altLang="en-US"/>
               <a:t>第二级</a:t>
             </a:r>
-            <a:endParaRPr lang="zh-CN" altLang="en-US"/>
           </a:p>
           <a:p>
             <a:pPr lvl="2"/>
@@ -469,7 +480,6 @@
               <a:rPr lang="zh-CN" altLang="en-US"/>
               <a:t>第三级</a:t>
             </a:r>
-            <a:endParaRPr lang="zh-CN" altLang="en-US"/>
           </a:p>
           <a:p>
             <a:pPr lvl="3"/>
@@ -477,7 +487,6 @@
               <a:rPr lang="zh-CN" altLang="en-US"/>
               <a:t>第四级</a:t>
             </a:r>
-            <a:endParaRPr lang="zh-CN" altLang="en-US"/>
           </a:p>
           <a:p>
             <a:pPr lvl="4"/>
@@ -485,7 +494,6 @@
               <a:rPr lang="zh-CN" altLang="en-US"/>
               <a:t>第五级</a:t>
             </a:r>
-            <a:endParaRPr lang="zh-CN" altLang="en-US"/>
           </a:p>
         </p:txBody>
       </p:sp>
@@ -555,6 +563,7 @@
           <a:p>
             <a:fld id="{5849F42C-2DAE-424C-A4B8-3140182C3E9F}" type="slidenum">
               <a:rPr lang="zh-CN" altLang="en-US" smtClean="0"/>
+              <a:t>‹#›</a:t>
             </a:fld>
             <a:endParaRPr lang="zh-CN" altLang="en-US"/>
           </a:p>
@@ -706,7 +715,6 @@
               <a:rPr lang="zh-CN" altLang="en-US"/>
               <a:t>ss</a:t>
             </a:r>
-            <a:endParaRPr lang="zh-CN" altLang="en-US"/>
           </a:p>
         </p:txBody>
       </p:sp>
@@ -727,6 +735,7 @@
           <a:p>
             <a:fld id="{85D0DACE-38E0-42D2-9336-2B707D34BC6D}" type="slidenum">
               <a:rPr lang="zh-CN" altLang="en-US" smtClean="0"/>
+              <a:t>1</a:t>
             </a:fld>
             <a:endParaRPr lang="zh-CN" altLang="en-US"/>
           </a:p>
@@ -788,6 +797,7 @@
           <a:bodyPr wrap="none" rtlCol="0">
             <a:spAutoFit/>
           </a:bodyPr>
+          <a:lstStyle/>
           <a:p>
             <a:r>
               <a:rPr lang="zh-CN" altLang="en-US" sz="3600">
@@ -811,21 +821,8 @@
                 <a:ea typeface="+mj-ea"/>
                 <a:cs typeface="+mj-ea"/>
               </a:rPr>
-              <a:t>群</a:t>
+              <a:t>群报名：</a:t>
             </a:r>
-            <a:r>
-              <a:rPr lang="zh-CN" altLang="en-US" sz="3600">
-                <a:latin typeface="+mj-ea"/>
-                <a:ea typeface="+mj-ea"/>
-                <a:cs typeface="+mj-ea"/>
-              </a:rPr>
-              <a:t>报名：</a:t>
-            </a:r>
-            <a:endParaRPr lang="zh-CN" altLang="en-US" sz="3600">
-              <a:latin typeface="+mj-ea"/>
-              <a:ea typeface="+mj-ea"/>
-              <a:cs typeface="+mj-ea"/>
-            </a:endParaRPr>
           </a:p>
         </p:txBody>
       </p:sp>
@@ -863,7 +860,7 @@
           <p:nvPr>
             <p:ph type="body" idx="1"/>
             <p:custDataLst>
-              <p:tags r:id="rId2"/>
+              <p:tags r:id="rId1"/>
             </p:custDataLst>
           </p:nvPr>
         </p:nvSpPr>
@@ -978,7 +975,6 @@
               <a:rPr lang="zh-CN" altLang="en-US" dirty="0"/>
               <a:t>单击此处编辑母版文本样式</a:t>
             </a:r>
-            <a:endParaRPr lang="zh-CN" altLang="en-US" dirty="0"/>
           </a:p>
         </p:txBody>
       </p:sp>
@@ -1002,6 +998,7 @@
           <a:bodyPr wrap="square" rtlCol="0">
             <a:spAutoFit/>
           </a:bodyPr>
+          <a:lstStyle/>
           <a:p>
             <a:pPr algn="ctr"/>
             <a:r>
@@ -1011,10 +1008,6 @@
               </a:rPr>
               <a:t>扩展阅读</a:t>
             </a:r>
-            <a:endParaRPr lang="zh-CN" altLang="en-US" sz="2800" b="1">
-              <a:latin typeface="+mj-ea"/>
-              <a:ea typeface="+mj-ea"/>
-            </a:endParaRPr>
           </a:p>
         </p:txBody>
       </p:sp>
@@ -1052,35 +1045,63 @@
           <p:nvPr>
             <p:ph type="dt" sz="half" idx="10"/>
             <p:custDataLst>
+              <p:tags r:id="rId1"/>
+            </p:custDataLst>
+          </p:nvPr>
+        </p:nvSpPr>
+        <p:spPr>
+          <a:xfrm>
+            <a:off x="879742" y="6349833"/>
+            <a:ext cx="2700000" cy="316800"/>
+          </a:xfrm>
+        </p:spPr>
+        <p:txBody>
+          <a:bodyPr/>
+          <a:lstStyle/>
+          <a:p>
+            <a:fld id="{9EFD9D74-47D9-4702-A33C-335B63B48DBF}" type="datetimeFigureOut">
+              <a:rPr lang="zh-CN" altLang="en-US" smtClean="0"/>
+              <a:t>2022/9/6</a:t>
+            </a:fld>
+            <a:endParaRPr lang="zh-CN" altLang="en-US" dirty="0"/>
+          </a:p>
+        </p:txBody>
+      </p:sp>
+      <p:sp>
+        <p:nvSpPr>
+          <p:cNvPr id="6" name="页脚占位符 5"/>
+          <p:cNvSpPr>
+            <a:spLocks noGrp="1"/>
+          </p:cNvSpPr>
+          <p:nvPr>
+            <p:ph type="ftr" sz="quarter" idx="11"/>
+            <p:custDataLst>
               <p:tags r:id="rId2"/>
             </p:custDataLst>
           </p:nvPr>
         </p:nvSpPr>
         <p:spPr>
           <a:xfrm>
-            <a:off x="879742" y="6349833"/>
-            <a:ext cx="2700000" cy="316800"/>
+            <a:off x="4116000" y="6349833"/>
+            <a:ext cx="3960000" cy="316800"/>
           </a:xfrm>
         </p:spPr>
         <p:txBody>
           <a:bodyPr/>
           <a:lstStyle/>
           <a:p>
-            <a:fld id="{9EFD9D74-47D9-4702-A33C-335B63B48DBF}" type="datetimeFigureOut">
-              <a:rPr lang="zh-CN" altLang="en-US" smtClean="0"/>
-            </a:fld>
             <a:endParaRPr lang="zh-CN" altLang="en-US" dirty="0"/>
           </a:p>
         </p:txBody>
       </p:sp>
       <p:sp>
         <p:nvSpPr>
-          <p:cNvPr id="6" name="页脚占位符 5"/>
-          <p:cNvSpPr>
-            <a:spLocks noGrp="1"/>
-          </p:cNvSpPr>
-          <p:nvPr>
-            <p:ph type="ftr" sz="quarter" idx="11"/>
+          <p:cNvPr id="7" name="灯片编号占位符 6"/>
+          <p:cNvSpPr>
+            <a:spLocks noGrp="1"/>
+          </p:cNvSpPr>
+          <p:nvPr>
+            <p:ph type="sldNum" sz="quarter" idx="12"/>
             <p:custDataLst>
               <p:tags r:id="rId3"/>
             </p:custDataLst>
@@ -1088,43 +1109,17 @@
         </p:nvSpPr>
         <p:spPr>
           <a:xfrm>
-            <a:off x="4116000" y="6349833"/>
-            <a:ext cx="3960000" cy="316800"/>
+            <a:off x="8610600" y="6349833"/>
+            <a:ext cx="2700000" cy="316800"/>
           </a:xfrm>
         </p:spPr>
         <p:txBody>
           <a:bodyPr/>
           <a:lstStyle/>
           <a:p>
-            <a:endParaRPr lang="zh-CN" altLang="en-US" dirty="0"/>
-          </a:p>
-        </p:txBody>
-      </p:sp>
-      <p:sp>
-        <p:nvSpPr>
-          <p:cNvPr id="7" name="灯片编号占位符 6"/>
-          <p:cNvSpPr>
-            <a:spLocks noGrp="1"/>
-          </p:cNvSpPr>
-          <p:nvPr>
-            <p:ph type="sldNum" sz="quarter" idx="12"/>
-            <p:custDataLst>
-              <p:tags r:id="rId4"/>
-            </p:custDataLst>
-          </p:nvPr>
-        </p:nvSpPr>
-        <p:spPr>
-          <a:xfrm>
-            <a:off x="8610600" y="6349833"/>
-            <a:ext cx="2700000" cy="316800"/>
-          </a:xfrm>
-        </p:spPr>
-        <p:txBody>
-          <a:bodyPr/>
-          <a:lstStyle/>
-          <a:p>
             <a:fld id="{FABC47A4-756D-490B-A52F-7D9E2C9FC05F}" type="slidenum">
               <a:rPr lang="zh-CN" altLang="en-US" smtClean="0"/>
+              <a:t>‹#›</a:t>
             </a:fld>
             <a:endParaRPr lang="zh-CN" altLang="en-US"/>
           </a:p>
@@ -1150,6 +1145,7 @@
           <a:bodyPr wrap="square" rtlCol="0">
             <a:spAutoFit/>
           </a:bodyPr>
+          <a:lstStyle/>
           <a:p>
             <a:pPr algn="ctr"/>
             <a:r>
@@ -1160,11 +1156,6 @@
               </a:rPr>
               <a:t>问答</a:t>
             </a:r>
-            <a:endParaRPr lang="zh-CN" altLang="en-US" sz="5400">
-              <a:latin typeface="+mj-ea"/>
-              <a:ea typeface="+mj-ea"/>
-              <a:cs typeface="+mj-ea"/>
-            </a:endParaRPr>
           </a:p>
         </p:txBody>
       </p:sp>
@@ -1202,7 +1193,7 @@
           <p:nvPr>
             <p:ph type="body" idx="1"/>
             <p:custDataLst>
-              <p:tags r:id="rId2"/>
+              <p:tags r:id="rId1"/>
             </p:custDataLst>
           </p:nvPr>
         </p:nvSpPr>
@@ -1317,7 +1308,6 @@
               <a:rPr lang="zh-CN" altLang="en-US" dirty="0"/>
               <a:t>单击此处编辑母版文本样式</a:t>
             </a:r>
-            <a:endParaRPr lang="zh-CN" altLang="en-US" dirty="0"/>
           </a:p>
         </p:txBody>
       </p:sp>
@@ -1341,6 +1331,7 @@
           <a:bodyPr wrap="square" rtlCol="0">
             <a:spAutoFit/>
           </a:bodyPr>
+          <a:lstStyle/>
           <a:p>
             <a:pPr algn="ctr"/>
             <a:r>
@@ -1350,10 +1341,6 @@
               </a:rPr>
               <a:t>下节课预告</a:t>
             </a:r>
-            <a:endParaRPr lang="zh-CN" altLang="en-US" sz="2800" b="1">
-              <a:latin typeface="+mj-ea"/>
-              <a:ea typeface="+mj-ea"/>
-            </a:endParaRPr>
           </a:p>
         </p:txBody>
       </p:sp>
@@ -1391,35 +1378,63 @@
           <p:nvPr>
             <p:ph type="dt" sz="half" idx="10"/>
             <p:custDataLst>
+              <p:tags r:id="rId1"/>
+            </p:custDataLst>
+          </p:nvPr>
+        </p:nvSpPr>
+        <p:spPr>
+          <a:xfrm>
+            <a:off x="879742" y="6349833"/>
+            <a:ext cx="2700000" cy="316800"/>
+          </a:xfrm>
+        </p:spPr>
+        <p:txBody>
+          <a:bodyPr/>
+          <a:lstStyle/>
+          <a:p>
+            <a:fld id="{760FBDFE-C587-4B4C-A407-44438C67B59E}" type="datetimeFigureOut">
+              <a:rPr lang="zh-CN" altLang="en-US" smtClean="0"/>
+              <a:t>2022/9/6</a:t>
+            </a:fld>
+            <a:endParaRPr lang="zh-CN" altLang="en-US"/>
+          </a:p>
+        </p:txBody>
+      </p:sp>
+      <p:sp>
+        <p:nvSpPr>
+          <p:cNvPr id="4" name="页脚占位符 3"/>
+          <p:cNvSpPr>
+            <a:spLocks noGrp="1"/>
+          </p:cNvSpPr>
+          <p:nvPr>
+            <p:ph type="ftr" sz="quarter" idx="11"/>
+            <p:custDataLst>
               <p:tags r:id="rId2"/>
             </p:custDataLst>
           </p:nvPr>
         </p:nvSpPr>
         <p:spPr>
           <a:xfrm>
-            <a:off x="879742" y="6349833"/>
-            <a:ext cx="2700000" cy="316800"/>
+            <a:off x="4116000" y="6349833"/>
+            <a:ext cx="3960000" cy="316800"/>
           </a:xfrm>
         </p:spPr>
         <p:txBody>
           <a:bodyPr/>
           <a:lstStyle/>
           <a:p>
-            <a:fld id="{760FBDFE-C587-4B4C-A407-44438C67B59E}" type="datetimeFigureOut">
-              <a:rPr lang="zh-CN" altLang="en-US" smtClean="0"/>
-            </a:fld>
             <a:endParaRPr lang="zh-CN" altLang="en-US"/>
           </a:p>
         </p:txBody>
       </p:sp>
       <p:sp>
         <p:nvSpPr>
-          <p:cNvPr id="4" name="页脚占位符 3"/>
-          <p:cNvSpPr>
-            <a:spLocks noGrp="1"/>
-          </p:cNvSpPr>
-          <p:nvPr>
-            <p:ph type="ftr" sz="quarter" idx="11"/>
+          <p:cNvPr id="5" name="灯片编号占位符 4"/>
+          <p:cNvSpPr>
+            <a:spLocks noGrp="1"/>
+          </p:cNvSpPr>
+          <p:nvPr>
+            <p:ph type="sldNum" sz="quarter" idx="12"/>
             <p:custDataLst>
               <p:tags r:id="rId3"/>
             </p:custDataLst>
@@ -1427,58 +1442,32 @@
         </p:nvSpPr>
         <p:spPr>
           <a:xfrm>
-            <a:off x="4116000" y="6349833"/>
-            <a:ext cx="3960000" cy="316800"/>
+            <a:off x="8610600" y="6349833"/>
+            <a:ext cx="2700000" cy="316800"/>
           </a:xfrm>
         </p:spPr>
         <p:txBody>
           <a:bodyPr/>
           <a:lstStyle/>
           <a:p>
+            <a:fld id="{49AE70B2-8BF9-45C0-BB95-33D1B9D3A854}" type="slidenum">
+              <a:rPr lang="zh-CN" altLang="en-US" smtClean="0"/>
+              <a:t>‹#›</a:t>
+            </a:fld>
             <a:endParaRPr lang="zh-CN" altLang="en-US"/>
           </a:p>
         </p:txBody>
       </p:sp>
       <p:sp>
         <p:nvSpPr>
-          <p:cNvPr id="5" name="灯片编号占位符 4"/>
-          <p:cNvSpPr>
-            <a:spLocks noGrp="1"/>
-          </p:cNvSpPr>
-          <p:nvPr>
-            <p:ph type="sldNum" sz="quarter" idx="12"/>
+          <p:cNvPr id="2" name="标题 1"/>
+          <p:cNvSpPr>
+            <a:spLocks noGrp="1"/>
+          </p:cNvSpPr>
+          <p:nvPr>
+            <p:ph type="title" hasCustomPrompt="1"/>
             <p:custDataLst>
               <p:tags r:id="rId4"/>
-            </p:custDataLst>
-          </p:nvPr>
-        </p:nvSpPr>
-        <p:spPr>
-          <a:xfrm>
-            <a:off x="8610600" y="6349833"/>
-            <a:ext cx="2700000" cy="316800"/>
-          </a:xfrm>
-        </p:spPr>
-        <p:txBody>
-          <a:bodyPr/>
-          <a:lstStyle/>
-          <a:p>
-            <a:fld id="{49AE70B2-8BF9-45C0-BB95-33D1B9D3A854}" type="slidenum">
-              <a:rPr lang="zh-CN" altLang="en-US" smtClean="0"/>
-            </a:fld>
-            <a:endParaRPr lang="zh-CN" altLang="en-US"/>
-          </a:p>
-        </p:txBody>
-      </p:sp>
-      <p:sp>
-        <p:nvSpPr>
-          <p:cNvPr id="2" name="标题 1"/>
-          <p:cNvSpPr>
-            <a:spLocks noGrp="1"/>
-          </p:cNvSpPr>
-          <p:nvPr>
-            <p:ph type="title" hasCustomPrompt="1"/>
-            <p:custDataLst>
-              <p:tags r:id="rId5"/>
             </p:custDataLst>
           </p:nvPr>
         </p:nvSpPr>
@@ -1525,9 +1514,6 @@
               </a:rPr>
               <a:t>单击此处编辑标题</a:t>
             </a:r>
-            <a:endParaRPr>
-              <a:sym typeface="+mn-ea"/>
-            </a:endParaRPr>
           </a:p>
         </p:txBody>
       </p:sp>
@@ -1565,35 +1551,63 @@
           <p:nvPr>
             <p:ph type="dt" sz="half" idx="10"/>
             <p:custDataLst>
+              <p:tags r:id="rId1"/>
+            </p:custDataLst>
+          </p:nvPr>
+        </p:nvSpPr>
+        <p:spPr>
+          <a:xfrm>
+            <a:off x="879742" y="6349833"/>
+            <a:ext cx="2700000" cy="316800"/>
+          </a:xfrm>
+        </p:spPr>
+        <p:txBody>
+          <a:bodyPr/>
+          <a:lstStyle/>
+          <a:p>
+            <a:fld id="{9EFD9D74-47D9-4702-A33C-335B63B48DBF}" type="datetimeFigureOut">
+              <a:rPr lang="zh-CN" altLang="en-US" smtClean="0"/>
+              <a:t>2022/9/6</a:t>
+            </a:fld>
+            <a:endParaRPr lang="zh-CN" altLang="en-US" dirty="0"/>
+          </a:p>
+        </p:txBody>
+      </p:sp>
+      <p:sp>
+        <p:nvSpPr>
+          <p:cNvPr id="6" name="页脚占位符 5"/>
+          <p:cNvSpPr>
+            <a:spLocks noGrp="1"/>
+          </p:cNvSpPr>
+          <p:nvPr>
+            <p:ph type="ftr" sz="quarter" idx="11"/>
+            <p:custDataLst>
               <p:tags r:id="rId2"/>
             </p:custDataLst>
           </p:nvPr>
         </p:nvSpPr>
         <p:spPr>
           <a:xfrm>
-            <a:off x="879742" y="6349833"/>
-            <a:ext cx="2700000" cy="316800"/>
+            <a:off x="4116000" y="6349833"/>
+            <a:ext cx="3960000" cy="316800"/>
           </a:xfrm>
         </p:spPr>
         <p:txBody>
           <a:bodyPr/>
           <a:lstStyle/>
           <a:p>
-            <a:fld id="{9EFD9D74-47D9-4702-A33C-335B63B48DBF}" type="datetimeFigureOut">
-              <a:rPr lang="zh-CN" altLang="en-US" smtClean="0"/>
-            </a:fld>
             <a:endParaRPr lang="zh-CN" altLang="en-US" dirty="0"/>
           </a:p>
         </p:txBody>
       </p:sp>
       <p:sp>
         <p:nvSpPr>
-          <p:cNvPr id="6" name="页脚占位符 5"/>
-          <p:cNvSpPr>
-            <a:spLocks noGrp="1"/>
-          </p:cNvSpPr>
-          <p:nvPr>
-            <p:ph type="ftr" sz="quarter" idx="11"/>
+          <p:cNvPr id="7" name="灯片编号占位符 6"/>
+          <p:cNvSpPr>
+            <a:spLocks noGrp="1"/>
+          </p:cNvSpPr>
+          <p:nvPr>
+            <p:ph type="sldNum" sz="quarter" idx="12"/>
             <p:custDataLst>
               <p:tags r:id="rId3"/>
             </p:custDataLst>
@@ -1601,43 +1615,17 @@
         </p:nvSpPr>
         <p:spPr>
           <a:xfrm>
-            <a:off x="4116000" y="6349833"/>
-            <a:ext cx="3960000" cy="316800"/>
+            <a:off x="8610600" y="6349833"/>
+            <a:ext cx="2700000" cy="316800"/>
           </a:xfrm>
         </p:spPr>
         <p:txBody>
           <a:bodyPr/>
           <a:lstStyle/>
           <a:p>
-            <a:endParaRPr lang="zh-CN" altLang="en-US" dirty="0"/>
-          </a:p>
-        </p:txBody>
-      </p:sp>
-      <p:sp>
-        <p:nvSpPr>
-          <p:cNvPr id="7" name="灯片编号占位符 6"/>
-          <p:cNvSpPr>
-            <a:spLocks noGrp="1"/>
-          </p:cNvSpPr>
-          <p:nvPr>
-            <p:ph type="sldNum" sz="quarter" idx="12"/>
-            <p:custDataLst>
-              <p:tags r:id="rId4"/>
-            </p:custDataLst>
-          </p:nvPr>
-        </p:nvSpPr>
-        <p:spPr>
-          <a:xfrm>
-            <a:off x="8610600" y="6349833"/>
-            <a:ext cx="2700000" cy="316800"/>
-          </a:xfrm>
-        </p:spPr>
-        <p:txBody>
-          <a:bodyPr/>
-          <a:lstStyle/>
-          <a:p>
             <a:fld id="{FABC47A4-756D-490B-A52F-7D9E2C9FC05F}" type="slidenum">
               <a:rPr lang="zh-CN" altLang="en-US" smtClean="0"/>
+              <a:t>‹#›</a:t>
             </a:fld>
             <a:endParaRPr lang="zh-CN" altLang="en-US"/>
           </a:p>
@@ -1663,6 +1651,7 @@
           <a:bodyPr wrap="square" rtlCol="0">
             <a:spAutoFit/>
           </a:bodyPr>
+          <a:lstStyle/>
           <a:p>
             <a:pPr algn="ctr"/>
             <a:r>
@@ -1681,11 +1670,6 @@
               </a:rPr>
               <a:t>~</a:t>
             </a:r>
-            <a:endParaRPr lang="en-US" altLang="zh-CN" sz="5400">
-              <a:latin typeface="+mj-ea"/>
-              <a:ea typeface="+mj-ea"/>
-              <a:cs typeface="+mj-ea"/>
-            </a:endParaRPr>
           </a:p>
         </p:txBody>
       </p:sp>
@@ -1723,7 +1707,7 @@
           <p:nvPr>
             <p:ph type="title"/>
             <p:custDataLst>
-              <p:tags r:id="rId2"/>
+              <p:tags r:id="rId1"/>
             </p:custDataLst>
           </p:nvPr>
         </p:nvSpPr>
@@ -1763,9 +1747,6 @@
               </a:rPr>
               <a:t>单击此处编辑母版标题样式</a:t>
             </a:r>
-            <a:endParaRPr dirty="0">
-              <a:sym typeface="+mn-ea"/>
-            </a:endParaRPr>
           </a:p>
         </p:txBody>
       </p:sp>
@@ -1778,7 +1759,7 @@
           <p:nvPr>
             <p:ph sz="half" idx="1"/>
             <p:custDataLst>
-              <p:tags r:id="rId3"/>
+              <p:tags r:id="rId2"/>
             </p:custDataLst>
           </p:nvPr>
         </p:nvSpPr>
@@ -1935,9 +1916,6 @@
               </a:rPr>
               <a:t>单击此处编辑母版文本样式</a:t>
             </a:r>
-            <a:endParaRPr dirty="0">
-              <a:sym typeface="+mn-ea"/>
-            </a:endParaRPr>
           </a:p>
           <a:p>
             <a:pPr lvl="1"/>
@@ -1947,9 +1925,6 @@
               </a:rPr>
               <a:t>第二级</a:t>
             </a:r>
-            <a:endParaRPr dirty="0">
-              <a:sym typeface="+mn-ea"/>
-            </a:endParaRPr>
           </a:p>
           <a:p>
             <a:pPr lvl="2"/>
@@ -1959,9 +1934,6 @@
               </a:rPr>
               <a:t>第三级</a:t>
             </a:r>
-            <a:endParaRPr dirty="0">
-              <a:sym typeface="+mn-ea"/>
-            </a:endParaRPr>
           </a:p>
           <a:p>
             <a:pPr lvl="3"/>
@@ -1971,9 +1943,6 @@
               </a:rPr>
               <a:t>第四级</a:t>
             </a:r>
-            <a:endParaRPr dirty="0">
-              <a:sym typeface="+mn-ea"/>
-            </a:endParaRPr>
           </a:p>
           <a:p>
             <a:pPr lvl="4"/>
@@ -1983,9 +1952,6 @@
               </a:rPr>
               <a:t>第五级</a:t>
             </a:r>
-            <a:endParaRPr dirty="0">
-              <a:sym typeface="+mn-ea"/>
-            </a:endParaRPr>
           </a:p>
         </p:txBody>
       </p:sp>
@@ -1998,7 +1964,7 @@
           <p:nvPr>
             <p:ph sz="half" idx="2"/>
             <p:custDataLst>
-              <p:tags r:id="rId4"/>
+              <p:tags r:id="rId3"/>
             </p:custDataLst>
           </p:nvPr>
         </p:nvSpPr>
@@ -2070,7 +2036,6 @@
               <a:rPr lang="zh-CN" altLang="en-US" dirty="0"/>
               <a:t>单击此处编辑母版文本样式</a:t>
             </a:r>
-            <a:endParaRPr lang="zh-CN" altLang="en-US" dirty="0"/>
           </a:p>
           <a:p>
             <a:pPr lvl="1"/>
@@ -2078,7 +2043,6 @@
               <a:rPr lang="zh-CN" altLang="en-US" dirty="0"/>
               <a:t>第二级</a:t>
             </a:r>
-            <a:endParaRPr lang="zh-CN" altLang="en-US" dirty="0"/>
           </a:p>
           <a:p>
             <a:pPr lvl="2"/>
@@ -2086,7 +2050,6 @@
               <a:rPr lang="zh-CN" altLang="en-US" dirty="0"/>
               <a:t>第三级</a:t>
             </a:r>
-            <a:endParaRPr lang="zh-CN" altLang="en-US" dirty="0"/>
           </a:p>
           <a:p>
             <a:pPr lvl="3"/>
@@ -2094,7 +2057,6 @@
               <a:rPr lang="zh-CN" altLang="en-US" dirty="0"/>
               <a:t>第四级</a:t>
             </a:r>
-            <a:endParaRPr lang="zh-CN" altLang="en-US" dirty="0"/>
           </a:p>
           <a:p>
             <a:pPr lvl="4"/>
@@ -2102,7 +2064,6 @@
               <a:rPr lang="zh-CN" altLang="en-US" dirty="0"/>
               <a:t>第五级</a:t>
             </a:r>
-            <a:endParaRPr lang="zh-CN" altLang="en-US" dirty="0"/>
           </a:p>
         </p:txBody>
       </p:sp>
@@ -2114,6 +2075,37 @@
           </p:cNvSpPr>
           <p:nvPr>
             <p:ph type="dt" sz="half" idx="10"/>
+            <p:custDataLst>
+              <p:tags r:id="rId4"/>
+            </p:custDataLst>
+          </p:nvPr>
+        </p:nvSpPr>
+        <p:spPr>
+          <a:xfrm>
+            <a:off x="879742" y="6349833"/>
+            <a:ext cx="2700000" cy="316800"/>
+          </a:xfrm>
+        </p:spPr>
+        <p:txBody>
+          <a:bodyPr/>
+          <a:lstStyle/>
+          <a:p>
+            <a:fld id="{760FBDFE-C587-4B4C-A407-44438C67B59E}" type="datetimeFigureOut">
+              <a:rPr lang="zh-CN" altLang="en-US" smtClean="0"/>
+              <a:t>2022/9/6</a:t>
+            </a:fld>
+            <a:endParaRPr lang="zh-CN" altLang="en-US"/>
+          </a:p>
+        </p:txBody>
+      </p:sp>
+      <p:sp>
+        <p:nvSpPr>
+          <p:cNvPr id="6" name="页脚占位符 5"/>
+          <p:cNvSpPr>
+            <a:spLocks noGrp="1"/>
+          </p:cNvSpPr>
+          <p:nvPr>
+            <p:ph type="ftr" sz="quarter" idx="11"/>
             <p:custDataLst>
               <p:tags r:id="rId5"/>
             </p:custDataLst>
@@ -2121,29 +2113,26 @@
         </p:nvSpPr>
         <p:spPr>
           <a:xfrm>
-            <a:off x="879742" y="6349833"/>
-            <a:ext cx="2700000" cy="316800"/>
+            <a:off x="4116000" y="6349833"/>
+            <a:ext cx="3960000" cy="316800"/>
           </a:xfrm>
         </p:spPr>
         <p:txBody>
           <a:bodyPr/>
           <a:lstStyle/>
           <a:p>
-            <a:fld id="{760FBDFE-C587-4B4C-A407-44438C67B59E}" type="datetimeFigureOut">
-              <a:rPr lang="zh-CN" altLang="en-US" smtClean="0"/>
-            </a:fld>
             <a:endParaRPr lang="zh-CN" altLang="en-US"/>
           </a:p>
         </p:txBody>
       </p:sp>
       <p:sp>
         <p:nvSpPr>
-          <p:cNvPr id="6" name="页脚占位符 5"/>
-          <p:cNvSpPr>
-            <a:spLocks noGrp="1"/>
-          </p:cNvSpPr>
-          <p:nvPr>
-            <p:ph type="ftr" sz="quarter" idx="11"/>
+          <p:cNvPr id="7" name="灯片编号占位符 6"/>
+          <p:cNvSpPr>
+            <a:spLocks noGrp="1"/>
+          </p:cNvSpPr>
+          <p:nvPr>
+            <p:ph type="sldNum" sz="quarter" idx="12"/>
             <p:custDataLst>
               <p:tags r:id="rId6"/>
             </p:custDataLst>
@@ -2151,43 +2140,17 @@
         </p:nvSpPr>
         <p:spPr>
           <a:xfrm>
-            <a:off x="4116000" y="6349833"/>
-            <a:ext cx="3960000" cy="316800"/>
+            <a:off x="8610600" y="6349833"/>
+            <a:ext cx="2700000" cy="316800"/>
           </a:xfrm>
         </p:spPr>
         <p:txBody>
           <a:bodyPr/>
           <a:lstStyle/>
           <a:p>
-            <a:endParaRPr lang="zh-CN" altLang="en-US"/>
-          </a:p>
-        </p:txBody>
-      </p:sp>
-      <p:sp>
-        <p:nvSpPr>
-          <p:cNvPr id="7" name="灯片编号占位符 6"/>
-          <p:cNvSpPr>
-            <a:spLocks noGrp="1"/>
-          </p:cNvSpPr>
-          <p:nvPr>
-            <p:ph type="sldNum" sz="quarter" idx="12"/>
-            <p:custDataLst>
-              <p:tags r:id="rId7"/>
-            </p:custDataLst>
-          </p:nvPr>
-        </p:nvSpPr>
-        <p:spPr>
-          <a:xfrm>
-            <a:off x="8610600" y="6349833"/>
-            <a:ext cx="2700000" cy="316800"/>
-          </a:xfrm>
-        </p:spPr>
-        <p:txBody>
-          <a:bodyPr/>
-          <a:lstStyle/>
-          <a:p>
             <a:fld id="{49AE70B2-8BF9-45C0-BB95-33D1B9D3A854}" type="slidenum">
               <a:rPr lang="zh-CN" altLang="en-US" smtClean="0"/>
+              <a:t>‹#›</a:t>
             </a:fld>
             <a:endParaRPr lang="zh-CN" altLang="en-US"/>
           </a:p>
@@ -2227,7 +2190,7 @@
           <p:nvPr>
             <p:ph type="title"/>
             <p:custDataLst>
-              <p:tags r:id="rId2"/>
+              <p:tags r:id="rId1"/>
             </p:custDataLst>
           </p:nvPr>
         </p:nvSpPr>
@@ -2267,9 +2230,6 @@
               </a:rPr>
               <a:t>单击此处编辑母版标题样式</a:t>
             </a:r>
-            <a:endParaRPr dirty="0">
-              <a:sym typeface="+mn-ea"/>
-            </a:endParaRPr>
           </a:p>
         </p:txBody>
       </p:sp>
@@ -2282,7 +2242,7 @@
           <p:nvPr>
             <p:ph type="body" idx="1" hasCustomPrompt="1"/>
             <p:custDataLst>
-              <p:tags r:id="rId3"/>
+              <p:tags r:id="rId2"/>
             </p:custDataLst>
           </p:nvPr>
         </p:nvSpPr>
@@ -2351,7 +2311,6 @@
               <a:rPr lang="zh-CN" altLang="en-US" dirty="0"/>
               <a:t>单击此处编辑文本</a:t>
             </a:r>
-            <a:endParaRPr lang="zh-CN" altLang="en-US" dirty="0"/>
           </a:p>
         </p:txBody>
       </p:sp>
@@ -2364,7 +2323,7 @@
           <p:nvPr>
             <p:ph sz="half" idx="2"/>
             <p:custDataLst>
-              <p:tags r:id="rId4"/>
+              <p:tags r:id="rId3"/>
             </p:custDataLst>
           </p:nvPr>
         </p:nvSpPr>
@@ -2521,9 +2480,6 @@
               </a:rPr>
               <a:t>单击此处编辑母版文本样式</a:t>
             </a:r>
-            <a:endParaRPr dirty="0">
-              <a:sym typeface="+mn-ea"/>
-            </a:endParaRPr>
           </a:p>
           <a:p>
             <a:pPr lvl="1"/>
@@ -2533,9 +2489,6 @@
               </a:rPr>
               <a:t>第二级</a:t>
             </a:r>
-            <a:endParaRPr dirty="0">
-              <a:sym typeface="+mn-ea"/>
-            </a:endParaRPr>
           </a:p>
           <a:p>
             <a:pPr lvl="2"/>
@@ -2545,9 +2498,6 @@
               </a:rPr>
               <a:t>第三级</a:t>
             </a:r>
-            <a:endParaRPr dirty="0">
-              <a:sym typeface="+mn-ea"/>
-            </a:endParaRPr>
           </a:p>
           <a:p>
             <a:pPr lvl="3"/>
@@ -2557,9 +2507,6 @@
               </a:rPr>
               <a:t>第四级</a:t>
             </a:r>
-            <a:endParaRPr dirty="0">
-              <a:sym typeface="+mn-ea"/>
-            </a:endParaRPr>
           </a:p>
           <a:p>
             <a:pPr lvl="4"/>
@@ -2569,9 +2516,6 @@
               </a:rPr>
               <a:t>第五级</a:t>
             </a:r>
-            <a:endParaRPr dirty="0">
-              <a:sym typeface="+mn-ea"/>
-            </a:endParaRPr>
           </a:p>
         </p:txBody>
       </p:sp>
@@ -2584,7 +2528,7 @@
           <p:nvPr>
             <p:ph type="body" sz="quarter" idx="3" hasCustomPrompt="1"/>
             <p:custDataLst>
-              <p:tags r:id="rId5"/>
+              <p:tags r:id="rId4"/>
             </p:custDataLst>
           </p:nvPr>
         </p:nvSpPr>
@@ -2663,9 +2607,6 @@
               </a:rPr>
               <a:t>单击此处编辑文本</a:t>
             </a:r>
-            <a:endParaRPr>
-              <a:sym typeface="+mn-ea"/>
-            </a:endParaRPr>
           </a:p>
         </p:txBody>
       </p:sp>
@@ -2678,7 +2619,7 @@
           <p:nvPr>
             <p:ph sz="quarter" idx="4"/>
             <p:custDataLst>
-              <p:tags r:id="rId6"/>
+              <p:tags r:id="rId5"/>
             </p:custDataLst>
           </p:nvPr>
         </p:nvSpPr>
@@ -2835,9 +2776,6 @@
               </a:rPr>
               <a:t>单击此处编辑母版文本样式</a:t>
             </a:r>
-            <a:endParaRPr dirty="0">
-              <a:sym typeface="+mn-ea"/>
-            </a:endParaRPr>
           </a:p>
           <a:p>
             <a:pPr lvl="1"/>
@@ -2847,9 +2785,6 @@
               </a:rPr>
               <a:t>第二级</a:t>
             </a:r>
-            <a:endParaRPr dirty="0">
-              <a:sym typeface="+mn-ea"/>
-            </a:endParaRPr>
           </a:p>
           <a:p>
             <a:pPr lvl="2"/>
@@ -2859,9 +2794,6 @@
               </a:rPr>
               <a:t>第三级</a:t>
             </a:r>
-            <a:endParaRPr dirty="0">
-              <a:sym typeface="+mn-ea"/>
-            </a:endParaRPr>
           </a:p>
           <a:p>
             <a:pPr lvl="3"/>
@@ -2871,9 +2803,6 @@
               </a:rPr>
               <a:t>第四级</a:t>
             </a:r>
-            <a:endParaRPr dirty="0">
-              <a:sym typeface="+mn-ea"/>
-            </a:endParaRPr>
           </a:p>
           <a:p>
             <a:pPr lvl="4"/>
@@ -2883,9 +2812,6 @@
               </a:rPr>
               <a:t>第五级</a:t>
             </a:r>
-            <a:endParaRPr dirty="0">
-              <a:sym typeface="+mn-ea"/>
-            </a:endParaRPr>
           </a:p>
         </p:txBody>
       </p:sp>
@@ -2897,6 +2823,37 @@
           </p:cNvSpPr>
           <p:nvPr>
             <p:ph type="dt" sz="half" idx="10"/>
+            <p:custDataLst>
+              <p:tags r:id="rId6"/>
+            </p:custDataLst>
+          </p:nvPr>
+        </p:nvSpPr>
+        <p:spPr>
+          <a:xfrm>
+            <a:off x="879742" y="6349833"/>
+            <a:ext cx="2700000" cy="316800"/>
+          </a:xfrm>
+        </p:spPr>
+        <p:txBody>
+          <a:bodyPr/>
+          <a:lstStyle/>
+          <a:p>
+            <a:fld id="{760FBDFE-C587-4B4C-A407-44438C67B59E}" type="datetimeFigureOut">
+              <a:rPr lang="zh-CN" altLang="en-US" smtClean="0"/>
+              <a:t>2022/9/6</a:t>
+            </a:fld>
+            <a:endParaRPr lang="zh-CN" altLang="en-US"/>
+          </a:p>
+        </p:txBody>
+      </p:sp>
+      <p:sp>
+        <p:nvSpPr>
+          <p:cNvPr id="8" name="页脚占位符 7"/>
+          <p:cNvSpPr>
+            <a:spLocks noGrp="1"/>
+          </p:cNvSpPr>
+          <p:nvPr>
+            <p:ph type="ftr" sz="quarter" idx="11"/>
             <p:custDataLst>
               <p:tags r:id="rId7"/>
             </p:custDataLst>
@@ -2904,29 +2861,26 @@
         </p:nvSpPr>
         <p:spPr>
           <a:xfrm>
-            <a:off x="879742" y="6349833"/>
-            <a:ext cx="2700000" cy="316800"/>
+            <a:off x="4116000" y="6349833"/>
+            <a:ext cx="3960000" cy="316800"/>
           </a:xfrm>
         </p:spPr>
         <p:txBody>
           <a:bodyPr/>
           <a:lstStyle/>
           <a:p>
-            <a:fld id="{760FBDFE-C587-4B4C-A407-44438C67B59E}" type="datetimeFigureOut">
-              <a:rPr lang="zh-CN" altLang="en-US" smtClean="0"/>
-            </a:fld>
             <a:endParaRPr lang="zh-CN" altLang="en-US"/>
           </a:p>
         </p:txBody>
       </p:sp>
       <p:sp>
         <p:nvSpPr>
-          <p:cNvPr id="8" name="页脚占位符 7"/>
-          <p:cNvSpPr>
-            <a:spLocks noGrp="1"/>
-          </p:cNvSpPr>
-          <p:nvPr>
-            <p:ph type="ftr" sz="quarter" idx="11"/>
+          <p:cNvPr id="9" name="灯片编号占位符 8"/>
+          <p:cNvSpPr>
+            <a:spLocks noGrp="1"/>
+          </p:cNvSpPr>
+          <p:nvPr>
+            <p:ph type="sldNum" sz="quarter" idx="12"/>
             <p:custDataLst>
               <p:tags r:id="rId8"/>
             </p:custDataLst>
@@ -2934,43 +2888,17 @@
         </p:nvSpPr>
         <p:spPr>
           <a:xfrm>
-            <a:off x="4116000" y="6349833"/>
-            <a:ext cx="3960000" cy="316800"/>
+            <a:off x="8610600" y="6349833"/>
+            <a:ext cx="2700000" cy="316800"/>
           </a:xfrm>
         </p:spPr>
         <p:txBody>
           <a:bodyPr/>
           <a:lstStyle/>
           <a:p>
-            <a:endParaRPr lang="zh-CN" altLang="en-US"/>
-          </a:p>
-        </p:txBody>
-      </p:sp>
-      <p:sp>
-        <p:nvSpPr>
-          <p:cNvPr id="9" name="灯片编号占位符 8"/>
-          <p:cNvSpPr>
-            <a:spLocks noGrp="1"/>
-          </p:cNvSpPr>
-          <p:nvPr>
-            <p:ph type="sldNum" sz="quarter" idx="12"/>
-            <p:custDataLst>
-              <p:tags r:id="rId9"/>
-            </p:custDataLst>
-          </p:nvPr>
-        </p:nvSpPr>
-        <p:spPr>
-          <a:xfrm>
-            <a:off x="8610600" y="6349833"/>
-            <a:ext cx="2700000" cy="316800"/>
-          </a:xfrm>
-        </p:spPr>
-        <p:txBody>
-          <a:bodyPr/>
-          <a:lstStyle/>
-          <a:p>
             <a:fld id="{49AE70B2-8BF9-45C0-BB95-33D1B9D3A854}" type="slidenum">
               <a:rPr lang="zh-CN" altLang="en-US" smtClean="0"/>
+              <a:t>‹#›</a:t>
             </a:fld>
             <a:endParaRPr lang="zh-CN" altLang="en-US"/>
           </a:p>
@@ -3010,7 +2938,7 @@
           <p:nvPr>
             <p:ph type="title"/>
             <p:custDataLst>
-              <p:tags r:id="rId2"/>
+              <p:tags r:id="rId1"/>
             </p:custDataLst>
           </p:nvPr>
         </p:nvSpPr>
@@ -3050,9 +2978,6 @@
               </a:rPr>
               <a:t>单击此处编辑母版标题样式</a:t>
             </a:r>
-            <a:endParaRPr>
-              <a:sym typeface="+mn-ea"/>
-            </a:endParaRPr>
           </a:p>
         </p:txBody>
       </p:sp>
@@ -3064,6 +2989,37 @@
           </p:cNvSpPr>
           <p:nvPr>
             <p:ph type="dt" sz="half" idx="10"/>
+            <p:custDataLst>
+              <p:tags r:id="rId2"/>
+            </p:custDataLst>
+          </p:nvPr>
+        </p:nvSpPr>
+        <p:spPr>
+          <a:xfrm>
+            <a:off x="879742" y="6349833"/>
+            <a:ext cx="2700000" cy="316800"/>
+          </a:xfrm>
+        </p:spPr>
+        <p:txBody>
+          <a:bodyPr/>
+          <a:lstStyle/>
+          <a:p>
+            <a:fld id="{760FBDFE-C587-4B4C-A407-44438C67B59E}" type="datetimeFigureOut">
+              <a:rPr lang="zh-CN" altLang="en-US" smtClean="0"/>
+              <a:t>2022/9/6</a:t>
+            </a:fld>
+            <a:endParaRPr lang="zh-CN" altLang="en-US"/>
+          </a:p>
+        </p:txBody>
+      </p:sp>
+      <p:sp>
+        <p:nvSpPr>
+          <p:cNvPr id="4" name="页脚占位符 3"/>
+          <p:cNvSpPr>
+            <a:spLocks noGrp="1"/>
+          </p:cNvSpPr>
+          <p:nvPr>
+            <p:ph type="ftr" sz="quarter" idx="11"/>
             <p:custDataLst>
               <p:tags r:id="rId3"/>
             </p:custDataLst>
@@ -3071,29 +3027,26 @@
         </p:nvSpPr>
         <p:spPr>
           <a:xfrm>
-            <a:off x="879742" y="6349833"/>
-            <a:ext cx="2700000" cy="316800"/>
+            <a:off x="4116000" y="6349833"/>
+            <a:ext cx="3960000" cy="316800"/>
           </a:xfrm>
         </p:spPr>
         <p:txBody>
           <a:bodyPr/>
           <a:lstStyle/>
           <a:p>
-            <a:fld id="{760FBDFE-C587-4B4C-A407-44438C67B59E}" type="datetimeFigureOut">
-              <a:rPr lang="zh-CN" altLang="en-US" smtClean="0"/>
-            </a:fld>
             <a:endParaRPr lang="zh-CN" altLang="en-US"/>
           </a:p>
         </p:txBody>
       </p:sp>
       <p:sp>
         <p:nvSpPr>
-          <p:cNvPr id="4" name="页脚占位符 3"/>
-          <p:cNvSpPr>
-            <a:spLocks noGrp="1"/>
-          </p:cNvSpPr>
-          <p:nvPr>
-            <p:ph type="ftr" sz="quarter" idx="11"/>
+          <p:cNvPr id="5" name="灯片编号占位符 4"/>
+          <p:cNvSpPr>
+            <a:spLocks noGrp="1"/>
+          </p:cNvSpPr>
+          <p:nvPr>
+            <p:ph type="sldNum" sz="quarter" idx="12"/>
             <p:custDataLst>
               <p:tags r:id="rId4"/>
             </p:custDataLst>
@@ -3101,43 +3054,17 @@
         </p:nvSpPr>
         <p:spPr>
           <a:xfrm>
-            <a:off x="4116000" y="6349833"/>
-            <a:ext cx="3960000" cy="316800"/>
+            <a:off x="8610600" y="6349833"/>
+            <a:ext cx="2700000" cy="316800"/>
           </a:xfrm>
         </p:spPr>
         <p:txBody>
           <a:bodyPr/>
           <a:lstStyle/>
           <a:p>
-            <a:endParaRPr lang="zh-CN" altLang="en-US"/>
-          </a:p>
-        </p:txBody>
-      </p:sp>
-      <p:sp>
-        <p:nvSpPr>
-          <p:cNvPr id="5" name="灯片编号占位符 4"/>
-          <p:cNvSpPr>
-            <a:spLocks noGrp="1"/>
-          </p:cNvSpPr>
-          <p:nvPr>
-            <p:ph type="sldNum" sz="quarter" idx="12"/>
-            <p:custDataLst>
-              <p:tags r:id="rId5"/>
-            </p:custDataLst>
-          </p:nvPr>
-        </p:nvSpPr>
-        <p:spPr>
-          <a:xfrm>
-            <a:off x="8610600" y="6349833"/>
-            <a:ext cx="2700000" cy="316800"/>
-          </a:xfrm>
-        </p:spPr>
-        <p:txBody>
-          <a:bodyPr/>
-          <a:lstStyle/>
-          <a:p>
             <a:fld id="{49AE70B2-8BF9-45C0-BB95-33D1B9D3A854}" type="slidenum">
               <a:rPr lang="zh-CN" altLang="en-US" smtClean="0"/>
+              <a:t>‹#›</a:t>
             </a:fld>
             <a:endParaRPr lang="zh-CN" altLang="en-US"/>
           </a:p>
@@ -3177,35 +3104,63 @@
           <p:nvPr>
             <p:ph type="dt" sz="half" idx="10"/>
             <p:custDataLst>
+              <p:tags r:id="rId1"/>
+            </p:custDataLst>
+          </p:nvPr>
+        </p:nvSpPr>
+        <p:spPr>
+          <a:xfrm>
+            <a:off x="879742" y="6349833"/>
+            <a:ext cx="2700000" cy="316800"/>
+          </a:xfrm>
+        </p:spPr>
+        <p:txBody>
+          <a:bodyPr/>
+          <a:lstStyle/>
+          <a:p>
+            <a:fld id="{760FBDFE-C587-4B4C-A407-44438C67B59E}" type="datetimeFigureOut">
+              <a:rPr lang="zh-CN" altLang="en-US" smtClean="0"/>
+              <a:t>2022/9/6</a:t>
+            </a:fld>
+            <a:endParaRPr lang="zh-CN" altLang="en-US"/>
+          </a:p>
+        </p:txBody>
+      </p:sp>
+      <p:sp>
+        <p:nvSpPr>
+          <p:cNvPr id="3" name="页脚占位符 2"/>
+          <p:cNvSpPr>
+            <a:spLocks noGrp="1"/>
+          </p:cNvSpPr>
+          <p:nvPr>
+            <p:ph type="ftr" sz="quarter" idx="11"/>
+            <p:custDataLst>
               <p:tags r:id="rId2"/>
             </p:custDataLst>
           </p:nvPr>
         </p:nvSpPr>
         <p:spPr>
           <a:xfrm>
-            <a:off x="879742" y="6349833"/>
-            <a:ext cx="2700000" cy="316800"/>
+            <a:off x="4116000" y="6349833"/>
+            <a:ext cx="3960000" cy="316800"/>
           </a:xfrm>
         </p:spPr>
         <p:txBody>
           <a:bodyPr/>
           <a:lstStyle/>
           <a:p>
-            <a:fld id="{760FBDFE-C587-4B4C-A407-44438C67B59E}" type="datetimeFigureOut">
-              <a:rPr lang="zh-CN" altLang="en-US" smtClean="0"/>
-            </a:fld>
             <a:endParaRPr lang="zh-CN" altLang="en-US"/>
           </a:p>
         </p:txBody>
       </p:sp>
       <p:sp>
         <p:nvSpPr>
-          <p:cNvPr id="3" name="页脚占位符 2"/>
-          <p:cNvSpPr>
-            <a:spLocks noGrp="1"/>
-          </p:cNvSpPr>
-          <p:nvPr>
-            <p:ph type="ftr" sz="quarter" idx="11"/>
+          <p:cNvPr id="4" name="灯片编号占位符 3"/>
+          <p:cNvSpPr>
+            <a:spLocks noGrp="1"/>
+          </p:cNvSpPr>
+          <p:nvPr>
+            <p:ph type="sldNum" sz="quarter" idx="12"/>
             <p:custDataLst>
               <p:tags r:id="rId3"/>
             </p:custDataLst>
@@ -3213,43 +3168,17 @@
         </p:nvSpPr>
         <p:spPr>
           <a:xfrm>
-            <a:off x="4116000" y="6349833"/>
-            <a:ext cx="3960000" cy="316800"/>
+            <a:off x="8610600" y="6349833"/>
+            <a:ext cx="2700000" cy="316800"/>
           </a:xfrm>
         </p:spPr>
         <p:txBody>
           <a:bodyPr/>
           <a:lstStyle/>
           <a:p>
-            <a:endParaRPr lang="zh-CN" altLang="en-US"/>
-          </a:p>
-        </p:txBody>
-      </p:sp>
-      <p:sp>
-        <p:nvSpPr>
-          <p:cNvPr id="4" name="灯片编号占位符 3"/>
-          <p:cNvSpPr>
-            <a:spLocks noGrp="1"/>
-          </p:cNvSpPr>
-          <p:nvPr>
-            <p:ph type="sldNum" sz="quarter" idx="12"/>
-            <p:custDataLst>
-              <p:tags r:id="rId4"/>
-            </p:custDataLst>
-          </p:nvPr>
-        </p:nvSpPr>
-        <p:spPr>
-          <a:xfrm>
-            <a:off x="8610600" y="6349833"/>
-            <a:ext cx="2700000" cy="316800"/>
-          </a:xfrm>
-        </p:spPr>
-        <p:txBody>
-          <a:bodyPr/>
-          <a:lstStyle/>
-          <a:p>
             <a:fld id="{49AE70B2-8BF9-45C0-BB95-33D1B9D3A854}" type="slidenum">
               <a:rPr lang="zh-CN" altLang="en-US" smtClean="0"/>
+              <a:t>‹#›</a:t>
             </a:fld>
             <a:endParaRPr lang="zh-CN" altLang="en-US"/>
           </a:p>
@@ -3289,7 +3218,7 @@
           <p:nvPr>
             <p:ph type="pic" idx="1"/>
             <p:custDataLst>
-              <p:tags r:id="rId2"/>
+              <p:tags r:id="rId1"/>
             </p:custDataLst>
           </p:nvPr>
         </p:nvSpPr>
@@ -3443,7 +3372,7 @@
           <p:nvPr>
             <p:ph type="body" sz="half" idx="2"/>
             <p:custDataLst>
-              <p:tags r:id="rId3"/>
+              <p:tags r:id="rId2"/>
             </p:custDataLst>
           </p:nvPr>
         </p:nvSpPr>
@@ -3493,9 +3422,6 @@
               </a:rPr>
               <a:t>单击此处编辑母版文本样式</a:t>
             </a:r>
-            <a:endParaRPr>
-              <a:sym typeface="+mn-ea"/>
-            </a:endParaRPr>
           </a:p>
         </p:txBody>
       </p:sp>
@@ -3507,6 +3433,37 @@
           </p:cNvSpPr>
           <p:nvPr>
             <p:ph type="dt" sz="half" idx="10"/>
+            <p:custDataLst>
+              <p:tags r:id="rId3"/>
+            </p:custDataLst>
+          </p:nvPr>
+        </p:nvSpPr>
+        <p:spPr>
+          <a:xfrm>
+            <a:off x="879742" y="6349833"/>
+            <a:ext cx="2700000" cy="316800"/>
+          </a:xfrm>
+        </p:spPr>
+        <p:txBody>
+          <a:bodyPr/>
+          <a:lstStyle/>
+          <a:p>
+            <a:fld id="{9EFD9D74-47D9-4702-A33C-335B63B48DBF}" type="datetimeFigureOut">
+              <a:rPr lang="zh-CN" altLang="en-US" smtClean="0"/>
+              <a:t>2022/9/6</a:t>
+            </a:fld>
+            <a:endParaRPr lang="zh-CN" altLang="en-US" dirty="0"/>
+          </a:p>
+        </p:txBody>
+      </p:sp>
+      <p:sp>
+        <p:nvSpPr>
+          <p:cNvPr id="6" name="页脚占位符 5"/>
+          <p:cNvSpPr>
+            <a:spLocks noGrp="1"/>
+          </p:cNvSpPr>
+          <p:nvPr>
+            <p:ph type="ftr" sz="quarter" idx="11"/>
             <p:custDataLst>
               <p:tags r:id="rId4"/>
             </p:custDataLst>
@@ -3514,29 +3471,26 @@
         </p:nvSpPr>
         <p:spPr>
           <a:xfrm>
-            <a:off x="879742" y="6349833"/>
-            <a:ext cx="2700000" cy="316800"/>
+            <a:off x="4116000" y="6349833"/>
+            <a:ext cx="3960000" cy="316800"/>
           </a:xfrm>
         </p:spPr>
         <p:txBody>
           <a:bodyPr/>
           <a:lstStyle/>
           <a:p>
-            <a:fld id="{9EFD9D74-47D9-4702-A33C-335B63B48DBF}" type="datetimeFigureOut">
-              <a:rPr lang="zh-CN" altLang="en-US" smtClean="0"/>
-            </a:fld>
             <a:endParaRPr lang="zh-CN" altLang="en-US" dirty="0"/>
           </a:p>
         </p:txBody>
       </p:sp>
       <p:sp>
         <p:nvSpPr>
-          <p:cNvPr id="6" name="页脚占位符 5"/>
-          <p:cNvSpPr>
-            <a:spLocks noGrp="1"/>
-          </p:cNvSpPr>
-          <p:nvPr>
-            <p:ph type="ftr" sz="quarter" idx="11"/>
+          <p:cNvPr id="7" name="灯片编号占位符 6"/>
+          <p:cNvSpPr>
+            <a:spLocks noGrp="1"/>
+          </p:cNvSpPr>
+          <p:nvPr>
+            <p:ph type="sldNum" sz="quarter" idx="12"/>
             <p:custDataLst>
               <p:tags r:id="rId5"/>
             </p:custDataLst>
@@ -3544,58 +3498,32 @@
         </p:nvSpPr>
         <p:spPr>
           <a:xfrm>
-            <a:off x="4116000" y="6349833"/>
-            <a:ext cx="3960000" cy="316800"/>
+            <a:off x="8610600" y="6349833"/>
+            <a:ext cx="2700000" cy="316800"/>
           </a:xfrm>
         </p:spPr>
         <p:txBody>
           <a:bodyPr/>
           <a:lstStyle/>
           <a:p>
-            <a:endParaRPr lang="zh-CN" altLang="en-US" dirty="0"/>
-          </a:p>
-        </p:txBody>
-      </p:sp>
-      <p:sp>
-        <p:nvSpPr>
-          <p:cNvPr id="7" name="灯片编号占位符 6"/>
-          <p:cNvSpPr>
-            <a:spLocks noGrp="1"/>
-          </p:cNvSpPr>
-          <p:nvPr>
-            <p:ph type="sldNum" sz="quarter" idx="12"/>
+            <a:fld id="{FABC47A4-756D-490B-A52F-7D9E2C9FC05F}" type="slidenum">
+              <a:rPr lang="zh-CN" altLang="en-US" smtClean="0"/>
+              <a:t>‹#›</a:t>
+            </a:fld>
+            <a:endParaRPr lang="zh-CN" altLang="en-US"/>
+          </a:p>
+        </p:txBody>
+      </p:sp>
+      <p:sp>
+        <p:nvSpPr>
+          <p:cNvPr id="9" name="标题 8"/>
+          <p:cNvSpPr>
+            <a:spLocks noGrp="1"/>
+          </p:cNvSpPr>
+          <p:nvPr>
+            <p:ph type="title"/>
             <p:custDataLst>
               <p:tags r:id="rId6"/>
-            </p:custDataLst>
-          </p:nvPr>
-        </p:nvSpPr>
-        <p:spPr>
-          <a:xfrm>
-            <a:off x="8610600" y="6349833"/>
-            <a:ext cx="2700000" cy="316800"/>
-          </a:xfrm>
-        </p:spPr>
-        <p:txBody>
-          <a:bodyPr/>
-          <a:lstStyle/>
-          <a:p>
-            <a:fld id="{FABC47A4-756D-490B-A52F-7D9E2C9FC05F}" type="slidenum">
-              <a:rPr lang="zh-CN" altLang="en-US" smtClean="0"/>
-            </a:fld>
-            <a:endParaRPr lang="zh-CN" altLang="en-US"/>
-          </a:p>
-        </p:txBody>
-      </p:sp>
-      <p:sp>
-        <p:nvSpPr>
-          <p:cNvPr id="9" name="标题 8"/>
-          <p:cNvSpPr>
-            <a:spLocks noGrp="1"/>
-          </p:cNvSpPr>
-          <p:nvPr>
-            <p:ph type="title"/>
-            <p:custDataLst>
-              <p:tags r:id="rId7"/>
             </p:custDataLst>
           </p:nvPr>
         </p:nvSpPr>
@@ -3613,7 +3541,6 @@
               <a:rPr lang="zh-CN" altLang="en-US"/>
               <a:t>单击此处编辑母版标题样式</a:t>
             </a:r>
-            <a:endParaRPr lang="zh-CN" altLang="en-US"/>
           </a:p>
         </p:txBody>
       </p:sp>
@@ -3651,7 +3578,7 @@
           <p:nvPr>
             <p:ph type="body" idx="1"/>
             <p:custDataLst>
-              <p:tags r:id="rId2"/>
+              <p:tags r:id="rId1"/>
             </p:custDataLst>
           </p:nvPr>
         </p:nvSpPr>
@@ -3766,7 +3693,6 @@
               <a:rPr lang="zh-CN" altLang="en-US" dirty="0"/>
               <a:t>单击此处编辑母版文本样式</a:t>
             </a:r>
-            <a:endParaRPr lang="zh-CN" altLang="en-US" dirty="0"/>
           </a:p>
         </p:txBody>
       </p:sp>
@@ -3779,7 +3705,7 @@
           <p:nvPr>
             <p:ph type="title"/>
             <p:custDataLst>
-              <p:tags r:id="rId3"/>
+              <p:tags r:id="rId2"/>
             </p:custDataLst>
           </p:nvPr>
         </p:nvSpPr>
@@ -3819,9 +3745,6 @@
               </a:rPr>
               <a:t>单击此处编辑母版标题样式</a:t>
             </a:r>
-            <a:endParaRPr>
-              <a:sym typeface="+mn-ea"/>
-            </a:endParaRPr>
           </a:p>
         </p:txBody>
       </p:sp>
@@ -3859,7 +3782,7 @@
           <p:nvPr>
             <p:ph type="title" orient="vert"/>
             <p:custDataLst>
-              <p:tags r:id="rId2"/>
+              <p:tags r:id="rId1"/>
             </p:custDataLst>
           </p:nvPr>
         </p:nvSpPr>
@@ -3902,9 +3825,6 @@
               </a:rPr>
               <a:t>单击此处编辑母版标题样式</a:t>
             </a:r>
-            <a:endParaRPr>
-              <a:sym typeface="+mn-ea"/>
-            </a:endParaRPr>
           </a:p>
         </p:txBody>
       </p:sp>
@@ -3917,7 +3837,7 @@
           <p:nvPr>
             <p:ph type="body" orient="vert" idx="1"/>
             <p:custDataLst>
-              <p:tags r:id="rId3"/>
+              <p:tags r:id="rId2"/>
             </p:custDataLst>
           </p:nvPr>
         </p:nvSpPr>
@@ -3987,7 +3907,6 @@
               <a:rPr lang="zh-CN" altLang="en-US" dirty="0"/>
               <a:t>单击此处编辑母版文本样式</a:t>
             </a:r>
-            <a:endParaRPr lang="zh-CN" altLang="en-US" dirty="0"/>
           </a:p>
           <a:p>
             <a:pPr lvl="1"/>
@@ -3995,7 +3914,6 @@
               <a:rPr lang="zh-CN" altLang="en-US" dirty="0"/>
               <a:t>第二级</a:t>
             </a:r>
-            <a:endParaRPr lang="zh-CN" altLang="en-US" dirty="0"/>
           </a:p>
           <a:p>
             <a:pPr lvl="2"/>
@@ -4003,7 +3921,6 @@
               <a:rPr lang="zh-CN" altLang="en-US" dirty="0"/>
               <a:t>第三级</a:t>
             </a:r>
-            <a:endParaRPr lang="zh-CN" altLang="en-US" dirty="0"/>
           </a:p>
           <a:p>
             <a:pPr lvl="3"/>
@@ -4011,7 +3928,6 @@
               <a:rPr lang="zh-CN" altLang="en-US" dirty="0"/>
               <a:t>第四级</a:t>
             </a:r>
-            <a:endParaRPr lang="zh-CN" altLang="en-US" dirty="0"/>
           </a:p>
           <a:p>
             <a:pPr lvl="4"/>
@@ -4019,7 +3935,6 @@
               <a:rPr lang="zh-CN" altLang="en-US" dirty="0"/>
               <a:t>第五级</a:t>
             </a:r>
-            <a:endParaRPr lang="zh-CN" altLang="en-US" dirty="0"/>
           </a:p>
         </p:txBody>
       </p:sp>
@@ -4031,6 +3946,37 @@
           </p:cNvSpPr>
           <p:nvPr>
             <p:ph type="dt" sz="half" idx="10"/>
+            <p:custDataLst>
+              <p:tags r:id="rId3"/>
+            </p:custDataLst>
+          </p:nvPr>
+        </p:nvSpPr>
+        <p:spPr>
+          <a:xfrm>
+            <a:off x="879742" y="6349833"/>
+            <a:ext cx="2700000" cy="316800"/>
+          </a:xfrm>
+        </p:spPr>
+        <p:txBody>
+          <a:bodyPr/>
+          <a:lstStyle/>
+          <a:p>
+            <a:fld id="{760FBDFE-C587-4B4C-A407-44438C67B59E}" type="datetimeFigureOut">
+              <a:rPr lang="zh-CN" altLang="en-US" smtClean="0"/>
+              <a:t>2022/9/6</a:t>
+            </a:fld>
+            <a:endParaRPr lang="zh-CN" altLang="en-US"/>
+          </a:p>
+        </p:txBody>
+      </p:sp>
+      <p:sp>
+        <p:nvSpPr>
+          <p:cNvPr id="5" name="页脚占位符 4"/>
+          <p:cNvSpPr>
+            <a:spLocks noGrp="1"/>
+          </p:cNvSpPr>
+          <p:nvPr>
+            <p:ph type="ftr" sz="quarter" idx="11"/>
             <p:custDataLst>
               <p:tags r:id="rId4"/>
             </p:custDataLst>
@@ -4038,29 +3984,26 @@
         </p:nvSpPr>
         <p:spPr>
           <a:xfrm>
-            <a:off x="879742" y="6349833"/>
-            <a:ext cx="2700000" cy="316800"/>
+            <a:off x="4116000" y="6349833"/>
+            <a:ext cx="3960000" cy="316800"/>
           </a:xfrm>
         </p:spPr>
         <p:txBody>
           <a:bodyPr/>
           <a:lstStyle/>
           <a:p>
-            <a:fld id="{760FBDFE-C587-4B4C-A407-44438C67B59E}" type="datetimeFigureOut">
-              <a:rPr lang="zh-CN" altLang="en-US" smtClean="0"/>
-            </a:fld>
             <a:endParaRPr lang="zh-CN" altLang="en-US"/>
           </a:p>
         </p:txBody>
       </p:sp>
       <p:sp>
         <p:nvSpPr>
-          <p:cNvPr id="5" name="页脚占位符 4"/>
-          <p:cNvSpPr>
-            <a:spLocks noGrp="1"/>
-          </p:cNvSpPr>
-          <p:nvPr>
-            <p:ph type="ftr" sz="quarter" idx="11"/>
+          <p:cNvPr id="6" name="灯片编号占位符 5"/>
+          <p:cNvSpPr>
+            <a:spLocks noGrp="1"/>
+          </p:cNvSpPr>
+          <p:nvPr>
+            <p:ph type="sldNum" sz="quarter" idx="12"/>
             <p:custDataLst>
               <p:tags r:id="rId5"/>
             </p:custDataLst>
@@ -4068,43 +4011,17 @@
         </p:nvSpPr>
         <p:spPr>
           <a:xfrm>
-            <a:off x="4116000" y="6349833"/>
-            <a:ext cx="3960000" cy="316800"/>
+            <a:off x="8610600" y="6349833"/>
+            <a:ext cx="2700000" cy="316800"/>
           </a:xfrm>
         </p:spPr>
         <p:txBody>
           <a:bodyPr/>
           <a:lstStyle/>
           <a:p>
-            <a:endParaRPr lang="zh-CN" altLang="en-US"/>
-          </a:p>
-        </p:txBody>
-      </p:sp>
-      <p:sp>
-        <p:nvSpPr>
-          <p:cNvPr id="6" name="灯片编号占位符 5"/>
-          <p:cNvSpPr>
-            <a:spLocks noGrp="1"/>
-          </p:cNvSpPr>
-          <p:nvPr>
-            <p:ph type="sldNum" sz="quarter" idx="12"/>
-            <p:custDataLst>
-              <p:tags r:id="rId6"/>
-            </p:custDataLst>
-          </p:nvPr>
-        </p:nvSpPr>
-        <p:spPr>
-          <a:xfrm>
-            <a:off x="8610600" y="6349833"/>
-            <a:ext cx="2700000" cy="316800"/>
-          </a:xfrm>
-        </p:spPr>
-        <p:txBody>
-          <a:bodyPr/>
-          <a:lstStyle/>
-          <a:p>
             <a:fld id="{49AE70B2-8BF9-45C0-BB95-33D1B9D3A854}" type="slidenum">
               <a:rPr lang="zh-CN" altLang="en-US" smtClean="0"/>
+              <a:t>‹#›</a:t>
             </a:fld>
             <a:endParaRPr lang="zh-CN" altLang="en-US"/>
           </a:p>
@@ -4144,35 +4061,63 @@
           <p:nvPr>
             <p:ph type="dt" sz="half" idx="10"/>
             <p:custDataLst>
+              <p:tags r:id="rId1"/>
+            </p:custDataLst>
+          </p:nvPr>
+        </p:nvSpPr>
+        <p:spPr>
+          <a:xfrm>
+            <a:off x="879742" y="6349833"/>
+            <a:ext cx="2700000" cy="316800"/>
+          </a:xfrm>
+        </p:spPr>
+        <p:txBody>
+          <a:bodyPr/>
+          <a:lstStyle/>
+          <a:p>
+            <a:fld id="{760FBDFE-C587-4B4C-A407-44438C67B59E}" type="datetimeFigureOut">
+              <a:rPr lang="zh-CN" altLang="en-US" smtClean="0"/>
+              <a:t>2022/9/6</a:t>
+            </a:fld>
+            <a:endParaRPr lang="zh-CN" altLang="en-US"/>
+          </a:p>
+        </p:txBody>
+      </p:sp>
+      <p:sp>
+        <p:nvSpPr>
+          <p:cNvPr id="4" name="页脚占位符 3"/>
+          <p:cNvSpPr>
+            <a:spLocks noGrp="1"/>
+          </p:cNvSpPr>
+          <p:nvPr>
+            <p:ph type="ftr" sz="quarter" idx="11"/>
+            <p:custDataLst>
               <p:tags r:id="rId2"/>
             </p:custDataLst>
           </p:nvPr>
         </p:nvSpPr>
         <p:spPr>
           <a:xfrm>
-            <a:off x="879742" y="6349833"/>
-            <a:ext cx="2700000" cy="316800"/>
+            <a:off x="4116000" y="6349833"/>
+            <a:ext cx="3960000" cy="316800"/>
           </a:xfrm>
         </p:spPr>
         <p:txBody>
           <a:bodyPr/>
           <a:lstStyle/>
           <a:p>
-            <a:fld id="{760FBDFE-C587-4B4C-A407-44438C67B59E}" type="datetimeFigureOut">
-              <a:rPr lang="zh-CN" altLang="en-US" smtClean="0"/>
-            </a:fld>
             <a:endParaRPr lang="zh-CN" altLang="en-US"/>
           </a:p>
         </p:txBody>
       </p:sp>
       <p:sp>
         <p:nvSpPr>
-          <p:cNvPr id="4" name="页脚占位符 3"/>
-          <p:cNvSpPr>
-            <a:spLocks noGrp="1"/>
-          </p:cNvSpPr>
-          <p:nvPr>
-            <p:ph type="ftr" sz="quarter" idx="11"/>
+          <p:cNvPr id="5" name="灯片编号占位符 4"/>
+          <p:cNvSpPr>
+            <a:spLocks noGrp="1"/>
+          </p:cNvSpPr>
+          <p:nvPr>
+            <p:ph type="sldNum" sz="quarter" idx="12"/>
             <p:custDataLst>
               <p:tags r:id="rId3"/>
             </p:custDataLst>
@@ -4180,58 +4125,32 @@
         </p:nvSpPr>
         <p:spPr>
           <a:xfrm>
-            <a:off x="4116000" y="6349833"/>
-            <a:ext cx="3960000" cy="316800"/>
+            <a:off x="8610600" y="6349833"/>
+            <a:ext cx="2700000" cy="316800"/>
           </a:xfrm>
         </p:spPr>
         <p:txBody>
           <a:bodyPr/>
           <a:lstStyle/>
           <a:p>
+            <a:fld id="{49AE70B2-8BF9-45C0-BB95-33D1B9D3A854}" type="slidenum">
+              <a:rPr lang="zh-CN" altLang="en-US" smtClean="0"/>
+              <a:t>‹#›</a:t>
+            </a:fld>
             <a:endParaRPr lang="zh-CN" altLang="en-US"/>
           </a:p>
         </p:txBody>
       </p:sp>
       <p:sp>
         <p:nvSpPr>
-          <p:cNvPr id="5" name="灯片编号占位符 4"/>
-          <p:cNvSpPr>
-            <a:spLocks noGrp="1"/>
-          </p:cNvSpPr>
-          <p:nvPr>
-            <p:ph type="sldNum" sz="quarter" idx="12"/>
+          <p:cNvPr id="7" name="内容占位符 6"/>
+          <p:cNvSpPr>
+            <a:spLocks noGrp="1"/>
+          </p:cNvSpPr>
+          <p:nvPr>
+            <p:ph sz="quarter" idx="13"/>
             <p:custDataLst>
               <p:tags r:id="rId4"/>
-            </p:custDataLst>
-          </p:nvPr>
-        </p:nvSpPr>
-        <p:spPr>
-          <a:xfrm>
-            <a:off x="8610600" y="6349833"/>
-            <a:ext cx="2700000" cy="316800"/>
-          </a:xfrm>
-        </p:spPr>
-        <p:txBody>
-          <a:bodyPr/>
-          <a:lstStyle/>
-          <a:p>
-            <a:fld id="{49AE70B2-8BF9-45C0-BB95-33D1B9D3A854}" type="slidenum">
-              <a:rPr lang="zh-CN" altLang="en-US" smtClean="0"/>
-            </a:fld>
-            <a:endParaRPr lang="zh-CN" altLang="en-US"/>
-          </a:p>
-        </p:txBody>
-      </p:sp>
-      <p:sp>
-        <p:nvSpPr>
-          <p:cNvPr id="7" name="内容占位符 6"/>
-          <p:cNvSpPr>
-            <a:spLocks noGrp="1"/>
-          </p:cNvSpPr>
-          <p:nvPr>
-            <p:ph sz="quarter" idx="13"/>
-            <p:custDataLst>
-              <p:tags r:id="rId5"/>
             </p:custDataLst>
           </p:nvPr>
         </p:nvSpPr>
@@ -4301,7 +4220,6 @@
               <a:rPr lang="zh-CN" altLang="en-US" dirty="0"/>
               <a:t>单击此处编辑母版文本样式</a:t>
             </a:r>
-            <a:endParaRPr lang="zh-CN" altLang="en-US" dirty="0"/>
           </a:p>
           <a:p>
             <a:pPr lvl="1"/>
@@ -4309,7 +4227,6 @@
               <a:rPr lang="zh-CN" altLang="en-US" dirty="0"/>
               <a:t>第二级</a:t>
             </a:r>
-            <a:endParaRPr lang="zh-CN" altLang="en-US" dirty="0"/>
           </a:p>
           <a:p>
             <a:pPr lvl="2"/>
@@ -4317,7 +4234,6 @@
               <a:rPr lang="zh-CN" altLang="en-US" dirty="0"/>
               <a:t>第三级</a:t>
             </a:r>
-            <a:endParaRPr lang="zh-CN" altLang="en-US" dirty="0"/>
           </a:p>
           <a:p>
             <a:pPr lvl="3"/>
@@ -4325,7 +4241,6 @@
               <a:rPr lang="zh-CN" altLang="en-US" dirty="0"/>
               <a:t>第四级</a:t>
             </a:r>
-            <a:endParaRPr lang="zh-CN" altLang="en-US" dirty="0"/>
           </a:p>
           <a:p>
             <a:pPr lvl="4"/>
@@ -4333,7 +4248,6 @@
               <a:rPr lang="zh-CN" altLang="en-US" dirty="0"/>
               <a:t>第五级</a:t>
             </a:r>
-            <a:endParaRPr lang="zh-CN" altLang="en-US" dirty="0"/>
           </a:p>
         </p:txBody>
       </p:sp>
@@ -4351,7 +4265,7 @@
     <p:bg>
       <p:bgPr>
         <a:blipFill rotWithShape="1">
-          <a:blip r:embed="rId2"/>
+          <a:blip r:embed="rId3"/>
           <a:stretch>
             <a:fillRect/>
           </a:stretch>
@@ -4395,42 +4309,37 @@
           <a:p>
             <a:pPr lvl="0"/>
             <a:r>
-              <a:rPr lang="zh-CN" altLang="en-US" smtClean="0"/>
+              <a:rPr lang="zh-CN" altLang="en-US"/>
               <a:t>单击此处编辑母版文本样式</a:t>
             </a:r>
-            <a:endParaRPr lang="zh-CN" altLang="en-US" smtClean="0"/>
           </a:p>
           <a:p>
             <a:pPr lvl="1"/>
             <a:r>
-              <a:rPr lang="zh-CN" altLang="en-US" smtClean="0"/>
+              <a:rPr lang="zh-CN" altLang="en-US"/>
               <a:t>第二级</a:t>
             </a:r>
-            <a:endParaRPr lang="zh-CN" altLang="en-US" smtClean="0"/>
           </a:p>
           <a:p>
             <a:pPr lvl="2"/>
             <a:r>
-              <a:rPr lang="zh-CN" altLang="en-US" smtClean="0"/>
+              <a:rPr lang="zh-CN" altLang="en-US"/>
               <a:t>第三级</a:t>
             </a:r>
-            <a:endParaRPr lang="zh-CN" altLang="en-US" smtClean="0"/>
           </a:p>
           <a:p>
             <a:pPr lvl="3"/>
             <a:r>
-              <a:rPr lang="zh-CN" altLang="en-US" smtClean="0"/>
+              <a:rPr lang="zh-CN" altLang="en-US"/>
               <a:t>第四级</a:t>
             </a:r>
-            <a:endParaRPr lang="zh-CN" altLang="en-US" smtClean="0"/>
           </a:p>
           <a:p>
             <a:pPr lvl="4"/>
             <a:r>
-              <a:rPr lang="zh-CN" altLang="en-US" smtClean="0"/>
+              <a:rPr lang="zh-CN" altLang="en-US"/>
               <a:t>第五级</a:t>
             </a:r>
-            <a:endParaRPr lang="zh-CN" altLang="en-US"/>
           </a:p>
         </p:txBody>
       </p:sp>
@@ -4456,6 +4365,7 @@
           <a:p>
             <a:fld id="{82F288E0-7875-42C4-84C8-98DBBD3BF4D2}" type="datetimeFigureOut">
               <a:rPr lang="zh-CN" altLang="en-US" smtClean="0"/>
+              <a:t>2022/9/6</a:t>
             </a:fld>
             <a:endParaRPr lang="zh-CN" altLang="en-US"/>
           </a:p>
@@ -4507,6 +4417,7 @@
           <a:p>
             <a:fld id="{7D9BB5D0-35E4-459D-AEF3-FE4D7C45CC19}" type="slidenum">
               <a:rPr lang="zh-CN" altLang="en-US" smtClean="0"/>
+              <a:t>‹#›</a:t>
             </a:fld>
             <a:endParaRPr lang="zh-CN" altLang="en-US"/>
           </a:p>
@@ -4521,7 +4432,7 @@
           <p:nvPr>
             <p:ph type="title"/>
             <p:custDataLst>
-              <p:tags r:id="rId3"/>
+              <p:tags r:id="rId1"/>
             </p:custDataLst>
           </p:nvPr>
         </p:nvSpPr>
@@ -4561,9 +4472,6 @@
               </a:rPr>
               <a:t>单击此处编辑母版标题样式</a:t>
             </a:r>
-            <a:endParaRPr>
-              <a:sym typeface="+mn-ea"/>
-            </a:endParaRPr>
           </a:p>
         </p:txBody>
       </p:sp>
@@ -4601,7 +4509,7 @@
           <p:nvPr>
             <p:ph type="title"/>
             <p:custDataLst>
-              <p:tags r:id="rId2"/>
+              <p:tags r:id="rId1"/>
             </p:custDataLst>
           </p:nvPr>
         </p:nvSpPr>
@@ -4641,9 +4549,6 @@
               </a:rPr>
               <a:t>单击此处编辑母版标题样式</a:t>
             </a:r>
-            <a:endParaRPr dirty="0">
-              <a:sym typeface="+mn-ea"/>
-            </a:endParaRPr>
           </a:p>
         </p:txBody>
       </p:sp>
@@ -4656,7 +4561,7 @@
           <p:nvPr>
             <p:ph type="body" idx="1" hasCustomPrompt="1"/>
             <p:custDataLst>
-              <p:tags r:id="rId3"/>
+              <p:tags r:id="rId2"/>
             </p:custDataLst>
           </p:nvPr>
         </p:nvSpPr>
@@ -4725,7 +4630,6 @@
               <a:rPr lang="zh-CN" altLang="en-US" dirty="0"/>
               <a:t>单击此处编辑文本</a:t>
             </a:r>
-            <a:endParaRPr lang="zh-CN" altLang="en-US" dirty="0"/>
           </a:p>
         </p:txBody>
       </p:sp>
@@ -4738,7 +4642,7 @@
           <p:nvPr>
             <p:ph sz="half" idx="2" hasCustomPrompt="1"/>
             <p:custDataLst>
-              <p:tags r:id="rId4"/>
+              <p:tags r:id="rId3"/>
             </p:custDataLst>
           </p:nvPr>
         </p:nvSpPr>
@@ -4904,35 +4808,63 @@
           <p:nvPr>
             <p:ph type="dt" sz="half" idx="10"/>
             <p:custDataLst>
+              <p:tags r:id="rId4"/>
+            </p:custDataLst>
+          </p:nvPr>
+        </p:nvSpPr>
+        <p:spPr>
+          <a:xfrm>
+            <a:off x="879742" y="6349833"/>
+            <a:ext cx="2700000" cy="316800"/>
+          </a:xfrm>
+        </p:spPr>
+        <p:txBody>
+          <a:bodyPr/>
+          <a:lstStyle/>
+          <a:p>
+            <a:fld id="{760FBDFE-C587-4B4C-A407-44438C67B59E}" type="datetimeFigureOut">
+              <a:rPr lang="zh-CN" altLang="en-US" smtClean="0"/>
+              <a:t>2022/9/6</a:t>
+            </a:fld>
+            <a:endParaRPr lang="zh-CN" altLang="en-US"/>
+          </a:p>
+        </p:txBody>
+      </p:sp>
+      <p:sp>
+        <p:nvSpPr>
+          <p:cNvPr id="8" name="页脚占位符 7"/>
+          <p:cNvSpPr>
+            <a:spLocks noGrp="1"/>
+          </p:cNvSpPr>
+          <p:nvPr>
+            <p:ph type="ftr" sz="quarter" idx="11"/>
+            <p:custDataLst>
               <p:tags r:id="rId5"/>
             </p:custDataLst>
           </p:nvPr>
         </p:nvSpPr>
         <p:spPr>
           <a:xfrm>
-            <a:off x="879742" y="6349833"/>
-            <a:ext cx="2700000" cy="316800"/>
+            <a:off x="4116000" y="6349833"/>
+            <a:ext cx="3960000" cy="316800"/>
           </a:xfrm>
         </p:spPr>
         <p:txBody>
           <a:bodyPr/>
           <a:lstStyle/>
           <a:p>
-            <a:fld id="{760FBDFE-C587-4B4C-A407-44438C67B59E}" type="datetimeFigureOut">
-              <a:rPr lang="zh-CN" altLang="en-US" smtClean="0"/>
-            </a:fld>
             <a:endParaRPr lang="zh-CN" altLang="en-US"/>
           </a:p>
         </p:txBody>
       </p:sp>
       <p:sp>
         <p:nvSpPr>
-          <p:cNvPr id="8" name="页脚占位符 7"/>
-          <p:cNvSpPr>
-            <a:spLocks noGrp="1"/>
-          </p:cNvSpPr>
-          <p:nvPr>
-            <p:ph type="ftr" sz="quarter" idx="11"/>
+          <p:cNvPr id="9" name="灯片编号占位符 8"/>
+          <p:cNvSpPr>
+            <a:spLocks noGrp="1"/>
+          </p:cNvSpPr>
+          <p:nvPr>
+            <p:ph type="sldNum" sz="quarter" idx="12"/>
             <p:custDataLst>
               <p:tags r:id="rId6"/>
             </p:custDataLst>
@@ -4940,43 +4872,17 @@
         </p:nvSpPr>
         <p:spPr>
           <a:xfrm>
-            <a:off x="4116000" y="6349833"/>
-            <a:ext cx="3960000" cy="316800"/>
+            <a:off x="8610600" y="6349833"/>
+            <a:ext cx="2700000" cy="316800"/>
           </a:xfrm>
         </p:spPr>
         <p:txBody>
           <a:bodyPr/>
           <a:lstStyle/>
           <a:p>
-            <a:endParaRPr lang="zh-CN" altLang="en-US"/>
-          </a:p>
-        </p:txBody>
-      </p:sp>
-      <p:sp>
-        <p:nvSpPr>
-          <p:cNvPr id="9" name="灯片编号占位符 8"/>
-          <p:cNvSpPr>
-            <a:spLocks noGrp="1"/>
-          </p:cNvSpPr>
-          <p:nvPr>
-            <p:ph type="sldNum" sz="quarter" idx="12"/>
-            <p:custDataLst>
-              <p:tags r:id="rId7"/>
-            </p:custDataLst>
-          </p:nvPr>
-        </p:nvSpPr>
-        <p:spPr>
-          <a:xfrm>
-            <a:off x="8610600" y="6349833"/>
-            <a:ext cx="2700000" cy="316800"/>
-          </a:xfrm>
-        </p:spPr>
-        <p:txBody>
-          <a:bodyPr/>
-          <a:lstStyle/>
-          <a:p>
             <a:fld id="{49AE70B2-8BF9-45C0-BB95-33D1B9D3A854}" type="slidenum">
               <a:rPr lang="zh-CN" altLang="en-US" smtClean="0"/>
+              <a:t>‹#›</a:t>
             </a:fld>
             <a:endParaRPr lang="zh-CN" altLang="en-US"/>
           </a:p>
@@ -5016,7 +4922,7 @@
           <p:nvPr>
             <p:ph type="body" idx="1"/>
             <p:custDataLst>
-              <p:tags r:id="rId2"/>
+              <p:tags r:id="rId1"/>
             </p:custDataLst>
           </p:nvPr>
         </p:nvSpPr>
@@ -5131,7 +5037,6 @@
               <a:rPr lang="zh-CN" altLang="en-US" dirty="0"/>
               <a:t>单击此处编辑母版文本样式</a:t>
             </a:r>
-            <a:endParaRPr lang="zh-CN" altLang="en-US" dirty="0"/>
           </a:p>
         </p:txBody>
       </p:sp>
@@ -5155,6 +5060,7 @@
           <a:bodyPr wrap="square" rtlCol="0">
             <a:spAutoFit/>
           </a:bodyPr>
+          <a:lstStyle/>
           <a:p>
             <a:pPr algn="ctr"/>
             <a:r>
@@ -5164,10 +5070,6 @@
               </a:rPr>
               <a:t>回顾相关课程内容</a:t>
             </a:r>
-            <a:endParaRPr lang="zh-CN" altLang="en-US" sz="2800" b="1">
-              <a:latin typeface="+mj-ea"/>
-              <a:ea typeface="+mj-ea"/>
-            </a:endParaRPr>
           </a:p>
         </p:txBody>
       </p:sp>
@@ -5205,7 +5107,7 @@
           <p:nvPr>
             <p:ph type="body" idx="1"/>
             <p:custDataLst>
-              <p:tags r:id="rId2"/>
+              <p:tags r:id="rId1"/>
             </p:custDataLst>
           </p:nvPr>
         </p:nvSpPr>
@@ -5320,7 +5222,6 @@
               <a:rPr lang="zh-CN" altLang="en-US" dirty="0"/>
               <a:t>单击此处编辑母版文本样式</a:t>
             </a:r>
-            <a:endParaRPr lang="zh-CN" altLang="en-US" dirty="0"/>
           </a:p>
         </p:txBody>
       </p:sp>
@@ -5344,6 +5245,7 @@
           <a:bodyPr wrap="square" rtlCol="0">
             <a:spAutoFit/>
           </a:bodyPr>
+          <a:lstStyle/>
           <a:p>
             <a:pPr algn="ctr"/>
             <a:r>
@@ -5353,10 +5255,6 @@
               </a:rPr>
               <a:t>提出问题</a:t>
             </a:r>
-            <a:endParaRPr lang="zh-CN" altLang="en-US" sz="2800" b="1">
-              <a:latin typeface="+mj-ea"/>
-              <a:ea typeface="+mj-ea"/>
-            </a:endParaRPr>
           </a:p>
         </p:txBody>
       </p:sp>
@@ -5394,7 +5292,7 @@
           <p:nvPr>
             <p:ph type="body" idx="1"/>
             <p:custDataLst>
-              <p:tags r:id="rId2"/>
+              <p:tags r:id="rId1"/>
             </p:custDataLst>
           </p:nvPr>
         </p:nvSpPr>
@@ -5509,7 +5407,6 @@
               <a:rPr lang="zh-CN" altLang="en-US" dirty="0"/>
               <a:t>单击此处编辑母版文本样式</a:t>
             </a:r>
-            <a:endParaRPr lang="zh-CN" altLang="en-US" dirty="0"/>
           </a:p>
         </p:txBody>
       </p:sp>
@@ -5533,6 +5430,7 @@
           <a:bodyPr wrap="square" rtlCol="0">
             <a:spAutoFit/>
           </a:bodyPr>
+          <a:lstStyle/>
           <a:p>
             <a:pPr algn="ctr"/>
             <a:r>
@@ -5542,10 +5440,6 @@
               </a:rPr>
               <a:t>内容预览</a:t>
             </a:r>
-            <a:endParaRPr lang="zh-CN" altLang="en-US" sz="2800" b="1">
-              <a:latin typeface="+mj-ea"/>
-              <a:ea typeface="+mj-ea"/>
-            </a:endParaRPr>
           </a:p>
         </p:txBody>
       </p:sp>
@@ -5583,35 +5477,63 @@
           <p:nvPr>
             <p:ph type="dt" sz="half" idx="10"/>
             <p:custDataLst>
+              <p:tags r:id="rId1"/>
+            </p:custDataLst>
+          </p:nvPr>
+        </p:nvSpPr>
+        <p:spPr>
+          <a:xfrm>
+            <a:off x="879742" y="6349833"/>
+            <a:ext cx="2700000" cy="316800"/>
+          </a:xfrm>
+        </p:spPr>
+        <p:txBody>
+          <a:bodyPr/>
+          <a:lstStyle/>
+          <a:p>
+            <a:fld id="{9EFD9D74-47D9-4702-A33C-335B63B48DBF}" type="datetimeFigureOut">
+              <a:rPr lang="zh-CN" altLang="en-US" smtClean="0"/>
+              <a:t>2022/9/6</a:t>
+            </a:fld>
+            <a:endParaRPr lang="zh-CN" altLang="en-US" dirty="0"/>
+          </a:p>
+        </p:txBody>
+      </p:sp>
+      <p:sp>
+        <p:nvSpPr>
+          <p:cNvPr id="6" name="页脚占位符 5"/>
+          <p:cNvSpPr>
+            <a:spLocks noGrp="1"/>
+          </p:cNvSpPr>
+          <p:nvPr>
+            <p:ph type="ftr" sz="quarter" idx="11"/>
+            <p:custDataLst>
               <p:tags r:id="rId2"/>
             </p:custDataLst>
           </p:nvPr>
         </p:nvSpPr>
         <p:spPr>
           <a:xfrm>
-            <a:off x="879742" y="6349833"/>
-            <a:ext cx="2700000" cy="316800"/>
+            <a:off x="4116000" y="6349833"/>
+            <a:ext cx="3960000" cy="316800"/>
           </a:xfrm>
         </p:spPr>
         <p:txBody>
           <a:bodyPr/>
           <a:lstStyle/>
           <a:p>
-            <a:fld id="{9EFD9D74-47D9-4702-A33C-335B63B48DBF}" type="datetimeFigureOut">
-              <a:rPr lang="zh-CN" altLang="en-US" smtClean="0"/>
-            </a:fld>
             <a:endParaRPr lang="zh-CN" altLang="en-US" dirty="0"/>
           </a:p>
         </p:txBody>
       </p:sp>
       <p:sp>
         <p:nvSpPr>
-          <p:cNvPr id="6" name="页脚占位符 5"/>
-          <p:cNvSpPr>
-            <a:spLocks noGrp="1"/>
-          </p:cNvSpPr>
-          <p:nvPr>
-            <p:ph type="ftr" sz="quarter" idx="11"/>
+          <p:cNvPr id="7" name="灯片编号占位符 6"/>
+          <p:cNvSpPr>
+            <a:spLocks noGrp="1"/>
+          </p:cNvSpPr>
+          <p:nvPr>
+            <p:ph type="sldNum" sz="quarter" idx="12"/>
             <p:custDataLst>
               <p:tags r:id="rId3"/>
             </p:custDataLst>
@@ -5619,43 +5541,17 @@
         </p:nvSpPr>
         <p:spPr>
           <a:xfrm>
-            <a:off x="4116000" y="6349833"/>
-            <a:ext cx="3960000" cy="316800"/>
+            <a:off x="8610600" y="6349833"/>
+            <a:ext cx="2700000" cy="316800"/>
           </a:xfrm>
         </p:spPr>
         <p:txBody>
           <a:bodyPr/>
           <a:lstStyle/>
           <a:p>
-            <a:endParaRPr lang="zh-CN" altLang="en-US" dirty="0"/>
-          </a:p>
-        </p:txBody>
-      </p:sp>
-      <p:sp>
-        <p:nvSpPr>
-          <p:cNvPr id="7" name="灯片编号占位符 6"/>
-          <p:cNvSpPr>
-            <a:spLocks noGrp="1"/>
-          </p:cNvSpPr>
-          <p:nvPr>
-            <p:ph type="sldNum" sz="quarter" idx="12"/>
-            <p:custDataLst>
-              <p:tags r:id="rId4"/>
-            </p:custDataLst>
-          </p:nvPr>
-        </p:nvSpPr>
-        <p:spPr>
-          <a:xfrm>
-            <a:off x="8610600" y="6349833"/>
-            <a:ext cx="2700000" cy="316800"/>
-          </a:xfrm>
-        </p:spPr>
-        <p:txBody>
-          <a:bodyPr/>
-          <a:lstStyle/>
-          <a:p>
             <a:fld id="{FABC47A4-756D-490B-A52F-7D9E2C9FC05F}" type="slidenum">
               <a:rPr lang="zh-CN" altLang="en-US" smtClean="0"/>
+              <a:t>‹#›</a:t>
             </a:fld>
             <a:endParaRPr lang="zh-CN" altLang="en-US"/>
           </a:p>
@@ -5681,6 +5577,7 @@
           <a:bodyPr wrap="square" rtlCol="0">
             <a:spAutoFit/>
           </a:bodyPr>
+          <a:lstStyle/>
           <a:p>
             <a:pPr algn="ctr"/>
             <a:r>
@@ -5691,11 +5588,6 @@
               </a:rPr>
               <a:t>复习</a:t>
             </a:r>
-            <a:endParaRPr lang="zh-CN" altLang="en-US" sz="5400">
-              <a:latin typeface="+mj-ea"/>
-              <a:ea typeface="+mj-ea"/>
-              <a:cs typeface="+mj-ea"/>
-            </a:endParaRPr>
           </a:p>
         </p:txBody>
       </p:sp>
@@ -5733,35 +5625,63 @@
           <p:nvPr>
             <p:ph type="dt" sz="half" idx="10"/>
             <p:custDataLst>
+              <p:tags r:id="rId1"/>
+            </p:custDataLst>
+          </p:nvPr>
+        </p:nvSpPr>
+        <p:spPr>
+          <a:xfrm>
+            <a:off x="879742" y="6349833"/>
+            <a:ext cx="2700000" cy="316800"/>
+          </a:xfrm>
+        </p:spPr>
+        <p:txBody>
+          <a:bodyPr/>
+          <a:lstStyle/>
+          <a:p>
+            <a:fld id="{9EFD9D74-47D9-4702-A33C-335B63B48DBF}" type="datetimeFigureOut">
+              <a:rPr lang="zh-CN" altLang="en-US" smtClean="0"/>
+              <a:t>2022/9/6</a:t>
+            </a:fld>
+            <a:endParaRPr lang="zh-CN" altLang="en-US" dirty="0"/>
+          </a:p>
+        </p:txBody>
+      </p:sp>
+      <p:sp>
+        <p:nvSpPr>
+          <p:cNvPr id="6" name="页脚占位符 5"/>
+          <p:cNvSpPr>
+            <a:spLocks noGrp="1"/>
+          </p:cNvSpPr>
+          <p:nvPr>
+            <p:ph type="ftr" sz="quarter" idx="11"/>
+            <p:custDataLst>
               <p:tags r:id="rId2"/>
             </p:custDataLst>
           </p:nvPr>
         </p:nvSpPr>
         <p:spPr>
           <a:xfrm>
-            <a:off x="879742" y="6349833"/>
-            <a:ext cx="2700000" cy="316800"/>
+            <a:off x="4116000" y="6349833"/>
+            <a:ext cx="3960000" cy="316800"/>
           </a:xfrm>
         </p:spPr>
         <p:txBody>
           <a:bodyPr/>
           <a:lstStyle/>
           <a:p>
-            <a:fld id="{9EFD9D74-47D9-4702-A33C-335B63B48DBF}" type="datetimeFigureOut">
-              <a:rPr lang="zh-CN" altLang="en-US" smtClean="0"/>
-            </a:fld>
             <a:endParaRPr lang="zh-CN" altLang="en-US" dirty="0"/>
           </a:p>
         </p:txBody>
       </p:sp>
       <p:sp>
         <p:nvSpPr>
-          <p:cNvPr id="6" name="页脚占位符 5"/>
-          <p:cNvSpPr>
-            <a:spLocks noGrp="1"/>
-          </p:cNvSpPr>
-          <p:nvPr>
-            <p:ph type="ftr" sz="quarter" idx="11"/>
+          <p:cNvPr id="7" name="灯片编号占位符 6"/>
+          <p:cNvSpPr>
+            <a:spLocks noGrp="1"/>
+          </p:cNvSpPr>
+          <p:nvPr>
+            <p:ph type="sldNum" sz="quarter" idx="12"/>
             <p:custDataLst>
               <p:tags r:id="rId3"/>
             </p:custDataLst>
@@ -5769,43 +5689,17 @@
         </p:nvSpPr>
         <p:spPr>
           <a:xfrm>
-            <a:off x="4116000" y="6349833"/>
-            <a:ext cx="3960000" cy="316800"/>
+            <a:off x="8610600" y="6349833"/>
+            <a:ext cx="2700000" cy="316800"/>
           </a:xfrm>
         </p:spPr>
         <p:txBody>
           <a:bodyPr/>
           <a:lstStyle/>
           <a:p>
-            <a:endParaRPr lang="zh-CN" altLang="en-US" dirty="0"/>
-          </a:p>
-        </p:txBody>
-      </p:sp>
-      <p:sp>
-        <p:nvSpPr>
-          <p:cNvPr id="7" name="灯片编号占位符 6"/>
-          <p:cNvSpPr>
-            <a:spLocks noGrp="1"/>
-          </p:cNvSpPr>
-          <p:nvPr>
-            <p:ph type="sldNum" sz="quarter" idx="12"/>
-            <p:custDataLst>
-              <p:tags r:id="rId4"/>
-            </p:custDataLst>
-          </p:nvPr>
-        </p:nvSpPr>
-        <p:spPr>
-          <a:xfrm>
-            <a:off x="8610600" y="6349833"/>
-            <a:ext cx="2700000" cy="316800"/>
-          </a:xfrm>
-        </p:spPr>
-        <p:txBody>
-          <a:bodyPr/>
-          <a:lstStyle/>
-          <a:p>
             <a:fld id="{FABC47A4-756D-490B-A52F-7D9E2C9FC05F}" type="slidenum">
               <a:rPr lang="zh-CN" altLang="en-US" smtClean="0"/>
+              <a:t>‹#›</a:t>
             </a:fld>
             <a:endParaRPr lang="zh-CN" altLang="en-US"/>
           </a:p>
@@ -5831,6 +5725,7 @@
           <a:bodyPr wrap="square" rtlCol="0">
             <a:spAutoFit/>
           </a:bodyPr>
+          <a:lstStyle/>
           <a:p>
             <a:pPr algn="ctr"/>
             <a:r>
@@ -5841,11 +5736,6 @@
               </a:rPr>
               <a:t>回答之前提出的问题</a:t>
             </a:r>
-            <a:endParaRPr lang="zh-CN" altLang="en-US" sz="5400">
-              <a:latin typeface="+mj-ea"/>
-              <a:ea typeface="+mj-ea"/>
-              <a:cs typeface="+mj-ea"/>
-            </a:endParaRPr>
           </a:p>
         </p:txBody>
       </p:sp>
@@ -5883,7 +5773,7 @@
           <p:nvPr>
             <p:ph type="body" idx="1"/>
             <p:custDataLst>
-              <p:tags r:id="rId2"/>
+              <p:tags r:id="rId1"/>
             </p:custDataLst>
           </p:nvPr>
         </p:nvSpPr>
@@ -5998,7 +5888,6 @@
               <a:rPr lang="zh-CN" altLang="en-US" dirty="0"/>
               <a:t>单击此处编辑母版文本样式</a:t>
             </a:r>
-            <a:endParaRPr lang="zh-CN" altLang="en-US" dirty="0"/>
           </a:p>
         </p:txBody>
       </p:sp>
@@ -6022,6 +5911,7 @@
           <a:bodyPr wrap="square" rtlCol="0">
             <a:spAutoFit/>
           </a:bodyPr>
+          <a:lstStyle/>
           <a:p>
             <a:pPr algn="ctr"/>
             <a:r>
@@ -6031,10 +5921,6 @@
               </a:rPr>
               <a:t>参考资料</a:t>
             </a:r>
-            <a:endParaRPr lang="zh-CN" altLang="en-US" sz="2800" b="1">
-              <a:latin typeface="+mj-ea"/>
-              <a:ea typeface="+mj-ea"/>
-            </a:endParaRPr>
           </a:p>
         </p:txBody>
       </p:sp>
@@ -6051,8 +5937,11 @@
   <p:cSld>
     <p:bg>
       <p:bgPr>
-        <a:blipFill rotWithShape="1">
-          <a:blip r:embed="rId23"/>
+        <a:blipFill dpi="0" rotWithShape="1">
+          <a:blip r:embed="rId25">
+            <a:lum/>
+          </a:blip>
+          <a:srcRect/>
           <a:stretch>
             <a:fillRect/>
           </a:stretch>
@@ -6472,7 +6361,9 @@
       <p:sp>
         <p:nvSpPr>
           <p:cNvPr id="6" name="标题 5"/>
-          <p:cNvSpPr/>
+          <p:cNvSpPr>
+            <a:spLocks noGrp="1"/>
+          </p:cNvSpPr>
           <p:nvPr>
             <p:ph type="ctrTitle"/>
           </p:nvPr>
@@ -6485,19 +6376,21 @@
         </p:spPr>
         <p:txBody>
           <a:bodyPr/>
+          <a:lstStyle/>
           <a:p>
             <a:r>
               <a:rPr lang="en-US" altLang="zh-CN"/>
               <a:t>z</a:t>
             </a:r>
-            <a:endParaRPr lang="en-US" altLang="zh-CN"/>
           </a:p>
         </p:txBody>
       </p:sp>
       <p:sp>
         <p:nvSpPr>
           <p:cNvPr id="7" name="副标题 6"/>
-          <p:cNvSpPr/>
+          <p:cNvSpPr>
+            <a:spLocks noGrp="1"/>
+          </p:cNvSpPr>
           <p:nvPr>
             <p:ph type="subTitle" idx="1"/>
           </p:nvPr>
@@ -6510,6 +6403,7 @@
         </p:spPr>
         <p:txBody>
           <a:bodyPr/>
+          <a:lstStyle/>
           <a:p>
             <a:endParaRPr lang="zh-CN" altLang="en-US"/>
           </a:p>
@@ -6517,14 +6411,26 @@
       </p:sp>
       <p:pic>
         <p:nvPicPr>
-          <p:cNvPr id="4" name="图片 3" descr="封面"/>
+          <p:cNvPr id="4" name="图片 3">
+            <a:extLst>
+              <a:ext uri="{FF2B5EF4-FFF2-40B4-BE49-F238E27FC236}">
+                <a16:creationId xmlns:a16="http://schemas.microsoft.com/office/drawing/2014/main" id="{D0338EE5-14CF-7803-C3EB-69B95A7E1944}"/>
+              </a:ext>
+            </a:extLst>
+          </p:cNvPr>
           <p:cNvPicPr>
             <a:picLocks noChangeAspect="1"/>
           </p:cNvPicPr>
           <p:nvPr/>
         </p:nvPicPr>
         <p:blipFill>
-          <a:blip r:embed="rId1"/>
+          <a:blip r:embed="rId4">
+            <a:extLst>
+              <a:ext uri="{28A0092B-C50C-407E-A947-70E740481C1C}">
+                <a14:useLocalDpi xmlns:a14="http://schemas.microsoft.com/office/drawing/2010/main" val="0"/>
+              </a:ext>
+            </a:extLst>
+          </a:blip>
           <a:stretch>
             <a:fillRect/>
           </a:stretch>
@@ -6532,7 +6438,7 @@
         <p:spPr>
           <a:xfrm>
             <a:off x="0" y="0"/>
-            <a:ext cx="12192000" cy="6862445"/>
+            <a:ext cx="12192000" cy="6858000"/>
           </a:xfrm>
           <a:prstGeom prst="rect">
             <a:avLst/>
@@ -6541,7 +6447,7 @@
       </p:pic>
     </p:spTree>
     <p:custDataLst>
-      <p:tags r:id="rId2"/>
+      <p:tags r:id="rId1"/>
     </p:custDataLst>
   </p:cSld>
   <p:clrMapOvr>
@@ -6559,7 +6465,14 @@
         <p:cNvGrpSpPr/>
         <p:nvPr/>
       </p:nvGrpSpPr>
-      <p:grpSpPr/>
+      <p:grpSpPr>
+        <a:xfrm>
+          <a:off x="0" y="0"/>
+          <a:ext cx="0" cy="0"/>
+          <a:chOff x="0" y="0"/>
+          <a:chExt cx="0" cy="0"/>
+        </a:xfrm>
+      </p:grpSpPr>
       <p:sp>
         <p:nvSpPr>
           <p:cNvPr id="2" name="标题 1"/>
@@ -6578,14 +6491,26 @@
         </p:spPr>
         <p:txBody>
           <a:bodyPr/>
+          <a:lstStyle/>
           <a:p>
             <a:r>
-              <a:rPr>
+              <a:rPr lang="zh-CN" altLang="en-US" dirty="0">
+                <a:sym typeface="+mn-ea"/>
+              </a:rPr>
+              <a:t>第二节课：</a:t>
+            </a:r>
+            <a:br>
+              <a:rPr lang="en-US" altLang="zh-CN" dirty="0">
+                <a:sym typeface="+mn-ea"/>
+              </a:rPr>
+            </a:br>
+            <a:r>
+              <a:rPr dirty="0">
                 <a:sym typeface="+mn-ea"/>
               </a:rPr>
               <a:t>使用WebGPU绘制三角形</a:t>
             </a:r>
-            <a:endParaRPr lang="zh-CN" altLang="en-US"/>
+            <a:endParaRPr lang="zh-CN" altLang="en-US" dirty="0"/>
           </a:p>
         </p:txBody>
       </p:sp>
@@ -6609,7 +6534,14 @@
         <p:cNvGrpSpPr/>
         <p:nvPr/>
       </p:nvGrpSpPr>
-      <p:grpSpPr/>
+      <p:grpSpPr>
+        <a:xfrm>
+          <a:off x="0" y="0"/>
+          <a:ext cx="0" cy="0"/>
+          <a:chOff x="0" y="0"/>
+          <a:chExt cx="0" cy="0"/>
+        </a:xfrm>
+      </p:grpSpPr>
       <p:sp>
         <p:nvSpPr>
           <p:cNvPr id="2" name="文本占位符 1"/>
@@ -6623,6 +6555,7 @@
         <p:spPr/>
         <p:txBody>
           <a:bodyPr/>
+          <a:lstStyle/>
           <a:p>
             <a:pPr marL="285750" indent="-285750">
               <a:buFont typeface="Arial" panose="020B0604020202020204" pitchFamily="34" charset="0"/>
@@ -6632,17 +6565,8 @@
               <a:rPr>
                 <a:sym typeface="+mn-ea"/>
               </a:rPr>
-              <a:t>如何</a:t>
+              <a:t>如何实现</a:t>
             </a:r>
-            <a:r>
-              <a:rPr>
-                <a:sym typeface="+mn-ea"/>
-              </a:rPr>
-              <a:t>实现</a:t>
-            </a:r>
-            <a:endParaRPr>
-              <a:sym typeface="+mn-ea"/>
-            </a:endParaRPr>
           </a:p>
         </p:txBody>
       </p:sp>
@@ -6654,13 +6578,6 @@
   <p:clrMapOvr>
     <a:masterClrMapping/>
   </p:clrMapOvr>
-  <p:timing>
-    <p:tnLst>
-      <p:par>
-        <p:cTn id="1" dur="indefinite" restart="never" nodeType="tmRoot"/>
-      </p:par>
-    </p:tnLst>
-  </p:timing>
 </p:sld>
 </file>
 
@@ -6673,7 +6590,14 @@
         <p:cNvGrpSpPr/>
         <p:nvPr/>
       </p:nvGrpSpPr>
-      <p:grpSpPr/>
+      <p:grpSpPr>
+        <a:xfrm>
+          <a:off x="0" y="0"/>
+          <a:ext cx="0" cy="0"/>
+          <a:chOff x="0" y="0"/>
+          <a:chExt cx="0" cy="0"/>
+        </a:xfrm>
+      </p:grpSpPr>
       <p:sp>
         <p:nvSpPr>
           <p:cNvPr id="2" name="标题 1"/>
@@ -6687,12 +6611,10 @@
         <p:spPr/>
         <p:txBody>
           <a:bodyPr/>
+          <a:lstStyle/>
           <a:p>
             <a:r>
-              <a:t>主问题：如何</a:t>
-            </a:r>
-            <a:r>
-              <a:t>实现</a:t>
+              <a:t>主问题：如何实现</a:t>
             </a:r>
           </a:p>
         </p:txBody>
@@ -6717,7 +6639,14 @@
         <p:cNvGrpSpPr/>
         <p:nvPr/>
       </p:nvGrpSpPr>
-      <p:grpSpPr/>
+      <p:grpSpPr>
+        <a:xfrm>
+          <a:off x="0" y="0"/>
+          <a:ext cx="0" cy="0"/>
+          <a:chOff x="0" y="0"/>
+          <a:chExt cx="0" cy="0"/>
+        </a:xfrm>
+      </p:grpSpPr>
       <p:sp>
         <p:nvSpPr>
           <p:cNvPr id="2" name="标题 1"/>
@@ -6736,6 +6665,7 @@
         </p:spPr>
         <p:txBody>
           <a:bodyPr/>
+          <a:lstStyle/>
           <a:p>
             <a:r>
               <a:rPr>
@@ -6762,25 +6692,20 @@
         <p:spPr/>
         <p:txBody>
           <a:bodyPr>
-            <a:normAutofit lnSpcReduction="20000"/>
+            <a:normAutofit/>
           </a:bodyPr>
+          <a:lstStyle/>
           <a:p>
             <a:r>
               <a:rPr lang="zh-CN" altLang="en-US"/>
               <a:t>分析代码</a:t>
             </a:r>
-            <a:endParaRPr lang="zh-CN" altLang="en-US"/>
           </a:p>
           <a:p>
             <a:r>
               <a:rPr lang="zh-CN" altLang="en-US"/>
-              <a:t>运行</a:t>
+              <a:t>运行代码</a:t>
             </a:r>
-            <a:r>
-              <a:rPr lang="zh-CN" altLang="en-US"/>
-              <a:t>代码</a:t>
-            </a:r>
-            <a:endParaRPr lang="zh-CN" altLang="en-US"/>
           </a:p>
         </p:txBody>
       </p:sp>
@@ -6793,7 +6718,7 @@
           <p:nvPr/>
         </p:nvPicPr>
         <p:blipFill>
-          <a:blip r:embed="rId1"/>
+          <a:blip r:embed="rId3"/>
           <a:stretch>
             <a:fillRect/>
           </a:stretch>
@@ -6810,7 +6735,7 @@
       </p:pic>
     </p:spTree>
     <p:custDataLst>
-      <p:tags r:id="rId2"/>
+      <p:tags r:id="rId1"/>
     </p:custDataLst>
   </p:cSld>
   <p:clrMapOvr>
@@ -6956,7 +6881,14 @@
         <p:cNvGrpSpPr/>
         <p:nvPr/>
       </p:nvGrpSpPr>
-      <p:grpSpPr/>
+      <p:grpSpPr>
+        <a:xfrm>
+          <a:off x="0" y="0"/>
+          <a:ext cx="0" cy="0"/>
+          <a:chOff x="0" y="0"/>
+          <a:chExt cx="0" cy="0"/>
+        </a:xfrm>
+      </p:grpSpPr>
       <p:sp>
         <p:nvSpPr>
           <p:cNvPr id="2" name="文本占位符 1"/>
@@ -6970,6 +6902,7 @@
         <p:spPr/>
         <p:txBody>
           <a:bodyPr/>
+          <a:lstStyle/>
           <a:p>
             <a:pPr marL="285750" indent="-285750">
               <a:buFont typeface="Arial" panose="020B0604020202020204" pitchFamily="34" charset="0"/>
@@ -6977,7 +6910,7 @@
             </a:pPr>
             <a:r>
               <a:rPr lang="zh-CN" altLang="en-US">
-                <a:hlinkClick r:id="rId1" tooltip="" action="ppaction://hlinkfile"/>
+                <a:hlinkClick r:id="rId3" action="ppaction://hlinkfile"/>
               </a:rPr>
               <a:t>WebGPU学习（二）: 学习“绘制一个三角形”示例</a:t>
             </a:r>
@@ -7006,22 +6939,18 @@
         <p:spPr/>
         <p:txBody>
           <a:bodyPr/>
+          <a:lstStyle/>
           <a:p>
             <a:r>
               <a:rPr lang="zh-CN" altLang="en-US"/>
-              <a:t>参考</a:t>
+              <a:t>参考资料</a:t>
             </a:r>
-            <a:r>
-              <a:rPr lang="zh-CN" altLang="en-US"/>
-              <a:t>资料</a:t>
-            </a:r>
-            <a:endParaRPr lang="zh-CN" altLang="en-US"/>
           </a:p>
         </p:txBody>
       </p:sp>
     </p:spTree>
     <p:custDataLst>
-      <p:tags r:id="rId2"/>
+      <p:tags r:id="rId1"/>
     </p:custDataLst>
   </p:cSld>
   <p:clrMapOvr>
@@ -7039,7 +6968,14 @@
         <p:cNvGrpSpPr/>
         <p:nvPr/>
       </p:nvGrpSpPr>
-      <p:grpSpPr/>
+      <p:grpSpPr>
+        <a:xfrm>
+          <a:off x="0" y="0"/>
+          <a:ext cx="0" cy="0"/>
+          <a:chOff x="0" y="0"/>
+          <a:chExt cx="0" cy="0"/>
+        </a:xfrm>
+      </p:grpSpPr>
       <p:sp>
         <p:nvSpPr>
           <p:cNvPr id="2" name="文本占位符 1"/>
@@ -7053,6 +6989,7 @@
         <p:spPr/>
         <p:txBody>
           <a:bodyPr/>
+          <a:lstStyle/>
           <a:p>
             <a:pPr marL="285750" indent="-285750">
               <a:buFont typeface="Arial" panose="020B0604020202020204" pitchFamily="34" charset="0"/>
@@ -7089,12 +7026,12 @@
         <p:spPr/>
         <p:txBody>
           <a:bodyPr/>
+          <a:lstStyle/>
           <a:p>
             <a:r>
               <a:rPr lang="zh-CN" altLang="en-US"/>
               <a:t>下节课预告</a:t>
             </a:r>
-            <a:endParaRPr lang="zh-CN" altLang="en-US"/>
           </a:p>
         </p:txBody>
       </p:sp>
@@ -7118,7 +7055,14 @@
         <p:cNvGrpSpPr/>
         <p:nvPr/>
       </p:nvGrpSpPr>
-      <p:grpSpPr/>
+      <p:grpSpPr>
+        <a:xfrm>
+          <a:off x="0" y="0"/>
+          <a:ext cx="0" cy="0"/>
+          <a:chOff x="0" y="0"/>
+          <a:chExt cx="0" cy="0"/>
+        </a:xfrm>
+      </p:grpSpPr>
     </p:spTree>
     <p:custDataLst>
       <p:tags r:id="rId1"/>
@@ -7131,7 +7075,28 @@
 </file>
 
 <file path=ppt/tags/tag1.xml><?xml version="1.0" encoding="utf-8"?>
-<p:tagLst xmlns:p="http://schemas.openxmlformats.org/presentationml/2006/main">
+<p:tagLst xmlns:a="http://schemas.openxmlformats.org/drawingml/2006/main" xmlns:r="http://schemas.openxmlformats.org/officeDocument/2006/relationships" xmlns:p="http://schemas.openxmlformats.org/presentationml/2006/main">
+  <p:tag name="KSO_DOCER_TEMPLATE_OPEN_ONCE_MARK" val="1"/>
+  <p:tag name="COMMONDATA" val="eyJoZGlkIjoiMjg3YWU3MzE4Zjc2MGFjY2U2ZGQ0NDQwMWZkNTA3OTgifQ=="/>
+  <p:tag name="KSO_WPP_MARK_KEY" val="c4754028-f02d-4a51-bd78-eda642c363c0"/>
+</p:tagLst>
+</file>
+
+<file path=ppt/tags/tag10.xml><?xml version="1.0" encoding="utf-8"?>
+<p:tagLst xmlns:a="http://schemas.openxmlformats.org/drawingml/2006/main" xmlns:r="http://schemas.openxmlformats.org/officeDocument/2006/relationships" xmlns:p="http://schemas.openxmlformats.org/presentationml/2006/main">
+  <p:tag name="KSO_WM_UNIT_HIGHLIGHT" val="0"/>
+  <p:tag name="KSO_WM_UNIT_COMPATIBLE" val="0"/>
+  <p:tag name="KSO_WM_UNIT_DIAGRAM_ISNUMVISUAL" val="0"/>
+  <p:tag name="KSO_WM_UNIT_DIAGRAM_ISREFERUNIT" val="0"/>
+  <p:tag name="KSO_WM_UNIT_ID" val="_5**"/>
+  <p:tag name="KSO_WM_UNIT_LAYERLEVEL" val="1"/>
+  <p:tag name="KSO_WM_TAG_VERSION" val="1.0"/>
+  <p:tag name="KSO_WM_BEAUTIFY_FLAG" val="#wm#"/>
+</p:tagLst>
+</file>
+
+<file path=ppt/tags/tag11.xml><?xml version="1.0" encoding="utf-8"?>
+<p:tagLst xmlns:a="http://schemas.openxmlformats.org/drawingml/2006/main" xmlns:r="http://schemas.openxmlformats.org/officeDocument/2006/relationships" xmlns:p="http://schemas.openxmlformats.org/presentationml/2006/main">
   <p:tag name="KSO_WM_UNIT_HIGHLIGHT" val="0"/>
   <p:tag name="KSO_WM_UNIT_COMPATIBLE" val="0"/>
   <p:tag name="KSO_WM_UNIT_DIAGRAM_ISNUMVISUAL" val="0"/>
@@ -7143,8 +7108,8 @@
 </p:tagLst>
 </file>
 
-<file path=ppt/tags/tag10.xml><?xml version="1.0" encoding="utf-8"?>
-<p:tagLst xmlns:p="http://schemas.openxmlformats.org/presentationml/2006/main">
+<file path=ppt/tags/tag12.xml><?xml version="1.0" encoding="utf-8"?>
+<p:tagLst xmlns:a="http://schemas.openxmlformats.org/drawingml/2006/main" xmlns:r="http://schemas.openxmlformats.org/officeDocument/2006/relationships" xmlns:p="http://schemas.openxmlformats.org/presentationml/2006/main">
   <p:tag name="KSO_WM_UNIT_HIGHLIGHT" val="0"/>
   <p:tag name="KSO_WM_UNIT_COMPATIBLE" val="0"/>
   <p:tag name="KSO_WM_UNIT_DIAGRAM_ISNUMVISUAL" val="0"/>
@@ -7156,8 +7121,8 @@
 </p:tagLst>
 </file>
 
-<file path=ppt/tags/tag11.xml><?xml version="1.0" encoding="utf-8"?>
-<p:tagLst xmlns:p="http://schemas.openxmlformats.org/presentationml/2006/main">
+<file path=ppt/tags/tag13.xml><?xml version="1.0" encoding="utf-8"?>
+<p:tagLst xmlns:a="http://schemas.openxmlformats.org/drawingml/2006/main" xmlns:r="http://schemas.openxmlformats.org/officeDocument/2006/relationships" xmlns:p="http://schemas.openxmlformats.org/presentationml/2006/main">
   <p:tag name="KSO_WM_UNIT_HIGHLIGHT" val="0"/>
   <p:tag name="KSO_WM_UNIT_COMPATIBLE" val="0"/>
   <p:tag name="KSO_WM_UNIT_DIAGRAM_ISNUMVISUAL" val="0"/>
@@ -7169,8 +7134,8 @@
 </p:tagLst>
 </file>
 
-<file path=ppt/tags/tag12.xml><?xml version="1.0" encoding="utf-8"?>
-<p:tagLst xmlns:p="http://schemas.openxmlformats.org/presentationml/2006/main">
+<file path=ppt/tags/tag14.xml><?xml version="1.0" encoding="utf-8"?>
+<p:tagLst xmlns:a="http://schemas.openxmlformats.org/drawingml/2006/main" xmlns:r="http://schemas.openxmlformats.org/officeDocument/2006/relationships" xmlns:p="http://schemas.openxmlformats.org/presentationml/2006/main">
   <p:tag name="KSO_WM_UNIT_HIGHLIGHT" val="0"/>
   <p:tag name="KSO_WM_UNIT_COMPATIBLE" val="0"/>
   <p:tag name="KSO_WM_UNIT_DIAGRAM_ISNUMVISUAL" val="0"/>
@@ -7182,8 +7147,8 @@
 </p:tagLst>
 </file>
 
-<file path=ppt/tags/tag13.xml><?xml version="1.0" encoding="utf-8"?>
-<p:tagLst xmlns:p="http://schemas.openxmlformats.org/presentationml/2006/main">
+<file path=ppt/tags/tag15.xml><?xml version="1.0" encoding="utf-8"?>
+<p:tagLst xmlns:a="http://schemas.openxmlformats.org/drawingml/2006/main" xmlns:r="http://schemas.openxmlformats.org/officeDocument/2006/relationships" xmlns:p="http://schemas.openxmlformats.org/presentationml/2006/main">
   <p:tag name="KSO_WM_UNIT_HIGHLIGHT" val="0"/>
   <p:tag name="KSO_WM_UNIT_COMPATIBLE" val="0"/>
   <p:tag name="KSO_WM_UNIT_DIAGRAM_ISNUMVISUAL" val="0"/>
@@ -7195,8 +7160,8 @@
 </p:tagLst>
 </file>
 
-<file path=ppt/tags/tag14.xml><?xml version="1.0" encoding="utf-8"?>
-<p:tagLst xmlns:p="http://schemas.openxmlformats.org/presentationml/2006/main">
+<file path=ppt/tags/tag16.xml><?xml version="1.0" encoding="utf-8"?>
+<p:tagLst xmlns:a="http://schemas.openxmlformats.org/drawingml/2006/main" xmlns:r="http://schemas.openxmlformats.org/officeDocument/2006/relationships" xmlns:p="http://schemas.openxmlformats.org/presentationml/2006/main">
   <p:tag name="KSO_WM_UNIT_HIGHLIGHT" val="0"/>
   <p:tag name="KSO_WM_UNIT_COMPATIBLE" val="0"/>
   <p:tag name="KSO_WM_UNIT_DIAGRAM_ISNUMVISUAL" val="0"/>
@@ -7208,8 +7173,8 @@
 </p:tagLst>
 </file>
 
-<file path=ppt/tags/tag15.xml><?xml version="1.0" encoding="utf-8"?>
-<p:tagLst xmlns:p="http://schemas.openxmlformats.org/presentationml/2006/main">
+<file path=ppt/tags/tag17.xml><?xml version="1.0" encoding="utf-8"?>
+<p:tagLst xmlns:a="http://schemas.openxmlformats.org/drawingml/2006/main" xmlns:r="http://schemas.openxmlformats.org/officeDocument/2006/relationships" xmlns:p="http://schemas.openxmlformats.org/presentationml/2006/main">
   <p:tag name="KSO_WM_UNIT_HIGHLIGHT" val="0"/>
   <p:tag name="KSO_WM_UNIT_COMPATIBLE" val="0"/>
   <p:tag name="KSO_WM_UNIT_DIAGRAM_ISNUMVISUAL" val="0"/>
@@ -7221,8 +7186,8 @@
 </p:tagLst>
 </file>
 
-<file path=ppt/tags/tag16.xml><?xml version="1.0" encoding="utf-8"?>
-<p:tagLst xmlns:p="http://schemas.openxmlformats.org/presentationml/2006/main">
+<file path=ppt/tags/tag18.xml><?xml version="1.0" encoding="utf-8"?>
+<p:tagLst xmlns:a="http://schemas.openxmlformats.org/drawingml/2006/main" xmlns:r="http://schemas.openxmlformats.org/officeDocument/2006/relationships" xmlns:p="http://schemas.openxmlformats.org/presentationml/2006/main">
   <p:tag name="KSO_WM_UNIT_HIGHLIGHT" val="0"/>
   <p:tag name="KSO_WM_UNIT_COMPATIBLE" val="0"/>
   <p:tag name="KSO_WM_UNIT_DIAGRAM_ISNUMVISUAL" val="0"/>
@@ -7234,8 +7199,8 @@
 </p:tagLst>
 </file>
 
-<file path=ppt/tags/tag17.xml><?xml version="1.0" encoding="utf-8"?>
-<p:tagLst xmlns:p="http://schemas.openxmlformats.org/presentationml/2006/main">
+<file path=ppt/tags/tag19.xml><?xml version="1.0" encoding="utf-8"?>
+<p:tagLst xmlns:a="http://schemas.openxmlformats.org/drawingml/2006/main" xmlns:r="http://schemas.openxmlformats.org/officeDocument/2006/relationships" xmlns:p="http://schemas.openxmlformats.org/presentationml/2006/main">
   <p:tag name="KSO_WM_UNIT_HIGHLIGHT" val="0"/>
   <p:tag name="KSO_WM_UNIT_COMPATIBLE" val="0"/>
   <p:tag name="KSO_WM_UNIT_DIAGRAM_ISNUMVISUAL" val="0"/>
@@ -7247,8 +7212,19 @@
 </p:tagLst>
 </file>
 
-<file path=ppt/tags/tag18.xml><?xml version="1.0" encoding="utf-8"?>
-<p:tagLst xmlns:p="http://schemas.openxmlformats.org/presentationml/2006/main">
+<file path=ppt/tags/tag2.xml><?xml version="1.0" encoding="utf-8"?>
+<p:tagLst xmlns:a="http://schemas.openxmlformats.org/drawingml/2006/main" xmlns:r="http://schemas.openxmlformats.org/officeDocument/2006/relationships" xmlns:p="http://schemas.openxmlformats.org/presentationml/2006/main">
+  <p:tag name="KSO_WM_TEMPLATE_THUMBS_INDEX" val="1、2、3、6、8、10、11、12、15"/>
+  <p:tag name="KSO_WM_TEMPLATE_SUBCATEGORY" val="0"/>
+  <p:tag name="KSO_WM_TAG_VERSION" val="1.0"/>
+  <p:tag name="KSO_WM_BEAUTIFY_FLAG" val="#wm#"/>
+  <p:tag name="KSO_WM_TEMPLATE_CATEGORY" val="custom"/>
+  <p:tag name="KSO_WM_TEMPLATE_INDEX" val="20187308"/>
+</p:tagLst>
+</file>
+
+<file path=ppt/tags/tag20.xml><?xml version="1.0" encoding="utf-8"?>
+<p:tagLst xmlns:a="http://schemas.openxmlformats.org/drawingml/2006/main" xmlns:r="http://schemas.openxmlformats.org/officeDocument/2006/relationships" xmlns:p="http://schemas.openxmlformats.org/presentationml/2006/main">
   <p:tag name="KSO_WM_UNIT_HIGHLIGHT" val="0"/>
   <p:tag name="KSO_WM_UNIT_COMPATIBLE" val="0"/>
   <p:tag name="KSO_WM_UNIT_DIAGRAM_ISNUMVISUAL" val="0"/>
@@ -7260,8 +7236,8 @@
 </p:tagLst>
 </file>
 
-<file path=ppt/tags/tag19.xml><?xml version="1.0" encoding="utf-8"?>
-<p:tagLst xmlns:p="http://schemas.openxmlformats.org/presentationml/2006/main">
+<file path=ppt/tags/tag21.xml><?xml version="1.0" encoding="utf-8"?>
+<p:tagLst xmlns:a="http://schemas.openxmlformats.org/drawingml/2006/main" xmlns:r="http://schemas.openxmlformats.org/officeDocument/2006/relationships" xmlns:p="http://schemas.openxmlformats.org/presentationml/2006/main">
   <p:tag name="KSO_WM_UNIT_HIGHLIGHT" val="0"/>
   <p:tag name="KSO_WM_UNIT_COMPATIBLE" val="0"/>
   <p:tag name="KSO_WM_UNIT_DIAGRAM_ISNUMVISUAL" val="0"/>
@@ -7273,8 +7249,255 @@
 </p:tagLst>
 </file>
 
-<file path=ppt/tags/tag2.xml><?xml version="1.0" encoding="utf-8"?>
-<p:tagLst xmlns:p="http://schemas.openxmlformats.org/presentationml/2006/main">
+<file path=ppt/tags/tag22.xml><?xml version="1.0" encoding="utf-8"?>
+<p:tagLst xmlns:a="http://schemas.openxmlformats.org/drawingml/2006/main" xmlns:r="http://schemas.openxmlformats.org/officeDocument/2006/relationships" xmlns:p="http://schemas.openxmlformats.org/presentationml/2006/main">
+  <p:tag name="KSO_WM_UNIT_HIGHLIGHT" val="0"/>
+  <p:tag name="KSO_WM_UNIT_COMPATIBLE" val="0"/>
+  <p:tag name="KSO_WM_UNIT_DIAGRAM_ISNUMVISUAL" val="0"/>
+  <p:tag name="KSO_WM_UNIT_DIAGRAM_ISREFERUNIT" val="0"/>
+  <p:tag name="KSO_WM_UNIT_ID" val="_8**"/>
+  <p:tag name="KSO_WM_UNIT_LAYERLEVEL" val="1"/>
+  <p:tag name="KSO_WM_TAG_VERSION" val="1.0"/>
+  <p:tag name="KSO_WM_BEAUTIFY_FLAG" val="#wm#"/>
+</p:tagLst>
+</file>
+
+<file path=ppt/tags/tag23.xml><?xml version="1.0" encoding="utf-8"?>
+<p:tagLst xmlns:a="http://schemas.openxmlformats.org/drawingml/2006/main" xmlns:r="http://schemas.openxmlformats.org/officeDocument/2006/relationships" xmlns:p="http://schemas.openxmlformats.org/presentationml/2006/main">
+  <p:tag name="KSO_WM_UNIT_HIGHLIGHT" val="0"/>
+  <p:tag name="KSO_WM_UNIT_COMPATIBLE" val="0"/>
+  <p:tag name="KSO_WM_UNIT_DIAGRAM_ISNUMVISUAL" val="0"/>
+  <p:tag name="KSO_WM_UNIT_DIAGRAM_ISREFERUNIT" val="0"/>
+  <p:tag name="KSO_WM_UNIT_ID" val="_8**"/>
+  <p:tag name="KSO_WM_UNIT_LAYERLEVEL" val="1"/>
+  <p:tag name="KSO_WM_TAG_VERSION" val="1.0"/>
+  <p:tag name="KSO_WM_BEAUTIFY_FLAG" val="#wm#"/>
+</p:tagLst>
+</file>
+
+<file path=ppt/tags/tag24.xml><?xml version="1.0" encoding="utf-8"?>
+<p:tagLst xmlns:a="http://schemas.openxmlformats.org/drawingml/2006/main" xmlns:r="http://schemas.openxmlformats.org/officeDocument/2006/relationships" xmlns:p="http://schemas.openxmlformats.org/presentationml/2006/main">
+  <p:tag name="KSO_WM_UNIT_HIGHLIGHT" val="0"/>
+  <p:tag name="KSO_WM_UNIT_COMPATIBLE" val="0"/>
+  <p:tag name="KSO_WM_UNIT_DIAGRAM_ISNUMVISUAL" val="0"/>
+  <p:tag name="KSO_WM_UNIT_DIAGRAM_ISREFERUNIT" val="0"/>
+  <p:tag name="KSO_WM_UNIT_ID" val="_8**"/>
+  <p:tag name="KSO_WM_UNIT_LAYERLEVEL" val="1"/>
+  <p:tag name="KSO_WM_TAG_VERSION" val="1.0"/>
+  <p:tag name="KSO_WM_BEAUTIFY_FLAG" val="#wm#"/>
+</p:tagLst>
+</file>
+
+<file path=ppt/tags/tag25.xml><?xml version="1.0" encoding="utf-8"?>
+<p:tagLst xmlns:a="http://schemas.openxmlformats.org/drawingml/2006/main" xmlns:r="http://schemas.openxmlformats.org/officeDocument/2006/relationships" xmlns:p="http://schemas.openxmlformats.org/presentationml/2006/main">
+  <p:tag name="KSO_WM_UNIT_HIGHLIGHT" val="0"/>
+  <p:tag name="KSO_WM_UNIT_COMPATIBLE" val="0"/>
+  <p:tag name="KSO_WM_UNIT_DIAGRAM_ISNUMVISUAL" val="0"/>
+  <p:tag name="KSO_WM_UNIT_DIAGRAM_ISREFERUNIT" val="0"/>
+  <p:tag name="KSO_WM_UNIT_ID" val="_3**"/>
+  <p:tag name="KSO_WM_UNIT_LAYERLEVEL" val="1"/>
+  <p:tag name="KSO_WM_TAG_VERSION" val="1.0"/>
+  <p:tag name="KSO_WM_BEAUTIFY_FLAG" val="#wm#"/>
+</p:tagLst>
+</file>
+
+<file path=ppt/tags/tag26.xml><?xml version="1.0" encoding="utf-8"?>
+<p:tagLst xmlns:a="http://schemas.openxmlformats.org/drawingml/2006/main" xmlns:r="http://schemas.openxmlformats.org/officeDocument/2006/relationships" xmlns:p="http://schemas.openxmlformats.org/presentationml/2006/main">
+  <p:tag name="KSO_WM_UNIT_HIGHLIGHT" val="0"/>
+  <p:tag name="KSO_WM_UNIT_COMPATIBLE" val="0"/>
+  <p:tag name="KSO_WM_UNIT_DIAGRAM_ISNUMVISUAL" val="0"/>
+  <p:tag name="KSO_WM_UNIT_DIAGRAM_ISREFERUNIT" val="0"/>
+  <p:tag name="KSO_WM_UNIT_ID" val="_11**"/>
+  <p:tag name="KSO_WM_UNIT_LAYERLEVEL" val="1"/>
+  <p:tag name="KSO_WM_TAG_VERSION" val="1.0"/>
+  <p:tag name="KSO_WM_BEAUTIFY_FLAG" val="#wm#"/>
+</p:tagLst>
+</file>
+
+<file path=ppt/tags/tag27.xml><?xml version="1.0" encoding="utf-8"?>
+<p:tagLst xmlns:a="http://schemas.openxmlformats.org/drawingml/2006/main" xmlns:r="http://schemas.openxmlformats.org/officeDocument/2006/relationships" xmlns:p="http://schemas.openxmlformats.org/presentationml/2006/main">
+  <p:tag name="KSO_WM_UNIT_HIGHLIGHT" val="0"/>
+  <p:tag name="KSO_WM_UNIT_COMPATIBLE" val="0"/>
+  <p:tag name="KSO_WM_UNIT_DIAGRAM_ISNUMVISUAL" val="0"/>
+  <p:tag name="KSO_WM_UNIT_DIAGRAM_ISREFERUNIT" val="0"/>
+  <p:tag name="KSO_WM_UNIT_ID" val="_11**"/>
+  <p:tag name="KSO_WM_UNIT_LAYERLEVEL" val="1"/>
+  <p:tag name="KSO_WM_TAG_VERSION" val="1.0"/>
+  <p:tag name="KSO_WM_BEAUTIFY_FLAG" val="#wm#"/>
+</p:tagLst>
+</file>
+
+<file path=ppt/tags/tag28.xml><?xml version="1.0" encoding="utf-8"?>
+<p:tagLst xmlns:a="http://schemas.openxmlformats.org/drawingml/2006/main" xmlns:r="http://schemas.openxmlformats.org/officeDocument/2006/relationships" xmlns:p="http://schemas.openxmlformats.org/presentationml/2006/main">
+  <p:tag name="KSO_WM_UNIT_HIGHLIGHT" val="0"/>
+  <p:tag name="KSO_WM_UNIT_COMPATIBLE" val="0"/>
+  <p:tag name="KSO_WM_UNIT_DIAGRAM_ISNUMVISUAL" val="0"/>
+  <p:tag name="KSO_WM_UNIT_DIAGRAM_ISREFERUNIT" val="0"/>
+  <p:tag name="KSO_WM_UNIT_ID" val="_11**"/>
+  <p:tag name="KSO_WM_UNIT_LAYERLEVEL" val="1"/>
+  <p:tag name="KSO_WM_TAG_VERSION" val="1.0"/>
+  <p:tag name="KSO_WM_BEAUTIFY_FLAG" val="#wm#"/>
+</p:tagLst>
+</file>
+
+<file path=ppt/tags/tag29.xml><?xml version="1.0" encoding="utf-8"?>
+<p:tagLst xmlns:a="http://schemas.openxmlformats.org/drawingml/2006/main" xmlns:r="http://schemas.openxmlformats.org/officeDocument/2006/relationships" xmlns:p="http://schemas.openxmlformats.org/presentationml/2006/main">
+  <p:tag name="KSO_WM_UNIT_HIGHLIGHT" val="0"/>
+  <p:tag name="KSO_WM_UNIT_COMPATIBLE" val="0"/>
+  <p:tag name="KSO_WM_UNIT_DIAGRAM_ISNUMVISUAL" val="0"/>
+  <p:tag name="KSO_WM_UNIT_DIAGRAM_ISREFERUNIT" val="0"/>
+  <p:tag name="KSO_WM_UNIT_ID" val="_11**"/>
+  <p:tag name="KSO_WM_UNIT_LAYERLEVEL" val="1"/>
+  <p:tag name="KSO_WM_TAG_VERSION" val="1.0"/>
+  <p:tag name="KSO_WM_BEAUTIFY_FLAG" val="#wm#"/>
+</p:tagLst>
+</file>
+
+<file path=ppt/tags/tag3.xml><?xml version="1.0" encoding="utf-8"?>
+<p:tagLst xmlns:a="http://schemas.openxmlformats.org/drawingml/2006/main" xmlns:r="http://schemas.openxmlformats.org/officeDocument/2006/relationships" xmlns:p="http://schemas.openxmlformats.org/presentationml/2006/main">
+  <p:tag name="KSO_WM_UNIT_HIGHLIGHT" val="0"/>
+  <p:tag name="KSO_WM_UNIT_COMPATIBLE" val="0"/>
+  <p:tag name="KSO_WM_UNIT_DIAGRAM_ISNUMVISUAL" val="0"/>
+  <p:tag name="KSO_WM_UNIT_DIAGRAM_ISREFERUNIT" val="0"/>
+  <p:tag name="KSO_WM_UNIT_ID" val="_3**"/>
+  <p:tag name="KSO_WM_UNIT_LAYERLEVEL" val="1"/>
+  <p:tag name="KSO_WM_TAG_VERSION" val="1.0"/>
+  <p:tag name="KSO_WM_BEAUTIFY_FLAG" val="#wm#"/>
+</p:tagLst>
+</file>
+
+<file path=ppt/tags/tag30.xml><?xml version="1.0" encoding="utf-8"?>
+<p:tagLst xmlns:a="http://schemas.openxmlformats.org/drawingml/2006/main" xmlns:r="http://schemas.openxmlformats.org/officeDocument/2006/relationships" xmlns:p="http://schemas.openxmlformats.org/presentationml/2006/main">
+  <p:tag name="KSO_WM_UNIT_HIGHLIGHT" val="0"/>
+  <p:tag name="KSO_WM_UNIT_COMPATIBLE" val="0"/>
+  <p:tag name="KSO_WM_UNIT_DIAGRAM_ISNUMVISUAL" val="0"/>
+  <p:tag name="KSO_WM_UNIT_DIAGRAM_ISREFERUNIT" val="0"/>
+  <p:tag name="KSO_WM_UNIT_ID" val="_8**"/>
+  <p:tag name="KSO_WM_UNIT_LAYERLEVEL" val="1"/>
+  <p:tag name="KSO_WM_TAG_VERSION" val="1.0"/>
+  <p:tag name="KSO_WM_BEAUTIFY_FLAG" val="#wm#"/>
+</p:tagLst>
+</file>
+
+<file path=ppt/tags/tag31.xml><?xml version="1.0" encoding="utf-8"?>
+<p:tagLst xmlns:a="http://schemas.openxmlformats.org/drawingml/2006/main" xmlns:r="http://schemas.openxmlformats.org/officeDocument/2006/relationships" xmlns:p="http://schemas.openxmlformats.org/presentationml/2006/main">
+  <p:tag name="KSO_WM_UNIT_HIGHLIGHT" val="0"/>
+  <p:tag name="KSO_WM_UNIT_COMPATIBLE" val="0"/>
+  <p:tag name="KSO_WM_UNIT_DIAGRAM_ISNUMVISUAL" val="0"/>
+  <p:tag name="KSO_WM_UNIT_DIAGRAM_ISREFERUNIT" val="0"/>
+  <p:tag name="KSO_WM_UNIT_ID" val="_8**"/>
+  <p:tag name="KSO_WM_UNIT_LAYERLEVEL" val="1"/>
+  <p:tag name="KSO_WM_TAG_VERSION" val="1.0"/>
+  <p:tag name="KSO_WM_BEAUTIFY_FLAG" val="#wm#"/>
+</p:tagLst>
+</file>
+
+<file path=ppt/tags/tag32.xml><?xml version="1.0" encoding="utf-8"?>
+<p:tagLst xmlns:a="http://schemas.openxmlformats.org/drawingml/2006/main" xmlns:r="http://schemas.openxmlformats.org/officeDocument/2006/relationships" xmlns:p="http://schemas.openxmlformats.org/presentationml/2006/main">
+  <p:tag name="KSO_WM_UNIT_HIGHLIGHT" val="0"/>
+  <p:tag name="KSO_WM_UNIT_COMPATIBLE" val="0"/>
+  <p:tag name="KSO_WM_UNIT_DIAGRAM_ISNUMVISUAL" val="0"/>
+  <p:tag name="KSO_WM_UNIT_DIAGRAM_ISREFERUNIT" val="0"/>
+  <p:tag name="KSO_WM_UNIT_ID" val="_8**"/>
+  <p:tag name="KSO_WM_UNIT_LAYERLEVEL" val="1"/>
+  <p:tag name="KSO_WM_TAG_VERSION" val="1.0"/>
+  <p:tag name="KSO_WM_BEAUTIFY_FLAG" val="#wm#"/>
+</p:tagLst>
+</file>
+
+<file path=ppt/tags/tag33.xml><?xml version="1.0" encoding="utf-8"?>
+<p:tagLst xmlns:a="http://schemas.openxmlformats.org/drawingml/2006/main" xmlns:r="http://schemas.openxmlformats.org/officeDocument/2006/relationships" xmlns:p="http://schemas.openxmlformats.org/presentationml/2006/main">
+  <p:tag name="KSO_WM_UNIT_HIGHLIGHT" val="0"/>
+  <p:tag name="KSO_WM_UNIT_COMPATIBLE" val="0"/>
+  <p:tag name="KSO_WM_UNIT_DIAGRAM_ISNUMVISUAL" val="0"/>
+  <p:tag name="KSO_WM_UNIT_DIAGRAM_ISREFERUNIT" val="0"/>
+  <p:tag name="KSO_WM_UNIT_ID" val="_4**"/>
+  <p:tag name="KSO_WM_UNIT_LAYERLEVEL" val="1"/>
+  <p:tag name="KSO_WM_TAG_VERSION" val="1.0"/>
+  <p:tag name="KSO_WM_BEAUTIFY_FLAG" val="#wm#"/>
+</p:tagLst>
+</file>
+
+<file path=ppt/tags/tag34.xml><?xml version="1.0" encoding="utf-8"?>
+<p:tagLst xmlns:a="http://schemas.openxmlformats.org/drawingml/2006/main" xmlns:r="http://schemas.openxmlformats.org/officeDocument/2006/relationships" xmlns:p="http://schemas.openxmlformats.org/presentationml/2006/main">
+  <p:tag name="KSO_WM_UNIT_HIGHLIGHT" val="0"/>
+  <p:tag name="KSO_WM_UNIT_COMPATIBLE" val="0"/>
+  <p:tag name="KSO_WM_UNIT_DIAGRAM_ISNUMVISUAL" val="0"/>
+  <p:tag name="KSO_WM_UNIT_DIAGRAM_ISREFERUNIT" val="0"/>
+  <p:tag name="KSO_WM_UNIT_ID" val="_4**"/>
+  <p:tag name="KSO_WM_UNIT_LAYERLEVEL" val="1"/>
+  <p:tag name="KSO_WM_TAG_VERSION" val="1.0"/>
+  <p:tag name="KSO_WM_BEAUTIFY_FLAG" val="#wm#"/>
+</p:tagLst>
+</file>
+
+<file path=ppt/tags/tag35.xml><?xml version="1.0" encoding="utf-8"?>
+<p:tagLst xmlns:a="http://schemas.openxmlformats.org/drawingml/2006/main" xmlns:r="http://schemas.openxmlformats.org/officeDocument/2006/relationships" xmlns:p="http://schemas.openxmlformats.org/presentationml/2006/main">
+  <p:tag name="KSO_WM_UNIT_HIGHLIGHT" val="0"/>
+  <p:tag name="KSO_WM_UNIT_COMPATIBLE" val="0"/>
+  <p:tag name="KSO_WM_UNIT_DIAGRAM_ISNUMVISUAL" val="0"/>
+  <p:tag name="KSO_WM_UNIT_DIAGRAM_ISREFERUNIT" val="0"/>
+  <p:tag name="KSO_WM_UNIT_ID" val="_4**"/>
+  <p:tag name="KSO_WM_UNIT_LAYERLEVEL" val="1"/>
+  <p:tag name="KSO_WM_TAG_VERSION" val="1.0"/>
+  <p:tag name="KSO_WM_BEAUTIFY_FLAG" val="#wm#"/>
+</p:tagLst>
+</file>
+
+<file path=ppt/tags/tag36.xml><?xml version="1.0" encoding="utf-8"?>
+<p:tagLst xmlns:a="http://schemas.openxmlformats.org/drawingml/2006/main" xmlns:r="http://schemas.openxmlformats.org/officeDocument/2006/relationships" xmlns:p="http://schemas.openxmlformats.org/presentationml/2006/main">
+  <p:tag name="KSO_WM_UNIT_HIGHLIGHT" val="0"/>
+  <p:tag name="KSO_WM_UNIT_COMPATIBLE" val="0"/>
+  <p:tag name="KSO_WM_UNIT_DIAGRAM_ISNUMVISUAL" val="0"/>
+  <p:tag name="KSO_WM_UNIT_DIAGRAM_ISREFERUNIT" val="0"/>
+  <p:tag name="KSO_WM_UNIT_ID" val="_4**"/>
+  <p:tag name="KSO_WM_UNIT_LAYERLEVEL" val="1"/>
+  <p:tag name="KSO_WM_TAG_VERSION" val="1.0"/>
+  <p:tag name="KSO_WM_BEAUTIFY_FLAG" val="#wm#"/>
+</p:tagLst>
+</file>
+
+<file path=ppt/tags/tag37.xml><?xml version="1.0" encoding="utf-8"?>
+<p:tagLst xmlns:a="http://schemas.openxmlformats.org/drawingml/2006/main" xmlns:r="http://schemas.openxmlformats.org/officeDocument/2006/relationships" xmlns:p="http://schemas.openxmlformats.org/presentationml/2006/main">
+  <p:tag name="KSO_WM_UNIT_HIGHLIGHT" val="0"/>
+  <p:tag name="KSO_WM_UNIT_COMPATIBLE" val="0"/>
+  <p:tag name="KSO_WM_UNIT_DIAGRAM_ISNUMVISUAL" val="0"/>
+  <p:tag name="KSO_WM_UNIT_DIAGRAM_ISREFERUNIT" val="0"/>
+  <p:tag name="KSO_WM_UNIT_ID" val="_4**"/>
+  <p:tag name="KSO_WM_UNIT_LAYERLEVEL" val="1"/>
+  <p:tag name="KSO_WM_TAG_VERSION" val="1.0"/>
+  <p:tag name="KSO_WM_BEAUTIFY_FLAG" val="#wm#"/>
+</p:tagLst>
+</file>
+
+<file path=ppt/tags/tag38.xml><?xml version="1.0" encoding="utf-8"?>
+<p:tagLst xmlns:a="http://schemas.openxmlformats.org/drawingml/2006/main" xmlns:r="http://schemas.openxmlformats.org/officeDocument/2006/relationships" xmlns:p="http://schemas.openxmlformats.org/presentationml/2006/main">
+  <p:tag name="KSO_WM_UNIT_HIGHLIGHT" val="0"/>
+  <p:tag name="KSO_WM_UNIT_COMPATIBLE" val="0"/>
+  <p:tag name="KSO_WM_UNIT_DIAGRAM_ISNUMVISUAL" val="0"/>
+  <p:tag name="KSO_WM_UNIT_DIAGRAM_ISREFERUNIT" val="0"/>
+  <p:tag name="KSO_WM_UNIT_ID" val="_4**"/>
+  <p:tag name="KSO_WM_UNIT_LAYERLEVEL" val="1"/>
+  <p:tag name="KSO_WM_TAG_VERSION" val="1.0"/>
+  <p:tag name="KSO_WM_BEAUTIFY_FLAG" val="#wm#"/>
+</p:tagLst>
+</file>
+
+<file path=ppt/tags/tag39.xml><?xml version="1.0" encoding="utf-8"?>
+<p:tagLst xmlns:a="http://schemas.openxmlformats.org/drawingml/2006/main" xmlns:r="http://schemas.openxmlformats.org/officeDocument/2006/relationships" xmlns:p="http://schemas.openxmlformats.org/presentationml/2006/main">
+  <p:tag name="KSO_WM_UNIT_HIGHLIGHT" val="0"/>
+  <p:tag name="KSO_WM_UNIT_COMPATIBLE" val="0"/>
+  <p:tag name="KSO_WM_UNIT_DIAGRAM_ISNUMVISUAL" val="0"/>
+  <p:tag name="KSO_WM_UNIT_DIAGRAM_ISREFERUNIT" val="0"/>
+  <p:tag name="KSO_WM_UNIT_ID" val="_5**"/>
+  <p:tag name="KSO_WM_UNIT_LAYERLEVEL" val="1"/>
+  <p:tag name="KSO_WM_TAG_VERSION" val="1.0"/>
+  <p:tag name="KSO_WM_BEAUTIFY_FLAG" val="#wm#"/>
+</p:tagLst>
+</file>
+
+<file path=ppt/tags/tag4.xml><?xml version="1.0" encoding="utf-8"?>
+<p:tagLst xmlns:a="http://schemas.openxmlformats.org/drawingml/2006/main" xmlns:r="http://schemas.openxmlformats.org/officeDocument/2006/relationships" xmlns:p="http://schemas.openxmlformats.org/presentationml/2006/main">
   <p:tag name="KSO_WM_UNIT_HIGHLIGHT" val="0"/>
   <p:tag name="KSO_WM_UNIT_COMPATIBLE" val="0"/>
   <p:tag name="KSO_WM_UNIT_DIAGRAM_ISNUMVISUAL" val="0"/>
@@ -7286,8 +7509,203 @@
 </p:tagLst>
 </file>
 
-<file path=ppt/tags/tag20.xml><?xml version="1.0" encoding="utf-8"?>
-<p:tagLst xmlns:p="http://schemas.openxmlformats.org/presentationml/2006/main">
+<file path=ppt/tags/tag40.xml><?xml version="1.0" encoding="utf-8"?>
+<p:tagLst xmlns:a="http://schemas.openxmlformats.org/drawingml/2006/main" xmlns:r="http://schemas.openxmlformats.org/officeDocument/2006/relationships" xmlns:p="http://schemas.openxmlformats.org/presentationml/2006/main">
+  <p:tag name="KSO_WM_UNIT_HIGHLIGHT" val="0"/>
+  <p:tag name="KSO_WM_UNIT_COMPATIBLE" val="0"/>
+  <p:tag name="KSO_WM_UNIT_DIAGRAM_ISNUMVISUAL" val="0"/>
+  <p:tag name="KSO_WM_UNIT_DIAGRAM_ISREFERUNIT" val="0"/>
+  <p:tag name="KSO_WM_UNIT_ID" val="_5**"/>
+  <p:tag name="KSO_WM_UNIT_LAYERLEVEL" val="1"/>
+  <p:tag name="KSO_WM_TAG_VERSION" val="1.0"/>
+  <p:tag name="KSO_WM_BEAUTIFY_FLAG" val="#wm#"/>
+</p:tagLst>
+</file>
+
+<file path=ppt/tags/tag41.xml><?xml version="1.0" encoding="utf-8"?>
+<p:tagLst xmlns:a="http://schemas.openxmlformats.org/drawingml/2006/main" xmlns:r="http://schemas.openxmlformats.org/officeDocument/2006/relationships" xmlns:p="http://schemas.openxmlformats.org/presentationml/2006/main">
+  <p:tag name="KSO_WM_UNIT_HIGHLIGHT" val="0"/>
+  <p:tag name="KSO_WM_UNIT_COMPATIBLE" val="0"/>
+  <p:tag name="KSO_WM_UNIT_DIAGRAM_ISNUMVISUAL" val="0"/>
+  <p:tag name="KSO_WM_UNIT_DIAGRAM_ISREFERUNIT" val="0"/>
+  <p:tag name="KSO_WM_UNIT_ID" val="_5**"/>
+  <p:tag name="KSO_WM_UNIT_LAYERLEVEL" val="1"/>
+  <p:tag name="KSO_WM_TAG_VERSION" val="1.0"/>
+  <p:tag name="KSO_WM_BEAUTIFY_FLAG" val="#wm#"/>
+</p:tagLst>
+</file>
+
+<file path=ppt/tags/tag42.xml><?xml version="1.0" encoding="utf-8"?>
+<p:tagLst xmlns:a="http://schemas.openxmlformats.org/drawingml/2006/main" xmlns:r="http://schemas.openxmlformats.org/officeDocument/2006/relationships" xmlns:p="http://schemas.openxmlformats.org/presentationml/2006/main">
+  <p:tag name="KSO_WM_UNIT_HIGHLIGHT" val="0"/>
+  <p:tag name="KSO_WM_UNIT_COMPATIBLE" val="0"/>
+  <p:tag name="KSO_WM_UNIT_DIAGRAM_ISNUMVISUAL" val="0"/>
+  <p:tag name="KSO_WM_UNIT_DIAGRAM_ISREFERUNIT" val="0"/>
+  <p:tag name="KSO_WM_UNIT_ID" val="_5**"/>
+  <p:tag name="KSO_WM_UNIT_LAYERLEVEL" val="1"/>
+  <p:tag name="KSO_WM_TAG_VERSION" val="1.0"/>
+  <p:tag name="KSO_WM_BEAUTIFY_FLAG" val="#wm#"/>
+</p:tagLst>
+</file>
+
+<file path=ppt/tags/tag43.xml><?xml version="1.0" encoding="utf-8"?>
+<p:tagLst xmlns:a="http://schemas.openxmlformats.org/drawingml/2006/main" xmlns:r="http://schemas.openxmlformats.org/officeDocument/2006/relationships" xmlns:p="http://schemas.openxmlformats.org/presentationml/2006/main">
+  <p:tag name="KSO_WM_UNIT_HIGHLIGHT" val="0"/>
+  <p:tag name="KSO_WM_UNIT_COMPATIBLE" val="0"/>
+  <p:tag name="KSO_WM_UNIT_DIAGRAM_ISNUMVISUAL" val="0"/>
+  <p:tag name="KSO_WM_UNIT_DIAGRAM_ISREFERUNIT" val="0"/>
+  <p:tag name="KSO_WM_UNIT_ID" val="_5**"/>
+  <p:tag name="KSO_WM_UNIT_LAYERLEVEL" val="1"/>
+  <p:tag name="KSO_WM_TAG_VERSION" val="1.0"/>
+  <p:tag name="KSO_WM_BEAUTIFY_FLAG" val="#wm#"/>
+</p:tagLst>
+</file>
+
+<file path=ppt/tags/tag44.xml><?xml version="1.0" encoding="utf-8"?>
+<p:tagLst xmlns:a="http://schemas.openxmlformats.org/drawingml/2006/main" xmlns:r="http://schemas.openxmlformats.org/officeDocument/2006/relationships" xmlns:p="http://schemas.openxmlformats.org/presentationml/2006/main">
+  <p:tag name="KSO_WM_UNIT_HIGHLIGHT" val="0"/>
+  <p:tag name="KSO_WM_UNIT_COMPATIBLE" val="0"/>
+  <p:tag name="KSO_WM_UNIT_DIAGRAM_ISNUMVISUAL" val="0"/>
+  <p:tag name="KSO_WM_UNIT_DIAGRAM_ISREFERUNIT" val="0"/>
+  <p:tag name="KSO_WM_UNIT_ID" val="_5**"/>
+  <p:tag name="KSO_WM_UNIT_LAYERLEVEL" val="1"/>
+  <p:tag name="KSO_WM_TAG_VERSION" val="1.0"/>
+  <p:tag name="KSO_WM_BEAUTIFY_FLAG" val="#wm#"/>
+</p:tagLst>
+</file>
+
+<file path=ppt/tags/tag45.xml><?xml version="1.0" encoding="utf-8"?>
+<p:tagLst xmlns:a="http://schemas.openxmlformats.org/drawingml/2006/main" xmlns:r="http://schemas.openxmlformats.org/officeDocument/2006/relationships" xmlns:p="http://schemas.openxmlformats.org/presentationml/2006/main">
+  <p:tag name="KSO_WM_UNIT_HIGHLIGHT" val="0"/>
+  <p:tag name="KSO_WM_UNIT_COMPATIBLE" val="0"/>
+  <p:tag name="KSO_WM_UNIT_DIAGRAM_ISNUMVISUAL" val="0"/>
+  <p:tag name="KSO_WM_UNIT_DIAGRAM_ISREFERUNIT" val="0"/>
+  <p:tag name="KSO_WM_UNIT_ID" val="_5**"/>
+  <p:tag name="KSO_WM_UNIT_LAYERLEVEL" val="1"/>
+  <p:tag name="KSO_WM_TAG_VERSION" val="1.0"/>
+  <p:tag name="KSO_WM_BEAUTIFY_FLAG" val="#wm#"/>
+</p:tagLst>
+</file>
+
+<file path=ppt/tags/tag46.xml><?xml version="1.0" encoding="utf-8"?>
+<p:tagLst xmlns:a="http://schemas.openxmlformats.org/drawingml/2006/main" xmlns:r="http://schemas.openxmlformats.org/officeDocument/2006/relationships" xmlns:p="http://schemas.openxmlformats.org/presentationml/2006/main">
+  <p:tag name="KSO_WM_UNIT_HIGHLIGHT" val="0"/>
+  <p:tag name="KSO_WM_UNIT_COMPATIBLE" val="0"/>
+  <p:tag name="KSO_WM_UNIT_DIAGRAM_ISNUMVISUAL" val="0"/>
+  <p:tag name="KSO_WM_UNIT_DIAGRAM_ISREFERUNIT" val="0"/>
+  <p:tag name="KSO_WM_UNIT_ID" val="_5**"/>
+  <p:tag name="KSO_WM_UNIT_LAYERLEVEL" val="1"/>
+  <p:tag name="KSO_WM_TAG_VERSION" val="1.0"/>
+  <p:tag name="KSO_WM_BEAUTIFY_FLAG" val="#wm#"/>
+</p:tagLst>
+</file>
+
+<file path=ppt/tags/tag47.xml><?xml version="1.0" encoding="utf-8"?>
+<p:tagLst xmlns:a="http://schemas.openxmlformats.org/drawingml/2006/main" xmlns:r="http://schemas.openxmlformats.org/officeDocument/2006/relationships" xmlns:p="http://schemas.openxmlformats.org/presentationml/2006/main">
+  <p:tag name="KSO_WM_UNIT_HIGHLIGHT" val="0"/>
+  <p:tag name="KSO_WM_UNIT_COMPATIBLE" val="0"/>
+  <p:tag name="KSO_WM_UNIT_DIAGRAM_ISNUMVISUAL" val="0"/>
+  <p:tag name="KSO_WM_UNIT_DIAGRAM_ISREFERUNIT" val="0"/>
+  <p:tag name="KSO_WM_UNIT_ID" val="_6**"/>
+  <p:tag name="KSO_WM_UNIT_LAYERLEVEL" val="1"/>
+  <p:tag name="KSO_WM_TAG_VERSION" val="1.0"/>
+  <p:tag name="KSO_WM_BEAUTIFY_FLAG" val="#wm#"/>
+</p:tagLst>
+</file>
+
+<file path=ppt/tags/tag48.xml><?xml version="1.0" encoding="utf-8"?>
+<p:tagLst xmlns:a="http://schemas.openxmlformats.org/drawingml/2006/main" xmlns:r="http://schemas.openxmlformats.org/officeDocument/2006/relationships" xmlns:p="http://schemas.openxmlformats.org/presentationml/2006/main">
+  <p:tag name="KSO_WM_UNIT_HIGHLIGHT" val="0"/>
+  <p:tag name="KSO_WM_UNIT_COMPATIBLE" val="0"/>
+  <p:tag name="KSO_WM_UNIT_DIAGRAM_ISNUMVISUAL" val="0"/>
+  <p:tag name="KSO_WM_UNIT_DIAGRAM_ISREFERUNIT" val="0"/>
+  <p:tag name="KSO_WM_UNIT_ID" val="_6**"/>
+  <p:tag name="KSO_WM_UNIT_LAYERLEVEL" val="1"/>
+  <p:tag name="KSO_WM_TAG_VERSION" val="1.0"/>
+  <p:tag name="KSO_WM_BEAUTIFY_FLAG" val="#wm#"/>
+</p:tagLst>
+</file>
+
+<file path=ppt/tags/tag49.xml><?xml version="1.0" encoding="utf-8"?>
+<p:tagLst xmlns:a="http://schemas.openxmlformats.org/drawingml/2006/main" xmlns:r="http://schemas.openxmlformats.org/officeDocument/2006/relationships" xmlns:p="http://schemas.openxmlformats.org/presentationml/2006/main">
+  <p:tag name="KSO_WM_UNIT_HIGHLIGHT" val="0"/>
+  <p:tag name="KSO_WM_UNIT_COMPATIBLE" val="0"/>
+  <p:tag name="KSO_WM_UNIT_DIAGRAM_ISNUMVISUAL" val="0"/>
+  <p:tag name="KSO_WM_UNIT_DIAGRAM_ISREFERUNIT" val="0"/>
+  <p:tag name="KSO_WM_UNIT_ID" val="_6**"/>
+  <p:tag name="KSO_WM_UNIT_LAYERLEVEL" val="1"/>
+  <p:tag name="KSO_WM_TAG_VERSION" val="1.0"/>
+  <p:tag name="KSO_WM_BEAUTIFY_FLAG" val="#wm#"/>
+</p:tagLst>
+</file>
+
+<file path=ppt/tags/tag5.xml><?xml version="1.0" encoding="utf-8"?>
+<p:tagLst xmlns:a="http://schemas.openxmlformats.org/drawingml/2006/main" xmlns:r="http://schemas.openxmlformats.org/officeDocument/2006/relationships" xmlns:p="http://schemas.openxmlformats.org/presentationml/2006/main">
+  <p:tag name="KSO_WM_UNIT_HIGHLIGHT" val="0"/>
+  <p:tag name="KSO_WM_UNIT_COMPATIBLE" val="0"/>
+  <p:tag name="KSO_WM_UNIT_DIAGRAM_ISNUMVISUAL" val="0"/>
+  <p:tag name="KSO_WM_UNIT_DIAGRAM_ISREFERUNIT" val="0"/>
+  <p:tag name="KSO_WM_UNIT_ID" val="_5**"/>
+  <p:tag name="KSO_WM_UNIT_LAYERLEVEL" val="1"/>
+  <p:tag name="KSO_WM_TAG_VERSION" val="1.0"/>
+  <p:tag name="KSO_WM_BEAUTIFY_FLAG" val="#wm#"/>
+</p:tagLst>
+</file>
+
+<file path=ppt/tags/tag50.xml><?xml version="1.0" encoding="utf-8"?>
+<p:tagLst xmlns:a="http://schemas.openxmlformats.org/drawingml/2006/main" xmlns:r="http://schemas.openxmlformats.org/officeDocument/2006/relationships" xmlns:p="http://schemas.openxmlformats.org/presentationml/2006/main">
+  <p:tag name="KSO_WM_UNIT_HIGHLIGHT" val="0"/>
+  <p:tag name="KSO_WM_UNIT_COMPATIBLE" val="0"/>
+  <p:tag name="KSO_WM_UNIT_DIAGRAM_ISNUMVISUAL" val="0"/>
+  <p:tag name="KSO_WM_UNIT_DIAGRAM_ISREFERUNIT" val="0"/>
+  <p:tag name="KSO_WM_UNIT_ID" val="_6**"/>
+  <p:tag name="KSO_WM_UNIT_LAYERLEVEL" val="1"/>
+  <p:tag name="KSO_WM_TAG_VERSION" val="1.0"/>
+  <p:tag name="KSO_WM_BEAUTIFY_FLAG" val="#wm#"/>
+</p:tagLst>
+</file>
+
+<file path=ppt/tags/tag51.xml><?xml version="1.0" encoding="utf-8"?>
+<p:tagLst xmlns:a="http://schemas.openxmlformats.org/drawingml/2006/main" xmlns:r="http://schemas.openxmlformats.org/officeDocument/2006/relationships" xmlns:p="http://schemas.openxmlformats.org/presentationml/2006/main">
+  <p:tag name="KSO_WM_UNIT_HIGHLIGHT" val="0"/>
+  <p:tag name="KSO_WM_UNIT_COMPATIBLE" val="0"/>
+  <p:tag name="KSO_WM_UNIT_DIAGRAM_ISNUMVISUAL" val="0"/>
+  <p:tag name="KSO_WM_UNIT_DIAGRAM_ISREFERUNIT" val="0"/>
+  <p:tag name="KSO_WM_UNIT_ID" val="_7**"/>
+  <p:tag name="KSO_WM_UNIT_LAYERLEVEL" val="1"/>
+  <p:tag name="KSO_WM_TAG_VERSION" val="1.0"/>
+  <p:tag name="KSO_WM_BEAUTIFY_FLAG" val="#wm#"/>
+</p:tagLst>
+</file>
+
+<file path=ppt/tags/tag52.xml><?xml version="1.0" encoding="utf-8"?>
+<p:tagLst xmlns:a="http://schemas.openxmlformats.org/drawingml/2006/main" xmlns:r="http://schemas.openxmlformats.org/officeDocument/2006/relationships" xmlns:p="http://schemas.openxmlformats.org/presentationml/2006/main">
+  <p:tag name="KSO_WM_UNIT_HIGHLIGHT" val="0"/>
+  <p:tag name="KSO_WM_UNIT_COMPATIBLE" val="0"/>
+  <p:tag name="KSO_WM_UNIT_DIAGRAM_ISNUMVISUAL" val="0"/>
+  <p:tag name="KSO_WM_UNIT_DIAGRAM_ISREFERUNIT" val="0"/>
+  <p:tag name="KSO_WM_UNIT_ID" val="_7**"/>
+  <p:tag name="KSO_WM_UNIT_LAYERLEVEL" val="1"/>
+  <p:tag name="KSO_WM_TAG_VERSION" val="1.0"/>
+  <p:tag name="KSO_WM_BEAUTIFY_FLAG" val="#wm#"/>
+</p:tagLst>
+</file>
+
+<file path=ppt/tags/tag53.xml><?xml version="1.0" encoding="utf-8"?>
+<p:tagLst xmlns:a="http://schemas.openxmlformats.org/drawingml/2006/main" xmlns:r="http://schemas.openxmlformats.org/officeDocument/2006/relationships" xmlns:p="http://schemas.openxmlformats.org/presentationml/2006/main">
+  <p:tag name="KSO_WM_UNIT_HIGHLIGHT" val="0"/>
+  <p:tag name="KSO_WM_UNIT_COMPATIBLE" val="0"/>
+  <p:tag name="KSO_WM_UNIT_DIAGRAM_ISNUMVISUAL" val="0"/>
+  <p:tag name="KSO_WM_UNIT_DIAGRAM_ISREFERUNIT" val="0"/>
+  <p:tag name="KSO_WM_UNIT_ID" val="_7**"/>
+  <p:tag name="KSO_WM_UNIT_LAYERLEVEL" val="1"/>
+  <p:tag name="KSO_WM_TAG_VERSION" val="1.0"/>
+  <p:tag name="KSO_WM_BEAUTIFY_FLAG" val="#wm#"/>
+</p:tagLst>
+</file>
+
+<file path=ppt/tags/tag54.xml><?xml version="1.0" encoding="utf-8"?>
+<p:tagLst xmlns:a="http://schemas.openxmlformats.org/drawingml/2006/main" xmlns:r="http://schemas.openxmlformats.org/officeDocument/2006/relationships" xmlns:p="http://schemas.openxmlformats.org/presentationml/2006/main">
   <p:tag name="KSO_WM_UNIT_HIGHLIGHT" val="0"/>
   <p:tag name="KSO_WM_UNIT_COMPATIBLE" val="0"/>
   <p:tag name="KSO_WM_UNIT_DIAGRAM_ISNUMVISUAL" val="0"/>
@@ -7299,8 +7717,8 @@
 </p:tagLst>
 </file>
 
-<file path=ppt/tags/tag21.xml><?xml version="1.0" encoding="utf-8"?>
-<p:tagLst xmlns:p="http://schemas.openxmlformats.org/presentationml/2006/main">
+<file path=ppt/tags/tag55.xml><?xml version="1.0" encoding="utf-8"?>
+<p:tagLst xmlns:a="http://schemas.openxmlformats.org/drawingml/2006/main" xmlns:r="http://schemas.openxmlformats.org/officeDocument/2006/relationships" xmlns:p="http://schemas.openxmlformats.org/presentationml/2006/main">
   <p:tag name="KSO_WM_UNIT_HIGHLIGHT" val="0"/>
   <p:tag name="KSO_WM_UNIT_COMPATIBLE" val="0"/>
   <p:tag name="KSO_WM_UNIT_DIAGRAM_ISNUMVISUAL" val="0"/>
@@ -7312,8 +7730,8 @@
 </p:tagLst>
 </file>
 
-<file path=ppt/tags/tag22.xml><?xml version="1.0" encoding="utf-8"?>
-<p:tagLst xmlns:p="http://schemas.openxmlformats.org/presentationml/2006/main">
+<file path=ppt/tags/tag56.xml><?xml version="1.0" encoding="utf-8"?>
+<p:tagLst xmlns:a="http://schemas.openxmlformats.org/drawingml/2006/main" xmlns:r="http://schemas.openxmlformats.org/officeDocument/2006/relationships" xmlns:p="http://schemas.openxmlformats.org/presentationml/2006/main">
   <p:tag name="KSO_WM_UNIT_HIGHLIGHT" val="0"/>
   <p:tag name="KSO_WM_UNIT_COMPATIBLE" val="0"/>
   <p:tag name="KSO_WM_UNIT_DIAGRAM_ISNUMVISUAL" val="0"/>
@@ -7325,73 +7743,8 @@
 </p:tagLst>
 </file>
 
-<file path=ppt/tags/tag23.xml><?xml version="1.0" encoding="utf-8"?>
-<p:tagLst xmlns:p="http://schemas.openxmlformats.org/presentationml/2006/main">
-  <p:tag name="KSO_WM_UNIT_HIGHLIGHT" val="0"/>
-  <p:tag name="KSO_WM_UNIT_COMPATIBLE" val="0"/>
-  <p:tag name="KSO_WM_UNIT_DIAGRAM_ISNUMVISUAL" val="0"/>
-  <p:tag name="KSO_WM_UNIT_DIAGRAM_ISREFERUNIT" val="0"/>
-  <p:tag name="KSO_WM_UNIT_ID" val="_3**"/>
-  <p:tag name="KSO_WM_UNIT_LAYERLEVEL" val="1"/>
-  <p:tag name="KSO_WM_TAG_VERSION" val="1.0"/>
-  <p:tag name="KSO_WM_BEAUTIFY_FLAG" val="#wm#"/>
-</p:tagLst>
-</file>
-
-<file path=ppt/tags/tag24.xml><?xml version="1.0" encoding="utf-8"?>
-<p:tagLst xmlns:p="http://schemas.openxmlformats.org/presentationml/2006/main">
-  <p:tag name="KSO_WM_UNIT_HIGHLIGHT" val="0"/>
-  <p:tag name="KSO_WM_UNIT_COMPATIBLE" val="0"/>
-  <p:tag name="KSO_WM_UNIT_DIAGRAM_ISNUMVISUAL" val="0"/>
-  <p:tag name="KSO_WM_UNIT_DIAGRAM_ISREFERUNIT" val="0"/>
-  <p:tag name="KSO_WM_UNIT_ID" val="_11**"/>
-  <p:tag name="KSO_WM_UNIT_LAYERLEVEL" val="1"/>
-  <p:tag name="KSO_WM_TAG_VERSION" val="1.0"/>
-  <p:tag name="KSO_WM_BEAUTIFY_FLAG" val="#wm#"/>
-</p:tagLst>
-</file>
-
-<file path=ppt/tags/tag25.xml><?xml version="1.0" encoding="utf-8"?>
-<p:tagLst xmlns:p="http://schemas.openxmlformats.org/presentationml/2006/main">
-  <p:tag name="KSO_WM_UNIT_HIGHLIGHT" val="0"/>
-  <p:tag name="KSO_WM_UNIT_COMPATIBLE" val="0"/>
-  <p:tag name="KSO_WM_UNIT_DIAGRAM_ISNUMVISUAL" val="0"/>
-  <p:tag name="KSO_WM_UNIT_DIAGRAM_ISREFERUNIT" val="0"/>
-  <p:tag name="KSO_WM_UNIT_ID" val="_11**"/>
-  <p:tag name="KSO_WM_UNIT_LAYERLEVEL" val="1"/>
-  <p:tag name="KSO_WM_TAG_VERSION" val="1.0"/>
-  <p:tag name="KSO_WM_BEAUTIFY_FLAG" val="#wm#"/>
-</p:tagLst>
-</file>
-
-<file path=ppt/tags/tag26.xml><?xml version="1.0" encoding="utf-8"?>
-<p:tagLst xmlns:p="http://schemas.openxmlformats.org/presentationml/2006/main">
-  <p:tag name="KSO_WM_UNIT_HIGHLIGHT" val="0"/>
-  <p:tag name="KSO_WM_UNIT_COMPATIBLE" val="0"/>
-  <p:tag name="KSO_WM_UNIT_DIAGRAM_ISNUMVISUAL" val="0"/>
-  <p:tag name="KSO_WM_UNIT_DIAGRAM_ISREFERUNIT" val="0"/>
-  <p:tag name="KSO_WM_UNIT_ID" val="_11**"/>
-  <p:tag name="KSO_WM_UNIT_LAYERLEVEL" val="1"/>
-  <p:tag name="KSO_WM_TAG_VERSION" val="1.0"/>
-  <p:tag name="KSO_WM_BEAUTIFY_FLAG" val="#wm#"/>
-</p:tagLst>
-</file>
-
-<file path=ppt/tags/tag27.xml><?xml version="1.0" encoding="utf-8"?>
-<p:tagLst xmlns:p="http://schemas.openxmlformats.org/presentationml/2006/main">
-  <p:tag name="KSO_WM_UNIT_HIGHLIGHT" val="0"/>
-  <p:tag name="KSO_WM_UNIT_COMPATIBLE" val="0"/>
-  <p:tag name="KSO_WM_UNIT_DIAGRAM_ISNUMVISUAL" val="0"/>
-  <p:tag name="KSO_WM_UNIT_DIAGRAM_ISREFERUNIT" val="0"/>
-  <p:tag name="KSO_WM_UNIT_ID" val="_11**"/>
-  <p:tag name="KSO_WM_UNIT_LAYERLEVEL" val="1"/>
-  <p:tag name="KSO_WM_TAG_VERSION" val="1.0"/>
-  <p:tag name="KSO_WM_BEAUTIFY_FLAG" val="#wm#"/>
-</p:tagLst>
-</file>
-
-<file path=ppt/tags/tag28.xml><?xml version="1.0" encoding="utf-8"?>
-<p:tagLst xmlns:p="http://schemas.openxmlformats.org/presentationml/2006/main">
+<file path=ppt/tags/tag57.xml><?xml version="1.0" encoding="utf-8"?>
+<p:tagLst xmlns:a="http://schemas.openxmlformats.org/drawingml/2006/main" xmlns:r="http://schemas.openxmlformats.org/officeDocument/2006/relationships" xmlns:p="http://schemas.openxmlformats.org/presentationml/2006/main">
   <p:tag name="KSO_WM_UNIT_HIGHLIGHT" val="0"/>
   <p:tag name="KSO_WM_UNIT_COMPATIBLE" val="0"/>
   <p:tag name="KSO_WM_UNIT_DIAGRAM_ISNUMVISUAL" val="0"/>
@@ -7403,8 +7756,8 @@
 </p:tagLst>
 </file>
 
-<file path=ppt/tags/tag29.xml><?xml version="1.0" encoding="utf-8"?>
-<p:tagLst xmlns:p="http://schemas.openxmlformats.org/presentationml/2006/main">
+<file path=ppt/tags/tag58.xml><?xml version="1.0" encoding="utf-8"?>
+<p:tagLst xmlns:a="http://schemas.openxmlformats.org/drawingml/2006/main" xmlns:r="http://schemas.openxmlformats.org/officeDocument/2006/relationships" xmlns:p="http://schemas.openxmlformats.org/presentationml/2006/main">
   <p:tag name="KSO_WM_UNIT_HIGHLIGHT" val="0"/>
   <p:tag name="KSO_WM_UNIT_COMPATIBLE" val="0"/>
   <p:tag name="KSO_WM_UNIT_DIAGRAM_ISNUMVISUAL" val="0"/>
@@ -7416,8 +7769,21 @@
 </p:tagLst>
 </file>
 
-<file path=ppt/tags/tag3.xml><?xml version="1.0" encoding="utf-8"?>
-<p:tagLst xmlns:p="http://schemas.openxmlformats.org/presentationml/2006/main">
+<file path=ppt/tags/tag59.xml><?xml version="1.0" encoding="utf-8"?>
+<p:tagLst xmlns:a="http://schemas.openxmlformats.org/drawingml/2006/main" xmlns:r="http://schemas.openxmlformats.org/officeDocument/2006/relationships" xmlns:p="http://schemas.openxmlformats.org/presentationml/2006/main">
+  <p:tag name="KSO_WM_UNIT_HIGHLIGHT" val="0"/>
+  <p:tag name="KSO_WM_UNIT_COMPATIBLE" val="0"/>
+  <p:tag name="KSO_WM_UNIT_DIAGRAM_ISNUMVISUAL" val="0"/>
+  <p:tag name="KSO_WM_UNIT_DIAGRAM_ISREFERUNIT" val="0"/>
+  <p:tag name="KSO_WM_UNIT_ID" val="_8**"/>
+  <p:tag name="KSO_WM_UNIT_LAYERLEVEL" val="1"/>
+  <p:tag name="KSO_WM_TAG_VERSION" val="1.0"/>
+  <p:tag name="KSO_WM_BEAUTIFY_FLAG" val="#wm#"/>
+</p:tagLst>
+</file>
+
+<file path=ppt/tags/tag6.xml><?xml version="1.0" encoding="utf-8"?>
+<p:tagLst xmlns:a="http://schemas.openxmlformats.org/drawingml/2006/main" xmlns:r="http://schemas.openxmlformats.org/officeDocument/2006/relationships" xmlns:p="http://schemas.openxmlformats.org/presentationml/2006/main">
   <p:tag name="KSO_WM_UNIT_HIGHLIGHT" val="0"/>
   <p:tag name="KSO_WM_UNIT_COMPATIBLE" val="0"/>
   <p:tag name="KSO_WM_UNIT_DIAGRAM_ISNUMVISUAL" val="0"/>
@@ -7429,99 +7795,138 @@
 </p:tagLst>
 </file>
 
-<file path=ppt/tags/tag30.xml><?xml version="1.0" encoding="utf-8"?>
-<p:tagLst xmlns:p="http://schemas.openxmlformats.org/presentationml/2006/main">
+<file path=ppt/tags/tag60.xml><?xml version="1.0" encoding="utf-8"?>
+<p:tagLst xmlns:a="http://schemas.openxmlformats.org/drawingml/2006/main" xmlns:r="http://schemas.openxmlformats.org/officeDocument/2006/relationships" xmlns:p="http://schemas.openxmlformats.org/presentationml/2006/main">
   <p:tag name="KSO_WM_UNIT_HIGHLIGHT" val="0"/>
   <p:tag name="KSO_WM_UNIT_COMPATIBLE" val="0"/>
   <p:tag name="KSO_WM_UNIT_DIAGRAM_ISNUMVISUAL" val="0"/>
   <p:tag name="KSO_WM_UNIT_DIAGRAM_ISREFERUNIT" val="0"/>
-  <p:tag name="KSO_WM_UNIT_ID" val="_8**"/>
+  <p:tag name="KSO_WM_UNIT_ID" val="_9**"/>
   <p:tag name="KSO_WM_UNIT_LAYERLEVEL" val="1"/>
   <p:tag name="KSO_WM_TAG_VERSION" val="1.0"/>
   <p:tag name="KSO_WM_BEAUTIFY_FLAG" val="#wm#"/>
 </p:tagLst>
 </file>
 
-<file path=ppt/tags/tag31.xml><?xml version="1.0" encoding="utf-8"?>
-<p:tagLst xmlns:p="http://schemas.openxmlformats.org/presentationml/2006/main">
+<file path=ppt/tags/tag61.xml><?xml version="1.0" encoding="utf-8"?>
+<p:tagLst xmlns:a="http://schemas.openxmlformats.org/drawingml/2006/main" xmlns:r="http://schemas.openxmlformats.org/officeDocument/2006/relationships" xmlns:p="http://schemas.openxmlformats.org/presentationml/2006/main">
   <p:tag name="KSO_WM_UNIT_HIGHLIGHT" val="0"/>
   <p:tag name="KSO_WM_UNIT_COMPATIBLE" val="0"/>
   <p:tag name="KSO_WM_UNIT_DIAGRAM_ISNUMVISUAL" val="0"/>
   <p:tag name="KSO_WM_UNIT_DIAGRAM_ISREFERUNIT" val="0"/>
-  <p:tag name="KSO_WM_UNIT_ID" val="_4**"/>
+  <p:tag name="KSO_WM_UNIT_ID" val="_9**"/>
   <p:tag name="KSO_WM_UNIT_LAYERLEVEL" val="1"/>
   <p:tag name="KSO_WM_TAG_VERSION" val="1.0"/>
   <p:tag name="KSO_WM_BEAUTIFY_FLAG" val="#wm#"/>
 </p:tagLst>
 </file>
 
-<file path=ppt/tags/tag32.xml><?xml version="1.0" encoding="utf-8"?>
-<p:tagLst xmlns:p="http://schemas.openxmlformats.org/presentationml/2006/main">
+<file path=ppt/tags/tag62.xml><?xml version="1.0" encoding="utf-8"?>
+<p:tagLst xmlns:a="http://schemas.openxmlformats.org/drawingml/2006/main" xmlns:r="http://schemas.openxmlformats.org/officeDocument/2006/relationships" xmlns:p="http://schemas.openxmlformats.org/presentationml/2006/main">
   <p:tag name="KSO_WM_UNIT_HIGHLIGHT" val="0"/>
   <p:tag name="KSO_WM_UNIT_COMPATIBLE" val="0"/>
   <p:tag name="KSO_WM_UNIT_DIAGRAM_ISNUMVISUAL" val="0"/>
   <p:tag name="KSO_WM_UNIT_DIAGRAM_ISREFERUNIT" val="0"/>
-  <p:tag name="KSO_WM_UNIT_ID" val="_4**"/>
+  <p:tag name="KSO_WM_UNIT_ID" val="_9**"/>
   <p:tag name="KSO_WM_UNIT_LAYERLEVEL" val="1"/>
   <p:tag name="KSO_WM_TAG_VERSION" val="1.0"/>
   <p:tag name="KSO_WM_BEAUTIFY_FLAG" val="#wm#"/>
 </p:tagLst>
 </file>
 
-<file path=ppt/tags/tag33.xml><?xml version="1.0" encoding="utf-8"?>
-<p:tagLst xmlns:p="http://schemas.openxmlformats.org/presentationml/2006/main">
+<file path=ppt/tags/tag63.xml><?xml version="1.0" encoding="utf-8"?>
+<p:tagLst xmlns:a="http://schemas.openxmlformats.org/drawingml/2006/main" xmlns:r="http://schemas.openxmlformats.org/officeDocument/2006/relationships" xmlns:p="http://schemas.openxmlformats.org/presentationml/2006/main">
   <p:tag name="KSO_WM_UNIT_HIGHLIGHT" val="0"/>
   <p:tag name="KSO_WM_UNIT_COMPATIBLE" val="0"/>
   <p:tag name="KSO_WM_UNIT_DIAGRAM_ISNUMVISUAL" val="0"/>
   <p:tag name="KSO_WM_UNIT_DIAGRAM_ISREFERUNIT" val="0"/>
-  <p:tag name="KSO_WM_UNIT_ID" val="_4**"/>
+  <p:tag name="KSO_WM_UNIT_ID" val="_9**"/>
   <p:tag name="KSO_WM_UNIT_LAYERLEVEL" val="1"/>
   <p:tag name="KSO_WM_TAG_VERSION" val="1.0"/>
   <p:tag name="KSO_WM_BEAUTIFY_FLAG" val="#wm#"/>
 </p:tagLst>
 </file>
 
-<file path=ppt/tags/tag34.xml><?xml version="1.0" encoding="utf-8"?>
-<p:tagLst xmlns:p="http://schemas.openxmlformats.org/presentationml/2006/main">
+<file path=ppt/tags/tag64.xml><?xml version="1.0" encoding="utf-8"?>
+<p:tagLst xmlns:a="http://schemas.openxmlformats.org/drawingml/2006/main" xmlns:r="http://schemas.openxmlformats.org/officeDocument/2006/relationships" xmlns:p="http://schemas.openxmlformats.org/presentationml/2006/main">
   <p:tag name="KSO_WM_UNIT_HIGHLIGHT" val="0"/>
   <p:tag name="KSO_WM_UNIT_COMPATIBLE" val="0"/>
   <p:tag name="KSO_WM_UNIT_DIAGRAM_ISNUMVISUAL" val="0"/>
   <p:tag name="KSO_WM_UNIT_DIAGRAM_ISREFERUNIT" val="0"/>
-  <p:tag name="KSO_WM_UNIT_ID" val="_4**"/>
+  <p:tag name="KSO_WM_UNIT_ID" val="_9**"/>
   <p:tag name="KSO_WM_UNIT_LAYERLEVEL" val="1"/>
   <p:tag name="KSO_WM_TAG_VERSION" val="1.0"/>
   <p:tag name="KSO_WM_BEAUTIFY_FLAG" val="#wm#"/>
 </p:tagLst>
 </file>
 
-<file path=ppt/tags/tag35.xml><?xml version="1.0" encoding="utf-8"?>
-<p:tagLst xmlns:p="http://schemas.openxmlformats.org/presentationml/2006/main">
+<file path=ppt/tags/tag65.xml><?xml version="1.0" encoding="utf-8"?>
+<p:tagLst xmlns:a="http://schemas.openxmlformats.org/drawingml/2006/main" xmlns:r="http://schemas.openxmlformats.org/officeDocument/2006/relationships" xmlns:p="http://schemas.openxmlformats.org/presentationml/2006/main">
   <p:tag name="KSO_WM_UNIT_HIGHLIGHT" val="0"/>
   <p:tag name="KSO_WM_UNIT_COMPATIBLE" val="0"/>
   <p:tag name="KSO_WM_UNIT_DIAGRAM_ISNUMVISUAL" val="0"/>
   <p:tag name="KSO_WM_UNIT_DIAGRAM_ISREFERUNIT" val="0"/>
-  <p:tag name="KSO_WM_UNIT_ID" val="_4**"/>
+  <p:tag name="KSO_WM_UNIT_ID" val="_10**"/>
   <p:tag name="KSO_WM_UNIT_LAYERLEVEL" val="1"/>
   <p:tag name="KSO_WM_TAG_VERSION" val="1.0"/>
   <p:tag name="KSO_WM_BEAUTIFY_FLAG" val="#wm#"/>
 </p:tagLst>
 </file>
 
-<file path=ppt/tags/tag36.xml><?xml version="1.0" encoding="utf-8"?>
-<p:tagLst xmlns:p="http://schemas.openxmlformats.org/presentationml/2006/main">
+<file path=ppt/tags/tag66.xml><?xml version="1.0" encoding="utf-8"?>
+<p:tagLst xmlns:a="http://schemas.openxmlformats.org/drawingml/2006/main" xmlns:r="http://schemas.openxmlformats.org/officeDocument/2006/relationships" xmlns:p="http://schemas.openxmlformats.org/presentationml/2006/main">
   <p:tag name="KSO_WM_UNIT_HIGHLIGHT" val="0"/>
   <p:tag name="KSO_WM_UNIT_COMPATIBLE" val="0"/>
   <p:tag name="KSO_WM_UNIT_DIAGRAM_ISNUMVISUAL" val="0"/>
   <p:tag name="KSO_WM_UNIT_DIAGRAM_ISREFERUNIT" val="0"/>
-  <p:tag name="KSO_WM_UNIT_ID" val="_4**"/>
+  <p:tag name="KSO_WM_UNIT_ID" val="_10**"/>
   <p:tag name="KSO_WM_UNIT_LAYERLEVEL" val="1"/>
   <p:tag name="KSO_WM_TAG_VERSION" val="1.0"/>
   <p:tag name="KSO_WM_BEAUTIFY_FLAG" val="#wm#"/>
 </p:tagLst>
 </file>
 
-<file path=ppt/tags/tag37.xml><?xml version="1.0" encoding="utf-8"?>
-<p:tagLst xmlns:p="http://schemas.openxmlformats.org/presentationml/2006/main">
+<file path=ppt/tags/tag67.xml><?xml version="1.0" encoding="utf-8"?>
+<p:tagLst xmlns:a="http://schemas.openxmlformats.org/drawingml/2006/main" xmlns:r="http://schemas.openxmlformats.org/officeDocument/2006/relationships" xmlns:p="http://schemas.openxmlformats.org/presentationml/2006/main">
+  <p:tag name="KSO_WM_UNIT_HIGHLIGHT" val="0"/>
+  <p:tag name="KSO_WM_UNIT_COMPATIBLE" val="0"/>
+  <p:tag name="KSO_WM_UNIT_DIAGRAM_ISNUMVISUAL" val="0"/>
+  <p:tag name="KSO_WM_UNIT_DIAGRAM_ISREFERUNIT" val="0"/>
+  <p:tag name="KSO_WM_UNIT_ID" val="_10**"/>
+  <p:tag name="KSO_WM_UNIT_LAYERLEVEL" val="1"/>
+  <p:tag name="KSO_WM_TAG_VERSION" val="1.0"/>
+  <p:tag name="KSO_WM_BEAUTIFY_FLAG" val="#wm#"/>
+</p:tagLst>
+</file>
+
+<file path=ppt/tags/tag68.xml><?xml version="1.0" encoding="utf-8"?>
+<p:tagLst xmlns:a="http://schemas.openxmlformats.org/drawingml/2006/main" xmlns:r="http://schemas.openxmlformats.org/officeDocument/2006/relationships" xmlns:p="http://schemas.openxmlformats.org/presentationml/2006/main">
+  <p:tag name="KSO_WM_UNIT_HIGHLIGHT" val="0"/>
+  <p:tag name="KSO_WM_UNIT_COMPATIBLE" val="0"/>
+  <p:tag name="KSO_WM_UNIT_DIAGRAM_ISNUMVISUAL" val="0"/>
+  <p:tag name="KSO_WM_UNIT_DIAGRAM_ISREFERUNIT" val="0"/>
+  <p:tag name="KSO_WM_UNIT_ID" val="_10**"/>
+  <p:tag name="KSO_WM_UNIT_LAYERLEVEL" val="1"/>
+  <p:tag name="KSO_WM_TAG_VERSION" val="1.0"/>
+  <p:tag name="KSO_WM_BEAUTIFY_FLAG" val="#wm#"/>
+</p:tagLst>
+</file>
+
+<file path=ppt/tags/tag69.xml><?xml version="1.0" encoding="utf-8"?>
+<p:tagLst xmlns:a="http://schemas.openxmlformats.org/drawingml/2006/main" xmlns:r="http://schemas.openxmlformats.org/officeDocument/2006/relationships" xmlns:p="http://schemas.openxmlformats.org/presentationml/2006/main">
+  <p:tag name="KSO_WM_UNIT_HIGHLIGHT" val="0"/>
+  <p:tag name="KSO_WM_UNIT_COMPATIBLE" val="0"/>
+  <p:tag name="KSO_WM_UNIT_DIAGRAM_ISNUMVISUAL" val="0"/>
+  <p:tag name="KSO_WM_UNIT_DIAGRAM_ISREFERUNIT" val="0"/>
+  <p:tag name="KSO_WM_UNIT_ID" val="_6**"/>
+  <p:tag name="KSO_WM_UNIT_LAYERLEVEL" val="1"/>
+  <p:tag name="KSO_WM_TAG_VERSION" val="1.0"/>
+  <p:tag name="KSO_WM_BEAUTIFY_FLAG" val="#wm#"/>
+</p:tagLst>
+</file>
+
+<file path=ppt/tags/tag7.xml><?xml version="1.0" encoding="utf-8"?>
+<p:tagLst xmlns:a="http://schemas.openxmlformats.org/drawingml/2006/main" xmlns:r="http://schemas.openxmlformats.org/officeDocument/2006/relationships" xmlns:p="http://schemas.openxmlformats.org/presentationml/2006/main">
   <p:tag name="KSO_WM_UNIT_HIGHLIGHT" val="0"/>
   <p:tag name="KSO_WM_UNIT_COMPATIBLE" val="0"/>
   <p:tag name="KSO_WM_UNIT_DIAGRAM_ISNUMVISUAL" val="0"/>
@@ -7533,448 +7938,8 @@
 </p:tagLst>
 </file>
 
-<file path=ppt/tags/tag38.xml><?xml version="1.0" encoding="utf-8"?>
-<p:tagLst xmlns:p="http://schemas.openxmlformats.org/presentationml/2006/main">
-  <p:tag name="KSO_WM_UNIT_HIGHLIGHT" val="0"/>
-  <p:tag name="KSO_WM_UNIT_COMPATIBLE" val="0"/>
-  <p:tag name="KSO_WM_UNIT_DIAGRAM_ISNUMVISUAL" val="0"/>
-  <p:tag name="KSO_WM_UNIT_DIAGRAM_ISREFERUNIT" val="0"/>
-  <p:tag name="KSO_WM_UNIT_ID" val="_5**"/>
-  <p:tag name="KSO_WM_UNIT_LAYERLEVEL" val="1"/>
-  <p:tag name="KSO_WM_TAG_VERSION" val="1.0"/>
-  <p:tag name="KSO_WM_BEAUTIFY_FLAG" val="#wm#"/>
-</p:tagLst>
-</file>
-
-<file path=ppt/tags/tag39.xml><?xml version="1.0" encoding="utf-8"?>
-<p:tagLst xmlns:p="http://schemas.openxmlformats.org/presentationml/2006/main">
-  <p:tag name="KSO_WM_UNIT_HIGHLIGHT" val="0"/>
-  <p:tag name="KSO_WM_UNIT_COMPATIBLE" val="0"/>
-  <p:tag name="KSO_WM_UNIT_DIAGRAM_ISNUMVISUAL" val="0"/>
-  <p:tag name="KSO_WM_UNIT_DIAGRAM_ISREFERUNIT" val="0"/>
-  <p:tag name="KSO_WM_UNIT_ID" val="_5**"/>
-  <p:tag name="KSO_WM_UNIT_LAYERLEVEL" val="1"/>
-  <p:tag name="KSO_WM_TAG_VERSION" val="1.0"/>
-  <p:tag name="KSO_WM_BEAUTIFY_FLAG" val="#wm#"/>
-</p:tagLst>
-</file>
-
-<file path=ppt/tags/tag4.xml><?xml version="1.0" encoding="utf-8"?>
-<p:tagLst xmlns:p="http://schemas.openxmlformats.org/presentationml/2006/main">
-  <p:tag name="KSO_WM_UNIT_HIGHLIGHT" val="0"/>
-  <p:tag name="KSO_WM_UNIT_COMPATIBLE" val="0"/>
-  <p:tag name="KSO_WM_UNIT_DIAGRAM_ISNUMVISUAL" val="0"/>
-  <p:tag name="KSO_WM_UNIT_DIAGRAM_ISREFERUNIT" val="0"/>
-  <p:tag name="KSO_WM_UNIT_ID" val="_5**"/>
-  <p:tag name="KSO_WM_UNIT_LAYERLEVEL" val="1"/>
-  <p:tag name="KSO_WM_TAG_VERSION" val="1.0"/>
-  <p:tag name="KSO_WM_BEAUTIFY_FLAG" val="#wm#"/>
-</p:tagLst>
-</file>
-
-<file path=ppt/tags/tag40.xml><?xml version="1.0" encoding="utf-8"?>
-<p:tagLst xmlns:p="http://schemas.openxmlformats.org/presentationml/2006/main">
-  <p:tag name="KSO_WM_UNIT_HIGHLIGHT" val="0"/>
-  <p:tag name="KSO_WM_UNIT_COMPATIBLE" val="0"/>
-  <p:tag name="KSO_WM_UNIT_DIAGRAM_ISNUMVISUAL" val="0"/>
-  <p:tag name="KSO_WM_UNIT_DIAGRAM_ISREFERUNIT" val="0"/>
-  <p:tag name="KSO_WM_UNIT_ID" val="_5**"/>
-  <p:tag name="KSO_WM_UNIT_LAYERLEVEL" val="1"/>
-  <p:tag name="KSO_WM_TAG_VERSION" val="1.0"/>
-  <p:tag name="KSO_WM_BEAUTIFY_FLAG" val="#wm#"/>
-</p:tagLst>
-</file>
-
-<file path=ppt/tags/tag41.xml><?xml version="1.0" encoding="utf-8"?>
-<p:tagLst xmlns:p="http://schemas.openxmlformats.org/presentationml/2006/main">
-  <p:tag name="KSO_WM_UNIT_HIGHLIGHT" val="0"/>
-  <p:tag name="KSO_WM_UNIT_COMPATIBLE" val="0"/>
-  <p:tag name="KSO_WM_UNIT_DIAGRAM_ISNUMVISUAL" val="0"/>
-  <p:tag name="KSO_WM_UNIT_DIAGRAM_ISREFERUNIT" val="0"/>
-  <p:tag name="KSO_WM_UNIT_ID" val="_5**"/>
-  <p:tag name="KSO_WM_UNIT_LAYERLEVEL" val="1"/>
-  <p:tag name="KSO_WM_TAG_VERSION" val="1.0"/>
-  <p:tag name="KSO_WM_BEAUTIFY_FLAG" val="#wm#"/>
-</p:tagLst>
-</file>
-
-<file path=ppt/tags/tag42.xml><?xml version="1.0" encoding="utf-8"?>
-<p:tagLst xmlns:p="http://schemas.openxmlformats.org/presentationml/2006/main">
-  <p:tag name="KSO_WM_UNIT_HIGHLIGHT" val="0"/>
-  <p:tag name="KSO_WM_UNIT_COMPATIBLE" val="0"/>
-  <p:tag name="KSO_WM_UNIT_DIAGRAM_ISNUMVISUAL" val="0"/>
-  <p:tag name="KSO_WM_UNIT_DIAGRAM_ISREFERUNIT" val="0"/>
-  <p:tag name="KSO_WM_UNIT_ID" val="_5**"/>
-  <p:tag name="KSO_WM_UNIT_LAYERLEVEL" val="1"/>
-  <p:tag name="KSO_WM_TAG_VERSION" val="1.0"/>
-  <p:tag name="KSO_WM_BEAUTIFY_FLAG" val="#wm#"/>
-</p:tagLst>
-</file>
-
-<file path=ppt/tags/tag43.xml><?xml version="1.0" encoding="utf-8"?>
-<p:tagLst xmlns:p="http://schemas.openxmlformats.org/presentationml/2006/main">
-  <p:tag name="KSO_WM_UNIT_HIGHLIGHT" val="0"/>
-  <p:tag name="KSO_WM_UNIT_COMPATIBLE" val="0"/>
-  <p:tag name="KSO_WM_UNIT_DIAGRAM_ISNUMVISUAL" val="0"/>
-  <p:tag name="KSO_WM_UNIT_DIAGRAM_ISREFERUNIT" val="0"/>
-  <p:tag name="KSO_WM_UNIT_ID" val="_5**"/>
-  <p:tag name="KSO_WM_UNIT_LAYERLEVEL" val="1"/>
-  <p:tag name="KSO_WM_TAG_VERSION" val="1.0"/>
-  <p:tag name="KSO_WM_BEAUTIFY_FLAG" val="#wm#"/>
-</p:tagLst>
-</file>
-
-<file path=ppt/tags/tag44.xml><?xml version="1.0" encoding="utf-8"?>
-<p:tagLst xmlns:p="http://schemas.openxmlformats.org/presentationml/2006/main">
-  <p:tag name="KSO_WM_UNIT_HIGHLIGHT" val="0"/>
-  <p:tag name="KSO_WM_UNIT_COMPATIBLE" val="0"/>
-  <p:tag name="KSO_WM_UNIT_DIAGRAM_ISNUMVISUAL" val="0"/>
-  <p:tag name="KSO_WM_UNIT_DIAGRAM_ISREFERUNIT" val="0"/>
-  <p:tag name="KSO_WM_UNIT_ID" val="_5**"/>
-  <p:tag name="KSO_WM_UNIT_LAYERLEVEL" val="1"/>
-  <p:tag name="KSO_WM_TAG_VERSION" val="1.0"/>
-  <p:tag name="KSO_WM_BEAUTIFY_FLAG" val="#wm#"/>
-</p:tagLst>
-</file>
-
-<file path=ppt/tags/tag45.xml><?xml version="1.0" encoding="utf-8"?>
-<p:tagLst xmlns:p="http://schemas.openxmlformats.org/presentationml/2006/main">
-  <p:tag name="KSO_WM_UNIT_HIGHLIGHT" val="0"/>
-  <p:tag name="KSO_WM_UNIT_COMPATIBLE" val="0"/>
-  <p:tag name="KSO_WM_UNIT_DIAGRAM_ISNUMVISUAL" val="0"/>
-  <p:tag name="KSO_WM_UNIT_DIAGRAM_ISREFERUNIT" val="0"/>
-  <p:tag name="KSO_WM_UNIT_ID" val="_6**"/>
-  <p:tag name="KSO_WM_UNIT_LAYERLEVEL" val="1"/>
-  <p:tag name="KSO_WM_TAG_VERSION" val="1.0"/>
-  <p:tag name="KSO_WM_BEAUTIFY_FLAG" val="#wm#"/>
-</p:tagLst>
-</file>
-
-<file path=ppt/tags/tag46.xml><?xml version="1.0" encoding="utf-8"?>
-<p:tagLst xmlns:p="http://schemas.openxmlformats.org/presentationml/2006/main">
-  <p:tag name="KSO_WM_UNIT_HIGHLIGHT" val="0"/>
-  <p:tag name="KSO_WM_UNIT_COMPATIBLE" val="0"/>
-  <p:tag name="KSO_WM_UNIT_DIAGRAM_ISNUMVISUAL" val="0"/>
-  <p:tag name="KSO_WM_UNIT_DIAGRAM_ISREFERUNIT" val="0"/>
-  <p:tag name="KSO_WM_UNIT_ID" val="_6**"/>
-  <p:tag name="KSO_WM_UNIT_LAYERLEVEL" val="1"/>
-  <p:tag name="KSO_WM_TAG_VERSION" val="1.0"/>
-  <p:tag name="KSO_WM_BEAUTIFY_FLAG" val="#wm#"/>
-</p:tagLst>
-</file>
-
-<file path=ppt/tags/tag47.xml><?xml version="1.0" encoding="utf-8"?>
-<p:tagLst xmlns:p="http://schemas.openxmlformats.org/presentationml/2006/main">
-  <p:tag name="KSO_WM_UNIT_HIGHLIGHT" val="0"/>
-  <p:tag name="KSO_WM_UNIT_COMPATIBLE" val="0"/>
-  <p:tag name="KSO_WM_UNIT_DIAGRAM_ISNUMVISUAL" val="0"/>
-  <p:tag name="KSO_WM_UNIT_DIAGRAM_ISREFERUNIT" val="0"/>
-  <p:tag name="KSO_WM_UNIT_ID" val="_6**"/>
-  <p:tag name="KSO_WM_UNIT_LAYERLEVEL" val="1"/>
-  <p:tag name="KSO_WM_TAG_VERSION" val="1.0"/>
-  <p:tag name="KSO_WM_BEAUTIFY_FLAG" val="#wm#"/>
-</p:tagLst>
-</file>
-
-<file path=ppt/tags/tag48.xml><?xml version="1.0" encoding="utf-8"?>
-<p:tagLst xmlns:p="http://schemas.openxmlformats.org/presentationml/2006/main">
-  <p:tag name="KSO_WM_UNIT_HIGHLIGHT" val="0"/>
-  <p:tag name="KSO_WM_UNIT_COMPATIBLE" val="0"/>
-  <p:tag name="KSO_WM_UNIT_DIAGRAM_ISNUMVISUAL" val="0"/>
-  <p:tag name="KSO_WM_UNIT_DIAGRAM_ISREFERUNIT" val="0"/>
-  <p:tag name="KSO_WM_UNIT_ID" val="_6**"/>
-  <p:tag name="KSO_WM_UNIT_LAYERLEVEL" val="1"/>
-  <p:tag name="KSO_WM_TAG_VERSION" val="1.0"/>
-  <p:tag name="KSO_WM_BEAUTIFY_FLAG" val="#wm#"/>
-</p:tagLst>
-</file>
-
-<file path=ppt/tags/tag49.xml><?xml version="1.0" encoding="utf-8"?>
-<p:tagLst xmlns:p="http://schemas.openxmlformats.org/presentationml/2006/main">
-  <p:tag name="KSO_WM_UNIT_HIGHLIGHT" val="0"/>
-  <p:tag name="KSO_WM_UNIT_COMPATIBLE" val="0"/>
-  <p:tag name="KSO_WM_UNIT_DIAGRAM_ISNUMVISUAL" val="0"/>
-  <p:tag name="KSO_WM_UNIT_DIAGRAM_ISREFERUNIT" val="0"/>
-  <p:tag name="KSO_WM_UNIT_ID" val="_7**"/>
-  <p:tag name="KSO_WM_UNIT_LAYERLEVEL" val="1"/>
-  <p:tag name="KSO_WM_TAG_VERSION" val="1.0"/>
-  <p:tag name="KSO_WM_BEAUTIFY_FLAG" val="#wm#"/>
-</p:tagLst>
-</file>
-
-<file path=ppt/tags/tag5.xml><?xml version="1.0" encoding="utf-8"?>
-<p:tagLst xmlns:p="http://schemas.openxmlformats.org/presentationml/2006/main">
-  <p:tag name="KSO_WM_UNIT_HIGHLIGHT" val="0"/>
-  <p:tag name="KSO_WM_UNIT_COMPATIBLE" val="0"/>
-  <p:tag name="KSO_WM_UNIT_DIAGRAM_ISNUMVISUAL" val="0"/>
-  <p:tag name="KSO_WM_UNIT_DIAGRAM_ISREFERUNIT" val="0"/>
-  <p:tag name="KSO_WM_UNIT_ID" val="_5**"/>
-  <p:tag name="KSO_WM_UNIT_LAYERLEVEL" val="1"/>
-  <p:tag name="KSO_WM_TAG_VERSION" val="1.0"/>
-  <p:tag name="KSO_WM_BEAUTIFY_FLAG" val="#wm#"/>
-</p:tagLst>
-</file>
-
-<file path=ppt/tags/tag50.xml><?xml version="1.0" encoding="utf-8"?>
-<p:tagLst xmlns:p="http://schemas.openxmlformats.org/presentationml/2006/main">
-  <p:tag name="KSO_WM_UNIT_HIGHLIGHT" val="0"/>
-  <p:tag name="KSO_WM_UNIT_COMPATIBLE" val="0"/>
-  <p:tag name="KSO_WM_UNIT_DIAGRAM_ISNUMVISUAL" val="0"/>
-  <p:tag name="KSO_WM_UNIT_DIAGRAM_ISREFERUNIT" val="0"/>
-  <p:tag name="KSO_WM_UNIT_ID" val="_7**"/>
-  <p:tag name="KSO_WM_UNIT_LAYERLEVEL" val="1"/>
-  <p:tag name="KSO_WM_TAG_VERSION" val="1.0"/>
-  <p:tag name="KSO_WM_BEAUTIFY_FLAG" val="#wm#"/>
-</p:tagLst>
-</file>
-
-<file path=ppt/tags/tag51.xml><?xml version="1.0" encoding="utf-8"?>
-<p:tagLst xmlns:p="http://schemas.openxmlformats.org/presentationml/2006/main">
-  <p:tag name="KSO_WM_UNIT_HIGHLIGHT" val="0"/>
-  <p:tag name="KSO_WM_UNIT_COMPATIBLE" val="0"/>
-  <p:tag name="KSO_WM_UNIT_DIAGRAM_ISNUMVISUAL" val="0"/>
-  <p:tag name="KSO_WM_UNIT_DIAGRAM_ISREFERUNIT" val="0"/>
-  <p:tag name="KSO_WM_UNIT_ID" val="_7**"/>
-  <p:tag name="KSO_WM_UNIT_LAYERLEVEL" val="1"/>
-  <p:tag name="KSO_WM_TAG_VERSION" val="1.0"/>
-  <p:tag name="KSO_WM_BEAUTIFY_FLAG" val="#wm#"/>
-</p:tagLst>
-</file>
-
-<file path=ppt/tags/tag52.xml><?xml version="1.0" encoding="utf-8"?>
-<p:tagLst xmlns:p="http://schemas.openxmlformats.org/presentationml/2006/main">
-  <p:tag name="KSO_WM_UNIT_HIGHLIGHT" val="0"/>
-  <p:tag name="KSO_WM_UNIT_COMPATIBLE" val="0"/>
-  <p:tag name="KSO_WM_UNIT_DIAGRAM_ISNUMVISUAL" val="0"/>
-  <p:tag name="KSO_WM_UNIT_DIAGRAM_ISREFERUNIT" val="0"/>
-  <p:tag name="KSO_WM_UNIT_ID" val="_8**"/>
-  <p:tag name="KSO_WM_UNIT_LAYERLEVEL" val="1"/>
-  <p:tag name="KSO_WM_TAG_VERSION" val="1.0"/>
-  <p:tag name="KSO_WM_BEAUTIFY_FLAG" val="#wm#"/>
-</p:tagLst>
-</file>
-
-<file path=ppt/tags/tag53.xml><?xml version="1.0" encoding="utf-8"?>
-<p:tagLst xmlns:p="http://schemas.openxmlformats.org/presentationml/2006/main">
-  <p:tag name="KSO_WM_UNIT_HIGHLIGHT" val="0"/>
-  <p:tag name="KSO_WM_UNIT_COMPATIBLE" val="0"/>
-  <p:tag name="KSO_WM_UNIT_DIAGRAM_ISNUMVISUAL" val="0"/>
-  <p:tag name="KSO_WM_UNIT_DIAGRAM_ISREFERUNIT" val="0"/>
-  <p:tag name="KSO_WM_UNIT_ID" val="_8**"/>
-  <p:tag name="KSO_WM_UNIT_LAYERLEVEL" val="1"/>
-  <p:tag name="KSO_WM_TAG_VERSION" val="1.0"/>
-  <p:tag name="KSO_WM_BEAUTIFY_FLAG" val="#wm#"/>
-</p:tagLst>
-</file>
-
-<file path=ppt/tags/tag54.xml><?xml version="1.0" encoding="utf-8"?>
-<p:tagLst xmlns:p="http://schemas.openxmlformats.org/presentationml/2006/main">
-  <p:tag name="KSO_WM_UNIT_HIGHLIGHT" val="0"/>
-  <p:tag name="KSO_WM_UNIT_COMPATIBLE" val="0"/>
-  <p:tag name="KSO_WM_UNIT_DIAGRAM_ISNUMVISUAL" val="0"/>
-  <p:tag name="KSO_WM_UNIT_DIAGRAM_ISREFERUNIT" val="0"/>
-  <p:tag name="KSO_WM_UNIT_ID" val="_8**"/>
-  <p:tag name="KSO_WM_UNIT_LAYERLEVEL" val="1"/>
-  <p:tag name="KSO_WM_TAG_VERSION" val="1.0"/>
-  <p:tag name="KSO_WM_BEAUTIFY_FLAG" val="#wm#"/>
-</p:tagLst>
-</file>
-
-<file path=ppt/tags/tag55.xml><?xml version="1.0" encoding="utf-8"?>
-<p:tagLst xmlns:p="http://schemas.openxmlformats.org/presentationml/2006/main">
-  <p:tag name="KSO_WM_UNIT_HIGHLIGHT" val="0"/>
-  <p:tag name="KSO_WM_UNIT_COMPATIBLE" val="0"/>
-  <p:tag name="KSO_WM_UNIT_DIAGRAM_ISNUMVISUAL" val="0"/>
-  <p:tag name="KSO_WM_UNIT_DIAGRAM_ISREFERUNIT" val="0"/>
-  <p:tag name="KSO_WM_UNIT_ID" val="_8**"/>
-  <p:tag name="KSO_WM_UNIT_LAYERLEVEL" val="1"/>
-  <p:tag name="KSO_WM_TAG_VERSION" val="1.0"/>
-  <p:tag name="KSO_WM_BEAUTIFY_FLAG" val="#wm#"/>
-</p:tagLst>
-</file>
-
-<file path=ppt/tags/tag56.xml><?xml version="1.0" encoding="utf-8"?>
-<p:tagLst xmlns:p="http://schemas.openxmlformats.org/presentationml/2006/main">
-  <p:tag name="KSO_WM_UNIT_HIGHLIGHT" val="0"/>
-  <p:tag name="KSO_WM_UNIT_COMPATIBLE" val="0"/>
-  <p:tag name="KSO_WM_UNIT_DIAGRAM_ISNUMVISUAL" val="0"/>
-  <p:tag name="KSO_WM_UNIT_DIAGRAM_ISREFERUNIT" val="0"/>
-  <p:tag name="KSO_WM_UNIT_ID" val="_8**"/>
-  <p:tag name="KSO_WM_UNIT_LAYERLEVEL" val="1"/>
-  <p:tag name="KSO_WM_TAG_VERSION" val="1.0"/>
-  <p:tag name="KSO_WM_BEAUTIFY_FLAG" val="#wm#"/>
-</p:tagLst>
-</file>
-
-<file path=ppt/tags/tag57.xml><?xml version="1.0" encoding="utf-8"?>
-<p:tagLst xmlns:p="http://schemas.openxmlformats.org/presentationml/2006/main">
-  <p:tag name="KSO_WM_UNIT_HIGHLIGHT" val="0"/>
-  <p:tag name="KSO_WM_UNIT_COMPATIBLE" val="0"/>
-  <p:tag name="KSO_WM_UNIT_DIAGRAM_ISNUMVISUAL" val="0"/>
-  <p:tag name="KSO_WM_UNIT_DIAGRAM_ISREFERUNIT" val="0"/>
-  <p:tag name="KSO_WM_UNIT_ID" val="_8**"/>
-  <p:tag name="KSO_WM_UNIT_LAYERLEVEL" val="1"/>
-  <p:tag name="KSO_WM_TAG_VERSION" val="1.0"/>
-  <p:tag name="KSO_WM_BEAUTIFY_FLAG" val="#wm#"/>
-</p:tagLst>
-</file>
-
-<file path=ppt/tags/tag58.xml><?xml version="1.0" encoding="utf-8"?>
-<p:tagLst xmlns:p="http://schemas.openxmlformats.org/presentationml/2006/main">
-  <p:tag name="KSO_WM_UNIT_HIGHLIGHT" val="0"/>
-  <p:tag name="KSO_WM_UNIT_COMPATIBLE" val="0"/>
-  <p:tag name="KSO_WM_UNIT_DIAGRAM_ISNUMVISUAL" val="0"/>
-  <p:tag name="KSO_WM_UNIT_DIAGRAM_ISREFERUNIT" val="0"/>
-  <p:tag name="KSO_WM_UNIT_ID" val="_9**"/>
-  <p:tag name="KSO_WM_UNIT_LAYERLEVEL" val="1"/>
-  <p:tag name="KSO_WM_TAG_VERSION" val="1.0"/>
-  <p:tag name="KSO_WM_BEAUTIFY_FLAG" val="#wm#"/>
-</p:tagLst>
-</file>
-
-<file path=ppt/tags/tag59.xml><?xml version="1.0" encoding="utf-8"?>
-<p:tagLst xmlns:p="http://schemas.openxmlformats.org/presentationml/2006/main">
-  <p:tag name="KSO_WM_UNIT_HIGHLIGHT" val="0"/>
-  <p:tag name="KSO_WM_UNIT_COMPATIBLE" val="0"/>
-  <p:tag name="KSO_WM_UNIT_DIAGRAM_ISNUMVISUAL" val="0"/>
-  <p:tag name="KSO_WM_UNIT_DIAGRAM_ISREFERUNIT" val="0"/>
-  <p:tag name="KSO_WM_UNIT_ID" val="_9**"/>
-  <p:tag name="KSO_WM_UNIT_LAYERLEVEL" val="1"/>
-  <p:tag name="KSO_WM_TAG_VERSION" val="1.0"/>
-  <p:tag name="KSO_WM_BEAUTIFY_FLAG" val="#wm#"/>
-</p:tagLst>
-</file>
-
-<file path=ppt/tags/tag6.xml><?xml version="1.0" encoding="utf-8"?>
-<p:tagLst xmlns:p="http://schemas.openxmlformats.org/presentationml/2006/main">
-  <p:tag name="KSO_WM_UNIT_HIGHLIGHT" val="0"/>
-  <p:tag name="KSO_WM_UNIT_COMPATIBLE" val="0"/>
-  <p:tag name="KSO_WM_UNIT_DIAGRAM_ISNUMVISUAL" val="0"/>
-  <p:tag name="KSO_WM_UNIT_DIAGRAM_ISREFERUNIT" val="0"/>
-  <p:tag name="KSO_WM_UNIT_ID" val="_5**"/>
-  <p:tag name="KSO_WM_UNIT_LAYERLEVEL" val="1"/>
-  <p:tag name="KSO_WM_TAG_VERSION" val="1.0"/>
-  <p:tag name="KSO_WM_BEAUTIFY_FLAG" val="#wm#"/>
-</p:tagLst>
-</file>
-
-<file path=ppt/tags/tag60.xml><?xml version="1.0" encoding="utf-8"?>
-<p:tagLst xmlns:p="http://schemas.openxmlformats.org/presentationml/2006/main">
-  <p:tag name="KSO_WM_UNIT_HIGHLIGHT" val="0"/>
-  <p:tag name="KSO_WM_UNIT_COMPATIBLE" val="0"/>
-  <p:tag name="KSO_WM_UNIT_DIAGRAM_ISNUMVISUAL" val="0"/>
-  <p:tag name="KSO_WM_UNIT_DIAGRAM_ISREFERUNIT" val="0"/>
-  <p:tag name="KSO_WM_UNIT_ID" val="_9**"/>
-  <p:tag name="KSO_WM_UNIT_LAYERLEVEL" val="1"/>
-  <p:tag name="KSO_WM_TAG_VERSION" val="1.0"/>
-  <p:tag name="KSO_WM_BEAUTIFY_FLAG" val="#wm#"/>
-</p:tagLst>
-</file>
-
-<file path=ppt/tags/tag61.xml><?xml version="1.0" encoding="utf-8"?>
-<p:tagLst xmlns:p="http://schemas.openxmlformats.org/presentationml/2006/main">
-  <p:tag name="KSO_WM_UNIT_HIGHLIGHT" val="0"/>
-  <p:tag name="KSO_WM_UNIT_COMPATIBLE" val="0"/>
-  <p:tag name="KSO_WM_UNIT_DIAGRAM_ISNUMVISUAL" val="0"/>
-  <p:tag name="KSO_WM_UNIT_DIAGRAM_ISREFERUNIT" val="0"/>
-  <p:tag name="KSO_WM_UNIT_ID" val="_9**"/>
-  <p:tag name="KSO_WM_UNIT_LAYERLEVEL" val="1"/>
-  <p:tag name="KSO_WM_TAG_VERSION" val="1.0"/>
-  <p:tag name="KSO_WM_BEAUTIFY_FLAG" val="#wm#"/>
-</p:tagLst>
-</file>
-
-<file path=ppt/tags/tag62.xml><?xml version="1.0" encoding="utf-8"?>
-<p:tagLst xmlns:p="http://schemas.openxmlformats.org/presentationml/2006/main">
-  <p:tag name="KSO_WM_UNIT_HIGHLIGHT" val="0"/>
-  <p:tag name="KSO_WM_UNIT_COMPATIBLE" val="0"/>
-  <p:tag name="KSO_WM_UNIT_DIAGRAM_ISNUMVISUAL" val="0"/>
-  <p:tag name="KSO_WM_UNIT_DIAGRAM_ISREFERUNIT" val="0"/>
-  <p:tag name="KSO_WM_UNIT_ID" val="_9**"/>
-  <p:tag name="KSO_WM_UNIT_LAYERLEVEL" val="1"/>
-  <p:tag name="KSO_WM_TAG_VERSION" val="1.0"/>
-  <p:tag name="KSO_WM_BEAUTIFY_FLAG" val="#wm#"/>
-</p:tagLst>
-</file>
-
-<file path=ppt/tags/tag63.xml><?xml version="1.0" encoding="utf-8"?>
-<p:tagLst xmlns:p="http://schemas.openxmlformats.org/presentationml/2006/main">
-  <p:tag name="KSO_WM_UNIT_HIGHLIGHT" val="0"/>
-  <p:tag name="KSO_WM_UNIT_COMPATIBLE" val="0"/>
-  <p:tag name="KSO_WM_UNIT_DIAGRAM_ISNUMVISUAL" val="0"/>
-  <p:tag name="KSO_WM_UNIT_DIAGRAM_ISREFERUNIT" val="0"/>
-  <p:tag name="KSO_WM_UNIT_ID" val="_10**"/>
-  <p:tag name="KSO_WM_UNIT_LAYERLEVEL" val="1"/>
-  <p:tag name="KSO_WM_TAG_VERSION" val="1.0"/>
-  <p:tag name="KSO_WM_BEAUTIFY_FLAG" val="#wm#"/>
-</p:tagLst>
-</file>
-
-<file path=ppt/tags/tag64.xml><?xml version="1.0" encoding="utf-8"?>
-<p:tagLst xmlns:p="http://schemas.openxmlformats.org/presentationml/2006/main">
-  <p:tag name="KSO_WM_UNIT_HIGHLIGHT" val="0"/>
-  <p:tag name="KSO_WM_UNIT_COMPATIBLE" val="0"/>
-  <p:tag name="KSO_WM_UNIT_DIAGRAM_ISNUMVISUAL" val="0"/>
-  <p:tag name="KSO_WM_UNIT_DIAGRAM_ISREFERUNIT" val="0"/>
-  <p:tag name="KSO_WM_UNIT_ID" val="_10**"/>
-  <p:tag name="KSO_WM_UNIT_LAYERLEVEL" val="1"/>
-  <p:tag name="KSO_WM_TAG_VERSION" val="1.0"/>
-  <p:tag name="KSO_WM_BEAUTIFY_FLAG" val="#wm#"/>
-</p:tagLst>
-</file>
-
-<file path=ppt/tags/tag65.xml><?xml version="1.0" encoding="utf-8"?>
-<p:tagLst xmlns:p="http://schemas.openxmlformats.org/presentationml/2006/main">
-  <p:tag name="KSO_WM_UNIT_HIGHLIGHT" val="0"/>
-  <p:tag name="KSO_WM_UNIT_COMPATIBLE" val="0"/>
-  <p:tag name="KSO_WM_UNIT_DIAGRAM_ISNUMVISUAL" val="0"/>
-  <p:tag name="KSO_WM_UNIT_DIAGRAM_ISREFERUNIT" val="0"/>
-  <p:tag name="KSO_WM_UNIT_ID" val="_10**"/>
-  <p:tag name="KSO_WM_UNIT_LAYERLEVEL" val="1"/>
-  <p:tag name="KSO_WM_TAG_VERSION" val="1.0"/>
-  <p:tag name="KSO_WM_BEAUTIFY_FLAG" val="#wm#"/>
-</p:tagLst>
-</file>
-
-<file path=ppt/tags/tag66.xml><?xml version="1.0" encoding="utf-8"?>
-<p:tagLst xmlns:p="http://schemas.openxmlformats.org/presentationml/2006/main">
-  <p:tag name="KSO_WM_UNIT_HIGHLIGHT" val="0"/>
-  <p:tag name="KSO_WM_UNIT_COMPATIBLE" val="0"/>
-  <p:tag name="KSO_WM_UNIT_DIAGRAM_ISNUMVISUAL" val="0"/>
-  <p:tag name="KSO_WM_UNIT_DIAGRAM_ISREFERUNIT" val="0"/>
-  <p:tag name="KSO_WM_UNIT_ID" val="_10**"/>
-  <p:tag name="KSO_WM_UNIT_LAYERLEVEL" val="1"/>
-  <p:tag name="KSO_WM_TAG_VERSION" val="1.0"/>
-  <p:tag name="KSO_WM_BEAUTIFY_FLAG" val="#wm#"/>
-</p:tagLst>
-</file>
-
-<file path=ppt/tags/tag67.xml><?xml version="1.0" encoding="utf-8"?>
-<p:tagLst xmlns:p="http://schemas.openxmlformats.org/presentationml/2006/main">
-  <p:tag name="KSO_WM_UNIT_HIGHLIGHT" val="0"/>
-  <p:tag name="KSO_WM_UNIT_COMPATIBLE" val="0"/>
-  <p:tag name="KSO_WM_UNIT_DIAGRAM_ISNUMVISUAL" val="0"/>
-  <p:tag name="KSO_WM_UNIT_DIAGRAM_ISREFERUNIT" val="0"/>
-  <p:tag name="KSO_WM_UNIT_ID" val="_6**"/>
-  <p:tag name="KSO_WM_UNIT_LAYERLEVEL" val="1"/>
-  <p:tag name="KSO_WM_TAG_VERSION" val="1.0"/>
-  <p:tag name="KSO_WM_BEAUTIFY_FLAG" val="#wm#"/>
-</p:tagLst>
-</file>
-
-<file path=ppt/tags/tag68.xml><?xml version="1.0" encoding="utf-8"?>
-<p:tagLst xmlns:p="http://schemas.openxmlformats.org/presentationml/2006/main">
-  <p:tag name="KSO_WM_TEMPLATE_THUMBS_INDEX" val="1、2、3、6、8、10、11、12、15"/>
-  <p:tag name="KSO_WM_TEMPLATE_SUBCATEGORY" val="0"/>
-  <p:tag name="KSO_WM_TAG_VERSION" val="1.0"/>
-  <p:tag name="KSO_WM_BEAUTIFY_FLAG" val="#wm#"/>
-  <p:tag name="KSO_WM_TEMPLATE_CATEGORY" val="custom"/>
-  <p:tag name="KSO_WM_TEMPLATE_INDEX" val="20187308"/>
-</p:tagLst>
-</file>
-
-<file path=ppt/tags/tag69.xml><?xml version="1.0" encoding="utf-8"?>
-<p:tagLst xmlns:p="http://schemas.openxmlformats.org/presentationml/2006/main">
+<file path=ppt/tags/tag70.xml><?xml version="1.0" encoding="utf-8"?>
+<p:tagLst xmlns:a="http://schemas.openxmlformats.org/drawingml/2006/main" xmlns:r="http://schemas.openxmlformats.org/officeDocument/2006/relationships" xmlns:p="http://schemas.openxmlformats.org/presentationml/2006/main">
   <p:tag name="KSO_WM_TEMPLATE_THUMBS_INDEX" val="1、2、3、6、8、10、11、12、15"/>
   <p:tag name="KSO_WM_SLIDE_ID" val="custom20187308_1"/>
   <p:tag name="KSO_WM_TEMPLATE_SUBCATEGORY" val="0"/>
@@ -7992,8 +7957,65 @@
 </p:tagLst>
 </file>
 
-<file path=ppt/tags/tag7.xml><?xml version="1.0" encoding="utf-8"?>
-<p:tagLst xmlns:p="http://schemas.openxmlformats.org/presentationml/2006/main">
+<file path=ppt/tags/tag71.xml><?xml version="1.0" encoding="utf-8"?>
+<p:tagLst xmlns:a="http://schemas.openxmlformats.org/drawingml/2006/main" xmlns:r="http://schemas.openxmlformats.org/officeDocument/2006/relationships" xmlns:p="http://schemas.openxmlformats.org/presentationml/2006/main">
+  <p:tag name="KSO_WM_BEAUTIFY_FLAG" val="#wm#"/>
+  <p:tag name="KSO_WM_TEMPLATE_CATEGORY" val="custom"/>
+  <p:tag name="KSO_WM_TEMPLATE_INDEX" val="20187308"/>
+  <p:tag name="KSO_WM_SPECIAL_SOURCE" val="bdnull"/>
+</p:tagLst>
+</file>
+
+<file path=ppt/tags/tag72.xml><?xml version="1.0" encoding="utf-8"?>
+<p:tagLst xmlns:a="http://schemas.openxmlformats.org/drawingml/2006/main" xmlns:r="http://schemas.openxmlformats.org/officeDocument/2006/relationships" xmlns:p="http://schemas.openxmlformats.org/presentationml/2006/main">
+  <p:tag name="KSO_WM_BEAUTIFY_FLAG" val="#wm#"/>
+  <p:tag name="KSO_WM_TEMPLATE_CATEGORY" val="custom"/>
+  <p:tag name="KSO_WM_TEMPLATE_INDEX" val="20187308"/>
+  <p:tag name="KSO_WM_SPECIAL_SOURCE" val="bdnull"/>
+</p:tagLst>
+</file>
+
+<file path=ppt/tags/tag73.xml><?xml version="1.0" encoding="utf-8"?>
+<p:tagLst xmlns:a="http://schemas.openxmlformats.org/drawingml/2006/main" xmlns:r="http://schemas.openxmlformats.org/officeDocument/2006/relationships" xmlns:p="http://schemas.openxmlformats.org/presentationml/2006/main">
+  <p:tag name="KSO_WM_SPECIAL_SOURCE" val="bdnull"/>
+</p:tagLst>
+</file>
+
+<file path=ppt/tags/tag74.xml><?xml version="1.0" encoding="utf-8"?>
+<p:tagLst xmlns:a="http://schemas.openxmlformats.org/drawingml/2006/main" xmlns:r="http://schemas.openxmlformats.org/officeDocument/2006/relationships" xmlns:p="http://schemas.openxmlformats.org/presentationml/2006/main">
+  <p:tag name="KSO_WM_SPECIAL_SOURCE" val="bdnull"/>
+</p:tagLst>
+</file>
+
+<file path=ppt/tags/tag75.xml><?xml version="1.0" encoding="utf-8"?>
+<p:tagLst xmlns:a="http://schemas.openxmlformats.org/drawingml/2006/main" xmlns:r="http://schemas.openxmlformats.org/officeDocument/2006/relationships" xmlns:p="http://schemas.openxmlformats.org/presentationml/2006/main">
+  <p:tag name="KSO_WM_BEAUTIFY_FLAG" val="#wm#"/>
+  <p:tag name="KSO_WM_TEMPLATE_CATEGORY" val="custom"/>
+  <p:tag name="KSO_WM_TEMPLATE_INDEX" val="20187308"/>
+  <p:tag name="KSO_WM_SPECIAL_SOURCE" val="bdnull"/>
+</p:tagLst>
+</file>
+
+<file path=ppt/tags/tag76.xml><?xml version="1.0" encoding="utf-8"?>
+<p:tagLst xmlns:a="http://schemas.openxmlformats.org/drawingml/2006/main" xmlns:r="http://schemas.openxmlformats.org/officeDocument/2006/relationships" xmlns:p="http://schemas.openxmlformats.org/presentationml/2006/main">
+  <p:tag name="KSO_WM_BEAUTIFY_FLAG" val="#wm#"/>
+  <p:tag name="KSO_WM_TEMPLATE_CATEGORY" val="custom"/>
+  <p:tag name="KSO_WM_TEMPLATE_INDEX" val="20187308"/>
+  <p:tag name="KSO_WM_SPECIAL_SOURCE" val="bdnull"/>
+</p:tagLst>
+</file>
+
+<file path=ppt/tags/tag77.xml><?xml version="1.0" encoding="utf-8"?>
+<p:tagLst xmlns:a="http://schemas.openxmlformats.org/drawingml/2006/main" xmlns:r="http://schemas.openxmlformats.org/officeDocument/2006/relationships" xmlns:p="http://schemas.openxmlformats.org/presentationml/2006/main">
+  <p:tag name="KSO_WM_BEAUTIFY_FLAG" val="#wm#"/>
+  <p:tag name="KSO_WM_TEMPLATE_CATEGORY" val="custom"/>
+  <p:tag name="KSO_WM_TEMPLATE_INDEX" val="20187308"/>
+  <p:tag name="KSO_WM_SPECIAL_SOURCE" val="bdnull"/>
+</p:tagLst>
+</file>
+
+<file path=ppt/tags/tag8.xml><?xml version="1.0" encoding="utf-8"?>
+<p:tagLst xmlns:a="http://schemas.openxmlformats.org/drawingml/2006/main" xmlns:r="http://schemas.openxmlformats.org/officeDocument/2006/relationships" xmlns:p="http://schemas.openxmlformats.org/presentationml/2006/main">
   <p:tag name="KSO_WM_UNIT_HIGHLIGHT" val="0"/>
   <p:tag name="KSO_WM_UNIT_COMPATIBLE" val="0"/>
   <p:tag name="KSO_WM_UNIT_DIAGRAM_ISNUMVISUAL" val="0"/>
@@ -8005,91 +8027,13 @@
 </p:tagLst>
 </file>
 
-<file path=ppt/tags/tag70.xml><?xml version="1.0" encoding="utf-8"?>
-<p:tagLst xmlns:p="http://schemas.openxmlformats.org/presentationml/2006/main">
-  <p:tag name="KSO_WM_BEAUTIFY_FLAG" val="#wm#"/>
-  <p:tag name="KSO_WM_TEMPLATE_CATEGORY" val="custom"/>
-  <p:tag name="KSO_WM_TEMPLATE_INDEX" val="20187308"/>
-  <p:tag name="KSO_WM_SPECIAL_SOURCE" val="bdnull"/>
-</p:tagLst>
-</file>
-
-<file path=ppt/tags/tag71.xml><?xml version="1.0" encoding="utf-8"?>
-<p:tagLst xmlns:p="http://schemas.openxmlformats.org/presentationml/2006/main">
-  <p:tag name="KSO_WM_BEAUTIFY_FLAG" val="#wm#"/>
-  <p:tag name="KSO_WM_TEMPLATE_CATEGORY" val="custom"/>
-  <p:tag name="KSO_WM_TEMPLATE_INDEX" val="20187308"/>
-  <p:tag name="KSO_WM_SPECIAL_SOURCE" val="bdnull"/>
-</p:tagLst>
-</file>
-
-<file path=ppt/tags/tag72.xml><?xml version="1.0" encoding="utf-8"?>
-<p:tagLst xmlns:p="http://schemas.openxmlformats.org/presentationml/2006/main">
-  <p:tag name="KSO_WM_SPECIAL_SOURCE" val="bdnull"/>
-</p:tagLst>
-</file>
-
-<file path=ppt/tags/tag73.xml><?xml version="1.0" encoding="utf-8"?>
-<p:tagLst xmlns:p="http://schemas.openxmlformats.org/presentationml/2006/main">
-  <p:tag name="KSO_WM_SPECIAL_SOURCE" val="bdnull"/>
-</p:tagLst>
-</file>
-
-<file path=ppt/tags/tag74.xml><?xml version="1.0" encoding="utf-8"?>
-<p:tagLst xmlns:p="http://schemas.openxmlformats.org/presentationml/2006/main">
-  <p:tag name="KSO_WM_BEAUTIFY_FLAG" val="#wm#"/>
-  <p:tag name="KSO_WM_TEMPLATE_CATEGORY" val="custom"/>
-  <p:tag name="KSO_WM_TEMPLATE_INDEX" val="20187308"/>
-  <p:tag name="KSO_WM_SPECIAL_SOURCE" val="bdnull"/>
-</p:tagLst>
-</file>
-
-<file path=ppt/tags/tag75.xml><?xml version="1.0" encoding="utf-8"?>
-<p:tagLst xmlns:p="http://schemas.openxmlformats.org/presentationml/2006/main">
-  <p:tag name="KSO_WM_BEAUTIFY_FLAG" val="#wm#"/>
-  <p:tag name="KSO_WM_TEMPLATE_CATEGORY" val="custom"/>
-  <p:tag name="KSO_WM_TEMPLATE_INDEX" val="20187308"/>
-  <p:tag name="KSO_WM_SPECIAL_SOURCE" val="bdnull"/>
-</p:tagLst>
-</file>
-
-<file path=ppt/tags/tag76.xml><?xml version="1.0" encoding="utf-8"?>
-<p:tagLst xmlns:p="http://schemas.openxmlformats.org/presentationml/2006/main">
-  <p:tag name="KSO_WM_BEAUTIFY_FLAG" val="#wm#"/>
-  <p:tag name="KSO_WM_TEMPLATE_CATEGORY" val="custom"/>
-  <p:tag name="KSO_WM_TEMPLATE_INDEX" val="20187308"/>
-  <p:tag name="KSO_WM_SPECIAL_SOURCE" val="bdnull"/>
-</p:tagLst>
-</file>
-
-<file path=ppt/tags/tag77.xml><?xml version="1.0" encoding="utf-8"?>
-<p:tagLst xmlns:p="http://schemas.openxmlformats.org/presentationml/2006/main">
-  <p:tag name="KSO_DOCER_TEMPLATE_OPEN_ONCE_MARK" val="1"/>
-  <p:tag name="COMMONDATA" val="eyJoZGlkIjoiMjg3YWU3MzE4Zjc2MGFjY2U2ZGQ0NDQwMWZkNTA3OTgifQ=="/>
-  <p:tag name="KSO_WPP_MARK_KEY" val="c4754028-f02d-4a51-bd78-eda642c363c0"/>
-</p:tagLst>
-</file>
-
-<file path=ppt/tags/tag8.xml><?xml version="1.0" encoding="utf-8"?>
-<p:tagLst xmlns:p="http://schemas.openxmlformats.org/presentationml/2006/main">
+<file path=ppt/tags/tag9.xml><?xml version="1.0" encoding="utf-8"?>
+<p:tagLst xmlns:a="http://schemas.openxmlformats.org/drawingml/2006/main" xmlns:r="http://schemas.openxmlformats.org/officeDocument/2006/relationships" xmlns:p="http://schemas.openxmlformats.org/presentationml/2006/main">
   <p:tag name="KSO_WM_UNIT_HIGHLIGHT" val="0"/>
   <p:tag name="KSO_WM_UNIT_COMPATIBLE" val="0"/>
   <p:tag name="KSO_WM_UNIT_DIAGRAM_ISNUMVISUAL" val="0"/>
   <p:tag name="KSO_WM_UNIT_DIAGRAM_ISREFERUNIT" val="0"/>
   <p:tag name="KSO_WM_UNIT_ID" val="_5**"/>
-  <p:tag name="KSO_WM_UNIT_LAYERLEVEL" val="1"/>
-  <p:tag name="KSO_WM_TAG_VERSION" val="1.0"/>
-  <p:tag name="KSO_WM_BEAUTIFY_FLAG" val="#wm#"/>
-</p:tagLst>
-</file>
-
-<file path=ppt/tags/tag9.xml><?xml version="1.0" encoding="utf-8"?>
-<p:tagLst xmlns:p="http://schemas.openxmlformats.org/presentationml/2006/main">
-  <p:tag name="KSO_WM_UNIT_HIGHLIGHT" val="0"/>
-  <p:tag name="KSO_WM_UNIT_COMPATIBLE" val="0"/>
-  <p:tag name="KSO_WM_UNIT_DIAGRAM_ISNUMVISUAL" val="0"/>
-  <p:tag name="KSO_WM_UNIT_DIAGRAM_ISREFERUNIT" val="0"/>
-  <p:tag name="KSO_WM_UNIT_ID" val="_3**"/>
   <p:tag name="KSO_WM_UNIT_LAYERLEVEL" val="1"/>
   <p:tag name="KSO_WM_TAG_VERSION" val="1.0"/>
   <p:tag name="KSO_WM_BEAUTIFY_FLAG" val="#wm#"/>
@@ -8287,6 +8231,8 @@
       </a:bgFillStyleLst>
     </a:fmtScheme>
   </a:themeElements>
+  <a:objectDefaults/>
+  <a:extraClrSchemeLst/>
   <a:extLst>
     <a:ext uri="{05A4C25C-085E-4340-85A3-A5531E510DB2}">
       <thm15:themeFamily xmlns:thm15="http://schemas.microsoft.com/office/thememl/2012/main" name="Office Theme" id="{62F939B6-93AF-4DB8-9C6B-D6C7DFDC589F}" vid="{4A3C46E8-61CC-4603-A589-7422A47A8E4A}"/>
@@ -8546,6 +8492,8 @@
       </a:bgFillStyleLst>
     </a:fmtScheme>
   </a:themeElements>
+  <a:objectDefaults/>
+  <a:extraClrSchemeLst/>
   <a:extLst>
     <a:ext uri="{05A4C25C-085E-4340-85A3-A5531E510DB2}">
       <thm15:themeFamily xmlns:thm15="http://schemas.microsoft.com/office/thememl/2012/main" name="Office Theme" id="{62F939B6-93AF-4DB8-9C6B-D6C7DFDC589F}" vid="{4A3C46E8-61CC-4603-A589-7422A47A8E4A}"/>
@@ -8805,6 +8753,8 @@
       </a:bgFillStyleLst>
     </a:fmtScheme>
   </a:themeElements>
+  <a:objectDefaults/>
+  <a:extraClrSchemeLst/>
   <a:extLst>
     <a:ext uri="{05A4C25C-085E-4340-85A3-A5531E510DB2}">
       <thm15:themeFamily xmlns:thm15="http://schemas.microsoft.com/office/thememl/2012/main" name="Office Theme" id="{62F939B6-93AF-4DB8-9C6B-D6C7DFDC589F}" vid="{4A3C46E8-61CC-4603-A589-7422A47A8E4A}"/>
